--- a/Data_Science_Project.pptx
+++ b/Data_Science_Project.pptx
@@ -5,23 +5,21 @@
     <p:sldMasterId id="2147483672" r:id="rId1"/>
   </p:sldMasterIdLst>
   <p:notesMasterIdLst>
-    <p:notesMasterId r:id="rId16"/>
+    <p:notesMasterId r:id="rId14"/>
   </p:notesMasterIdLst>
   <p:sldIdLst>
     <p:sldId id="256" r:id="rId2"/>
     <p:sldId id="261" r:id="rId3"/>
     <p:sldId id="262" r:id="rId4"/>
     <p:sldId id="263" r:id="rId5"/>
-    <p:sldId id="273" r:id="rId6"/>
-    <p:sldId id="264" r:id="rId7"/>
-    <p:sldId id="265" r:id="rId8"/>
-    <p:sldId id="266" r:id="rId9"/>
-    <p:sldId id="267" r:id="rId10"/>
-    <p:sldId id="268" r:id="rId11"/>
-    <p:sldId id="269" r:id="rId12"/>
-    <p:sldId id="270" r:id="rId13"/>
-    <p:sldId id="271" r:id="rId14"/>
-    <p:sldId id="272" r:id="rId15"/>
+    <p:sldId id="264" r:id="rId6"/>
+    <p:sldId id="268" r:id="rId7"/>
+    <p:sldId id="269" r:id="rId8"/>
+    <p:sldId id="270" r:id="rId9"/>
+    <p:sldId id="271" r:id="rId10"/>
+    <p:sldId id="272" r:id="rId11"/>
+    <p:sldId id="266" r:id="rId12"/>
+    <p:sldId id="267" r:id="rId13"/>
   </p:sldIdLst>
   <p:sldSz cx="12192000" cy="6858000"/>
   <p:notesSz cx="6858000" cy="9144000"/>
@@ -221,7 +219,7 @@
           <a:p>
             <a:fld id="{B7203FEF-F75C-4EE6-87C7-38DA4B05A4AE}" type="datetimeFigureOut">
               <a:rPr lang="en-IN" smtClean="0"/>
-              <a:t>12-10-2024</a:t>
+              <a:t>03-11-2024</a:t>
             </a:fld>
             <a:endParaRPr lang="en-IN"/>
           </a:p>
@@ -707,7 +705,7 @@
           <a:p>
             <a:fld id="{1D47BECD-9191-4DC9-953C-2E1B52D5EB9F}" type="datetime1">
               <a:rPr lang="en-US" smtClean="0"/>
-              <a:t>10/12/2024</a:t>
+              <a:t>11/3/2024</a:t>
             </a:fld>
             <a:endParaRPr lang="en-US"/>
           </a:p>
@@ -961,7 +959,7 @@
           <a:p>
             <a:fld id="{E51BE48E-A382-46D3-B553-2348B2FCE6C1}" type="datetime1">
               <a:rPr lang="en-US" smtClean="0"/>
-              <a:t>10/12/2024</a:t>
+              <a:t>11/3/2024</a:t>
             </a:fld>
             <a:endParaRPr lang="en-US"/>
           </a:p>
@@ -1239,7 +1237,7 @@
           <a:p>
             <a:fld id="{9739D325-AC8D-4322-9789-22F060E54C4B}" type="datetime1">
               <a:rPr lang="en-US" smtClean="0"/>
-              <a:t>10/12/2024</a:t>
+              <a:t>11/3/2024</a:t>
             </a:fld>
             <a:endParaRPr lang="en-US"/>
           </a:p>
@@ -1542,7 +1540,7 @@
           <a:p>
             <a:fld id="{9E04A6C1-94B9-4EB9-826F-B315188D6D53}" type="datetime1">
               <a:rPr lang="en-US" smtClean="0"/>
-              <a:t>10/12/2024</a:t>
+              <a:t>11/3/2024</a:t>
             </a:fld>
             <a:endParaRPr lang="en-US"/>
           </a:p>
@@ -2040,7 +2038,7 @@
           <a:p>
             <a:fld id="{E941EEAC-0BB9-4E22-A5C6-F071B9102B19}" type="datetime1">
               <a:rPr lang="en-US" smtClean="0"/>
-              <a:t>10/12/2024</a:t>
+              <a:t>11/3/2024</a:t>
             </a:fld>
             <a:endParaRPr lang="en-US"/>
           </a:p>
@@ -2287,7 +2285,7 @@
           <a:p>
             <a:fld id="{211D9202-781B-4784-8729-96B14B0CF654}" type="datetime1">
               <a:rPr lang="en-US" smtClean="0"/>
-              <a:t>10/12/2024</a:t>
+              <a:t>11/3/2024</a:t>
             </a:fld>
             <a:endParaRPr lang="en-US"/>
           </a:p>
@@ -2689,7 +2687,7 @@
           <a:p>
             <a:fld id="{FF4B7092-AEBB-464E-B770-320437F9788A}" type="datetime1">
               <a:rPr lang="en-US" smtClean="0"/>
-              <a:t>10/12/2024</a:t>
+              <a:t>11/3/2024</a:t>
             </a:fld>
             <a:endParaRPr lang="en-US"/>
           </a:p>
@@ -3011,7 +3009,7 @@
           <a:p>
             <a:fld id="{5D65A031-2A4A-4F2C-B559-0A4F74F51AAE}" type="datetime1">
               <a:rPr lang="en-US" smtClean="0"/>
-              <a:t>10/12/2024</a:t>
+              <a:t>11/3/2024</a:t>
             </a:fld>
             <a:endParaRPr lang="en-US"/>
           </a:p>
@@ -3395,7 +3393,7 @@
           <a:p>
             <a:fld id="{DEAF8A59-6D1A-4D48-83A6-649A378B7BDF}" type="datetime1">
               <a:rPr lang="en-US" smtClean="0"/>
-              <a:t>10/12/2024</a:t>
+              <a:t>11/3/2024</a:t>
             </a:fld>
             <a:endParaRPr lang="en-US"/>
           </a:p>
@@ -3727,7 +3725,7 @@
           <a:p>
             <a:fld id="{2FCB7638-30E3-4923-BD4B-FB787066C92C}" type="datetime1">
               <a:rPr lang="en-US" smtClean="0"/>
-              <a:t>10/12/2024</a:t>
+              <a:t>11/3/2024</a:t>
             </a:fld>
             <a:endParaRPr lang="en-US"/>
           </a:p>
@@ -4102,7 +4100,7 @@
           <a:p>
             <a:fld id="{AEE422E2-1D21-4913-9A8B-9AD9CD642A3F}" type="datetime1">
               <a:rPr lang="en-US" smtClean="0"/>
-              <a:t>10/12/2024</a:t>
+              <a:t>11/3/2024</a:t>
             </a:fld>
             <a:endParaRPr lang="en-US"/>
           </a:p>
@@ -4366,7 +4364,7 @@
           <a:p>
             <a:fld id="{3EEFA722-42D4-4F36-AE82-2A7ACD38D72E}" type="datetime1">
               <a:rPr lang="en-US" smtClean="0"/>
-              <a:t>10/12/2024</a:t>
+              <a:t>11/3/2024</a:t>
             </a:fld>
             <a:endParaRPr lang="en-US"/>
           </a:p>
@@ -4864,7 +4862,7 @@
           <a:p>
             <a:fld id="{284AD787-028B-46C6-B2C6-D7B4EE5A06D5}" type="datetime1">
               <a:rPr lang="en-US" smtClean="0"/>
-              <a:t>10/12/2024</a:t>
+              <a:t>11/3/2024</a:t>
             </a:fld>
             <a:endParaRPr lang="en-US"/>
           </a:p>
@@ -5111,7 +5109,7 @@
           <a:p>
             <a:fld id="{77F57330-7F9A-4A05-90A2-F5E39AE7F889}" type="datetime1">
               <a:rPr lang="en-US" smtClean="0"/>
-              <a:t>10/12/2024</a:t>
+              <a:t>11/3/2024</a:t>
             </a:fld>
             <a:endParaRPr lang="en-US"/>
           </a:p>
@@ -5306,7 +5304,7 @@
           <a:p>
             <a:fld id="{AA97A1B0-7AF4-4D54-86A7-5A2C3EAAC56F}" type="datetime1">
               <a:rPr lang="en-US" smtClean="0"/>
-              <a:t>10/12/2024</a:t>
+              <a:t>11/3/2024</a:t>
             </a:fld>
             <a:endParaRPr lang="en-US"/>
           </a:p>
@@ -5645,7 +5643,7 @@
           <a:p>
             <a:fld id="{FF5630CE-A76A-4D8A-ADED-5A5F879A7F78}" type="datetime1">
               <a:rPr lang="en-US" smtClean="0"/>
-              <a:t>10/12/2024</a:t>
+              <a:t>11/3/2024</a:t>
             </a:fld>
             <a:endParaRPr lang="en-US"/>
           </a:p>
@@ -6033,7 +6031,7 @@
           <a:p>
             <a:fld id="{EA970ACC-F55F-4063-A54E-609B25804E7F}" type="datetime1">
               <a:rPr lang="en-US" smtClean="0"/>
-              <a:t>10/12/2024</a:t>
+              <a:t>11/3/2024</a:t>
             </a:fld>
             <a:endParaRPr lang="en-US"/>
           </a:p>
@@ -6319,7 +6317,7 @@
           <a:p>
             <a:fld id="{BCA6CA04-A4A3-4766-853E-D4617EB2A7C8}" type="datetime1">
               <a:rPr lang="en-US" smtClean="0"/>
-              <a:t>10/12/2024</a:t>
+              <a:t>11/3/2024</a:t>
             </a:fld>
             <a:endParaRPr lang="en-US"/>
           </a:p>
@@ -6881,7 +6879,7 @@
               <a:rPr lang="en-US" sz="2800" dirty="0">
                 <a:latin typeface="Palatino Linotype" panose="02040502050505030304" pitchFamily="18" charset="0"/>
               </a:rPr>
-              <a:t>Dataset 6</a:t>
+              <a:t>Dataset 10</a:t>
             </a:r>
             <a:endParaRPr lang="en-IN" sz="2800" dirty="0">
               <a:latin typeface="Palatino Linotype" panose="02040502050505030304" pitchFamily="18" charset="0"/>
@@ -6914,7 +6912,7 @@
               <a:rPr lang="en-US" smtClean="0">
                 <a:latin typeface="Palatino Linotype" panose="02040502050505030304" pitchFamily="18" charset="0"/>
               </a:rPr>
-              <a:t>10/12/2024</a:t>
+              <a:t>11/3/2024</a:t>
             </a:fld>
             <a:endParaRPr lang="en-US" dirty="0">
               <a:latin typeface="Palatino Linotype" panose="02040502050505030304" pitchFamily="18" charset="0"/>
@@ -6985,145 +6983,109 @@
           </a:p>
         </p:txBody>
       </p:sp>
-      <mc:AlternateContent xmlns:mc="http://schemas.openxmlformats.org/markup-compatibility/2006" xmlns:a14="http://schemas.microsoft.com/office/drawing/2010/main">
-        <mc:Choice Requires="a14">
-          <p:sp>
-            <p:nvSpPr>
-              <p:cNvPr id="3" name="Content Placeholder 2">
-                <a:extLst>
-                  <a:ext uri="{FF2B5EF4-FFF2-40B4-BE49-F238E27FC236}">
-                    <a16:creationId xmlns:a16="http://schemas.microsoft.com/office/drawing/2014/main" id="{45762964-EBCA-AE88-8FEE-E1CC10991275}"/>
-                  </a:ext>
-                </a:extLst>
-              </p:cNvPr>
-              <p:cNvSpPr>
-                <a:spLocks noGrp="1"/>
-              </p:cNvSpPr>
-              <p:nvPr>
-                <p:ph idx="1"/>
-              </p:nvPr>
-            </p:nvSpPr>
-            <p:spPr>
-              <a:xfrm>
-                <a:off x="838201" y="1252892"/>
-                <a:ext cx="10522526" cy="4503474"/>
-              </a:xfrm>
-            </p:spPr>
-            <p:txBody>
-              <a:bodyPr>
-                <a:normAutofit/>
-              </a:bodyPr>
-              <a:lstStyle/>
-              <a:p>
-                <a:r>
-                  <a:rPr lang="en-US" sz="1600" dirty="0">
-                    <a:latin typeface="Palatino Linotype" panose="02040502050505030304" pitchFamily="18" charset="0"/>
-                  </a:rPr>
-                  <a:t>Indira Gandhi Widow Pension Scheme (IGNWPS) Beneficiaries Abstract during FY 2023-24</a:t>
-                </a:r>
-              </a:p>
-              <a:p>
-                <a:pPr algn="just"/>
-                <a:r>
-                  <a:rPr lang="en-US" sz="1800" dirty="0">
-                    <a:latin typeface="Palatino Linotype" panose="02040502050505030304" pitchFamily="18" charset="0"/>
-                  </a:rPr>
-                  <a:t>Link: </a:t>
-                </a:r>
-                <a:r>
-                  <a:rPr lang="en-US" sz="1800" dirty="0">
-                    <a:latin typeface="Palatino Linotype" panose="02040502050505030304" pitchFamily="18" charset="0"/>
-                    <a:hlinkClick r:id="rId2"/>
-                  </a:rPr>
-                  <a:t>https://www.data.gov.in/resource/indira-gandhi-widow-pension-scheme-ignwps-beneficiaries-abstract-during-fy-2023-24</a:t>
-                </a:r>
-                <a:r>
-                  <a:rPr lang="en-US" sz="1800" dirty="0">
-                    <a:latin typeface="Palatino Linotype" panose="02040502050505030304" pitchFamily="18" charset="0"/>
-                  </a:rPr>
-                  <a:t> </a:t>
-                </a:r>
-              </a:p>
-              <a:p>
-                <a:pPr algn="just"/>
-                <a:r>
-                  <a:rPr lang="en-US" sz="1800" dirty="0">
-                    <a:latin typeface="Palatino Linotype" panose="02040502050505030304" pitchFamily="18" charset="0"/>
-                  </a:rPr>
-                  <a:t>Shape: </a:t>
-                </a:r>
-                <a14:m>
-                  <m:oMath xmlns:m="http://schemas.openxmlformats.org/officeDocument/2006/math">
-                    <m:r>
-                      <a:rPr lang="en-IN" sz="1800" b="0" i="1" smtClean="0">
-                        <a:latin typeface="Cambria Math" panose="02040503050406030204" pitchFamily="18" charset="0"/>
-                      </a:rPr>
-                      <m:t> 11490</m:t>
-                    </m:r>
-                    <m:r>
-                      <a:rPr lang="en-IN" sz="1800" b="0" i="1" smtClean="0">
-                        <a:latin typeface="Cambria Math" panose="02040503050406030204" pitchFamily="18" charset="0"/>
-                        <a:ea typeface="Cambria Math" panose="02040503050406030204" pitchFamily="18" charset="0"/>
-                      </a:rPr>
-                      <m:t>×15</m:t>
-                    </m:r>
-                  </m:oMath>
-                </a14:m>
-                <a:endParaRPr lang="en-US" sz="1800" dirty="0">
-                  <a:latin typeface="Palatino Linotype" panose="02040502050505030304" pitchFamily="18" charset="0"/>
-                </a:endParaRPr>
-              </a:p>
-            </p:txBody>
-          </p:sp>
-        </mc:Choice>
-        <mc:Fallback xmlns="">
-          <p:sp>
-            <p:nvSpPr>
-              <p:cNvPr id="3" name="Content Placeholder 2">
-                <a:extLst>
-                  <a:ext uri="{FF2B5EF4-FFF2-40B4-BE49-F238E27FC236}">
-                    <a16:creationId xmlns:a16="http://schemas.microsoft.com/office/drawing/2014/main" id="{45762964-EBCA-AE88-8FEE-E1CC10991275}"/>
-                  </a:ext>
-                </a:extLst>
-              </p:cNvPr>
-              <p:cNvSpPr>
-                <a:spLocks noGrp="1" noRot="1" noChangeAspect="1" noMove="1" noResize="1" noEditPoints="1" noAdjustHandles="1" noChangeArrowheads="1" noChangeShapeType="1" noTextEdit="1"/>
-              </p:cNvSpPr>
-              <p:nvPr>
-                <p:ph idx="1"/>
-              </p:nvPr>
-            </p:nvSpPr>
-            <p:spPr>
-              <a:xfrm>
-                <a:off x="838201" y="1252892"/>
-                <a:ext cx="10522526" cy="4503474"/>
-              </a:xfrm>
-              <a:blipFill>
-                <a:blip r:embed="rId3"/>
-                <a:stretch>
-                  <a:fillRect l="-348" t="-949" r="-463"/>
-                </a:stretch>
-              </a:blipFill>
-            </p:spPr>
-            <p:txBody>
-              <a:bodyPr/>
-              <a:lstStyle/>
-              <a:p>
-                <a:r>
-                  <a:rPr lang="en-IN">
-                    <a:noFill/>
-                  </a:rPr>
-                  <a:t> </a:t>
-                </a:r>
-              </a:p>
-            </p:txBody>
-          </p:sp>
-        </mc:Fallback>
-      </mc:AlternateContent>
+      <p:sp>
+        <p:nvSpPr>
+          <p:cNvPr id="3" name="Content Placeholder 2">
+            <a:extLst>
+              <a:ext uri="{FF2B5EF4-FFF2-40B4-BE49-F238E27FC236}">
+                <a16:creationId xmlns:a16="http://schemas.microsoft.com/office/drawing/2014/main" id="{45762964-EBCA-AE88-8FEE-E1CC10991275}"/>
+              </a:ext>
+            </a:extLst>
+          </p:cNvPr>
+          <p:cNvSpPr>
+            <a:spLocks noGrp="1"/>
+          </p:cNvSpPr>
+          <p:nvPr>
+            <p:ph idx="1"/>
+          </p:nvPr>
+        </p:nvSpPr>
+        <p:spPr>
+          <a:xfrm>
+            <a:off x="838201" y="1252892"/>
+            <a:ext cx="10522526" cy="4503474"/>
+          </a:xfrm>
+        </p:spPr>
+        <p:txBody>
+          <a:bodyPr>
+            <a:normAutofit/>
+          </a:bodyPr>
+          <a:lstStyle/>
+          <a:p>
+            <a:r>
+              <a:rPr lang="en-IN" sz="1800" dirty="0">
+                <a:latin typeface="Palatino Linotype" panose="02040502050505030304" pitchFamily="18" charset="0"/>
+              </a:rPr>
+              <a:t>TB Laboratory Infrastructure, 2022</a:t>
+            </a:r>
+            <a:endParaRPr lang="en-US" sz="1800" dirty="0">
+              <a:latin typeface="Palatino Linotype" panose="02040502050505030304" pitchFamily="18" charset="0"/>
+            </a:endParaRPr>
+          </a:p>
+          <a:p>
+            <a:r>
+              <a:rPr lang="en-US" sz="1800" dirty="0">
+                <a:latin typeface="Palatino Linotype" panose="02040502050505030304" pitchFamily="18" charset="0"/>
+              </a:rPr>
+              <a:t>Link: </a:t>
+            </a:r>
+            <a:r>
+              <a:rPr lang="en-US" sz="1800" dirty="0">
+                <a:latin typeface="Palatino Linotype" panose="02040502050505030304" pitchFamily="18" charset="0"/>
+                <a:hlinkClick r:id="rId2"/>
+              </a:rPr>
+              <a:t>https://www.data.gov.in/resource/tb-laboratory-infrastructure-2022</a:t>
+            </a:r>
+            <a:r>
+              <a:rPr lang="en-US" sz="1800" dirty="0">
+                <a:latin typeface="Palatino Linotype" panose="02040502050505030304" pitchFamily="18" charset="0"/>
+              </a:rPr>
+              <a:t> </a:t>
+            </a:r>
+          </a:p>
+          <a:p>
+            <a:r>
+              <a:rPr lang="en-US" sz="1800" dirty="0">
+                <a:latin typeface="Palatino Linotype" panose="02040502050505030304" pitchFamily="18" charset="0"/>
+              </a:rPr>
+              <a:t>Shape:  97 x 8</a:t>
+            </a:r>
+          </a:p>
+        </p:txBody>
+      </p:sp>
+      <p:pic>
+        <p:nvPicPr>
+          <p:cNvPr id="7" name="Picture 6">
+            <a:extLst>
+              <a:ext uri="{FF2B5EF4-FFF2-40B4-BE49-F238E27FC236}">
+                <a16:creationId xmlns:a16="http://schemas.microsoft.com/office/drawing/2014/main" id="{20832CC8-7548-E0A9-FDE7-12D1CA9241FB}"/>
+              </a:ext>
+            </a:extLst>
+          </p:cNvPr>
+          <p:cNvPicPr>
+            <a:picLocks noChangeAspect="1"/>
+          </p:cNvPicPr>
+          <p:nvPr/>
+        </p:nvPicPr>
+        <p:blipFill>
+          <a:blip r:embed="rId3"/>
+          <a:stretch>
+            <a:fillRect/>
+          </a:stretch>
+        </p:blipFill>
+        <p:spPr>
+          <a:xfrm>
+            <a:off x="8682643" y="4705004"/>
+            <a:ext cx="1787236" cy="1787236"/>
+          </a:xfrm>
+          <a:prstGeom prst="rect">
+            <a:avLst/>
+          </a:prstGeom>
+        </p:spPr>
+      </p:pic>
     </p:spTree>
     <p:extLst>
       <p:ext uri="{BB962C8B-B14F-4D97-AF65-F5344CB8AC3E}">
-        <p14:creationId xmlns:p14="http://schemas.microsoft.com/office/powerpoint/2010/main" val="1859243418"/>
+        <p14:creationId xmlns:p14="http://schemas.microsoft.com/office/powerpoint/2010/main" val="3451876340"/>
       </p:ext>
     </p:extLst>
   </p:cSld>
@@ -7177,7 +7139,7 @@
               <a:rPr lang="en-US" sz="2800" dirty="0">
                 <a:latin typeface="Palatino Linotype" panose="02040502050505030304" pitchFamily="18" charset="0"/>
               </a:rPr>
-              <a:t>Dataset 7</a:t>
+              <a:t>Dataset 4</a:t>
             </a:r>
             <a:endParaRPr lang="en-IN" sz="2800" dirty="0">
               <a:latin typeface="Palatino Linotype" panose="02040502050505030304" pitchFamily="18" charset="0"/>
@@ -7210,7 +7172,7 @@
               <a:rPr lang="en-US" smtClean="0">
                 <a:latin typeface="Palatino Linotype" panose="02040502050505030304" pitchFamily="18" charset="0"/>
               </a:rPr>
-              <a:t>10/12/2024</a:t>
+              <a:t>11/3/2024</a:t>
             </a:fld>
             <a:endParaRPr lang="en-US" dirty="0">
               <a:latin typeface="Palatino Linotype" panose="02040502050505030304" pitchFamily="18" charset="0"/>
@@ -7274,2625 +7236,6 @@
                 <a:latin typeface="Palatino Linotype" panose="02040502050505030304" pitchFamily="18" charset="0"/>
               </a:rPr>
               <a:t>11</a:t>
-            </a:fld>
-            <a:endParaRPr lang="en-US">
-              <a:latin typeface="Palatino Linotype" panose="02040502050505030304" pitchFamily="18" charset="0"/>
-            </a:endParaRPr>
-          </a:p>
-        </p:txBody>
-      </p:sp>
-      <p:sp>
-        <p:nvSpPr>
-          <p:cNvPr id="3" name="Content Placeholder 2">
-            <a:extLst>
-              <a:ext uri="{FF2B5EF4-FFF2-40B4-BE49-F238E27FC236}">
-                <a16:creationId xmlns:a16="http://schemas.microsoft.com/office/drawing/2014/main" id="{45762964-EBCA-AE88-8FEE-E1CC10991275}"/>
-              </a:ext>
-            </a:extLst>
-          </p:cNvPr>
-          <p:cNvSpPr>
-            <a:spLocks noGrp="1"/>
-          </p:cNvSpPr>
-          <p:nvPr>
-            <p:ph idx="1"/>
-          </p:nvPr>
-        </p:nvSpPr>
-        <p:spPr>
-          <a:xfrm>
-            <a:off x="838201" y="1252892"/>
-            <a:ext cx="10522526" cy="4503474"/>
-          </a:xfrm>
-        </p:spPr>
-        <p:txBody>
-          <a:bodyPr>
-            <a:normAutofit/>
-          </a:bodyPr>
-          <a:lstStyle/>
-          <a:p>
-            <a:pPr algn="just"/>
-            <a:r>
-              <a:rPr lang="en-US" sz="1800" dirty="0">
-                <a:latin typeface="Palatino Linotype" panose="02040502050505030304" pitchFamily="18" charset="0"/>
-              </a:rPr>
-              <a:t>Indira Gandhi National Disability Pension Scheme (IGNDPS) Beneficiaries Abstract during FY 2023-24</a:t>
-            </a:r>
-          </a:p>
-          <a:p>
-            <a:pPr algn="just"/>
-            <a:r>
-              <a:rPr lang="en-US" sz="1800" dirty="0">
-                <a:latin typeface="Palatino Linotype" panose="02040502050505030304" pitchFamily="18" charset="0"/>
-              </a:rPr>
-              <a:t>Link: </a:t>
-            </a:r>
-            <a:r>
-              <a:rPr lang="en-IN" sz="1200" dirty="0">
-                <a:hlinkClick r:id="rId2"/>
-              </a:rPr>
-              <a:t>https://www.data.gov.in/resource/indira-gandhi-national-disability-pension-scheme-igndps-beneficiaries-abstract-during-fy</a:t>
-            </a:r>
-            <a:r>
-              <a:rPr lang="en-IN" sz="1200" dirty="0"/>
-              <a:t> </a:t>
-            </a:r>
-          </a:p>
-          <a:p>
-            <a:pPr algn="just"/>
-            <a:r>
-              <a:rPr lang="en-US" sz="1800" dirty="0">
-                <a:latin typeface="Palatino Linotype" panose="02040502050505030304" pitchFamily="18" charset="0"/>
-              </a:rPr>
-              <a:t>Shape:</a:t>
-            </a:r>
-          </a:p>
-        </p:txBody>
-      </p:sp>
-    </p:spTree>
-    <p:extLst>
-      <p:ext uri="{BB962C8B-B14F-4D97-AF65-F5344CB8AC3E}">
-        <p14:creationId xmlns:p14="http://schemas.microsoft.com/office/powerpoint/2010/main" val="331322474"/>
-      </p:ext>
-    </p:extLst>
-  </p:cSld>
-  <p:clrMapOvr>
-    <a:masterClrMapping/>
-  </p:clrMapOvr>
-</p:sld>
-</file>
-
-<file path=ppt/slides/slide12.xml><?xml version="1.0" encoding="utf-8"?>
-<p:sld xmlns:a="http://schemas.openxmlformats.org/drawingml/2006/main" xmlns:r="http://schemas.openxmlformats.org/officeDocument/2006/relationships" xmlns:p="http://schemas.openxmlformats.org/presentationml/2006/main">
-  <p:cSld>
-    <p:spTree>
-      <p:nvGrpSpPr>
-        <p:cNvPr id="1" name=""/>
-        <p:cNvGrpSpPr/>
-        <p:nvPr/>
-      </p:nvGrpSpPr>
-      <p:grpSpPr>
-        <a:xfrm>
-          <a:off x="0" y="0"/>
-          <a:ext cx="0" cy="0"/>
-          <a:chOff x="0" y="0"/>
-          <a:chExt cx="0" cy="0"/>
-        </a:xfrm>
-      </p:grpSpPr>
-      <p:sp>
-        <p:nvSpPr>
-          <p:cNvPr id="2" name="Title 1">
-            <a:extLst>
-              <a:ext uri="{FF2B5EF4-FFF2-40B4-BE49-F238E27FC236}">
-                <a16:creationId xmlns:a16="http://schemas.microsoft.com/office/drawing/2014/main" id="{09538C5C-548A-724D-008B-FBD6FD7D07ED}"/>
-              </a:ext>
-            </a:extLst>
-          </p:cNvPr>
-          <p:cNvSpPr>
-            <a:spLocks noGrp="1"/>
-          </p:cNvSpPr>
-          <p:nvPr>
-            <p:ph type="title"/>
-          </p:nvPr>
-        </p:nvSpPr>
-        <p:spPr/>
-        <p:txBody>
-          <a:bodyPr>
-            <a:noAutofit/>
-          </a:bodyPr>
-          <a:lstStyle/>
-          <a:p>
-            <a:r>
-              <a:rPr lang="en-US" sz="2800" dirty="0">
-                <a:latin typeface="Palatino Linotype" panose="02040502050505030304" pitchFamily="18" charset="0"/>
-              </a:rPr>
-              <a:t>Dataset 8</a:t>
-            </a:r>
-            <a:endParaRPr lang="en-IN" sz="2800" dirty="0">
-              <a:latin typeface="Palatino Linotype" panose="02040502050505030304" pitchFamily="18" charset="0"/>
-            </a:endParaRPr>
-          </a:p>
-        </p:txBody>
-      </p:sp>
-      <p:sp>
-        <p:nvSpPr>
-          <p:cNvPr id="4" name="Date Placeholder 3">
-            <a:extLst>
-              <a:ext uri="{FF2B5EF4-FFF2-40B4-BE49-F238E27FC236}">
-                <a16:creationId xmlns:a16="http://schemas.microsoft.com/office/drawing/2014/main" id="{629C3C4E-FB6C-9D7C-3E3C-41239CB96B94}"/>
-              </a:ext>
-            </a:extLst>
-          </p:cNvPr>
-          <p:cNvSpPr>
-            <a:spLocks noGrp="1"/>
-          </p:cNvSpPr>
-          <p:nvPr>
-            <p:ph type="dt" sz="half" idx="10"/>
-          </p:nvPr>
-        </p:nvSpPr>
-        <p:spPr/>
-        <p:txBody>
-          <a:bodyPr/>
-          <a:lstStyle/>
-          <a:p>
-            <a:fld id="{55D5B151-898D-433E-A483-768D1A8CE57D}" type="datetime1">
-              <a:rPr lang="en-US" smtClean="0">
-                <a:latin typeface="Palatino Linotype" panose="02040502050505030304" pitchFamily="18" charset="0"/>
-              </a:rPr>
-              <a:t>10/12/2024</a:t>
-            </a:fld>
-            <a:endParaRPr lang="en-US" dirty="0">
-              <a:latin typeface="Palatino Linotype" panose="02040502050505030304" pitchFamily="18" charset="0"/>
-            </a:endParaRPr>
-          </a:p>
-        </p:txBody>
-      </p:sp>
-      <p:sp>
-        <p:nvSpPr>
-          <p:cNvPr id="5" name="Footer Placeholder 4">
-            <a:extLst>
-              <a:ext uri="{FF2B5EF4-FFF2-40B4-BE49-F238E27FC236}">
-                <a16:creationId xmlns:a16="http://schemas.microsoft.com/office/drawing/2014/main" id="{44A7CDC7-443D-9F65-A64E-DD1F704CB8A5}"/>
-              </a:ext>
-            </a:extLst>
-          </p:cNvPr>
-          <p:cNvSpPr>
-            <a:spLocks noGrp="1"/>
-          </p:cNvSpPr>
-          <p:nvPr>
-            <p:ph type="ftr" sz="quarter" idx="11"/>
-          </p:nvPr>
-        </p:nvSpPr>
-        <p:spPr/>
-        <p:txBody>
-          <a:bodyPr/>
-          <a:lstStyle/>
-          <a:p>
-            <a:r>
-              <a:rPr lang="en-US" dirty="0">
-                <a:latin typeface="Palatino Linotype" panose="02040502050505030304" pitchFamily="18" charset="0"/>
-              </a:rPr>
-              <a:t>Data Science Project</a:t>
-            </a:r>
-          </a:p>
-        </p:txBody>
-      </p:sp>
-      <p:sp>
-        <p:nvSpPr>
-          <p:cNvPr id="6" name="Slide Number Placeholder 5">
-            <a:extLst>
-              <a:ext uri="{FF2B5EF4-FFF2-40B4-BE49-F238E27FC236}">
-                <a16:creationId xmlns:a16="http://schemas.microsoft.com/office/drawing/2014/main" id="{952A3A25-9337-C8E5-A5D9-FDB01571478F}"/>
-              </a:ext>
-            </a:extLst>
-          </p:cNvPr>
-          <p:cNvSpPr>
-            <a:spLocks noGrp="1"/>
-          </p:cNvSpPr>
-          <p:nvPr>
-            <p:ph type="sldNum" sz="quarter" idx="12"/>
-          </p:nvPr>
-        </p:nvSpPr>
-        <p:spPr/>
-        <p:txBody>
-          <a:bodyPr/>
-          <a:lstStyle/>
-          <a:p>
-            <a:fld id="{2652C4B5-A1E9-4984-9CD4-22695C1F6283}" type="slidenum">
-              <a:rPr lang="en-US" smtClean="0">
-                <a:latin typeface="Palatino Linotype" panose="02040502050505030304" pitchFamily="18" charset="0"/>
-              </a:rPr>
-              <a:t>12</a:t>
-            </a:fld>
-            <a:endParaRPr lang="en-US">
-              <a:latin typeface="Palatino Linotype" panose="02040502050505030304" pitchFamily="18" charset="0"/>
-            </a:endParaRPr>
-          </a:p>
-        </p:txBody>
-      </p:sp>
-      <p:sp>
-        <p:nvSpPr>
-          <p:cNvPr id="3" name="Content Placeholder 2">
-            <a:extLst>
-              <a:ext uri="{FF2B5EF4-FFF2-40B4-BE49-F238E27FC236}">
-                <a16:creationId xmlns:a16="http://schemas.microsoft.com/office/drawing/2014/main" id="{45762964-EBCA-AE88-8FEE-E1CC10991275}"/>
-              </a:ext>
-            </a:extLst>
-          </p:cNvPr>
-          <p:cNvSpPr>
-            <a:spLocks noGrp="1"/>
-          </p:cNvSpPr>
-          <p:nvPr>
-            <p:ph idx="1"/>
-          </p:nvPr>
-        </p:nvSpPr>
-        <p:spPr>
-          <a:xfrm>
-            <a:off x="838201" y="1252892"/>
-            <a:ext cx="10522526" cy="4503474"/>
-          </a:xfrm>
-        </p:spPr>
-        <p:txBody>
-          <a:bodyPr>
-            <a:normAutofit/>
-          </a:bodyPr>
-          <a:lstStyle/>
-          <a:p>
-            <a:r>
-              <a:rPr lang="en-US" sz="1800" dirty="0">
-                <a:latin typeface="Palatino Linotype" panose="02040502050505030304" pitchFamily="18" charset="0"/>
-              </a:rPr>
-              <a:t>Indira Gandhi National Old Aged Pension Scheme (IGNOAPS) Beneficiaries Abstract during FY 2023-24</a:t>
-            </a:r>
-          </a:p>
-          <a:p>
-            <a:r>
-              <a:rPr lang="en-US" sz="1800" dirty="0">
-                <a:latin typeface="Palatino Linotype" panose="02040502050505030304" pitchFamily="18" charset="0"/>
-              </a:rPr>
-              <a:t>Link: </a:t>
-            </a:r>
-            <a:r>
-              <a:rPr lang="en-US" sz="1800" dirty="0">
-                <a:latin typeface="Palatino Linotype" panose="02040502050505030304" pitchFamily="18" charset="0"/>
-                <a:hlinkClick r:id="rId2"/>
-              </a:rPr>
-              <a:t>https://www.data.gov.in/resource/indira-gandhi-national-old-aged-pension-scheme-ignoaps-beneficiaries-abstract-during-fy</a:t>
-            </a:r>
-            <a:r>
-              <a:rPr lang="en-US" sz="1800" dirty="0">
-                <a:latin typeface="Palatino Linotype" panose="02040502050505030304" pitchFamily="18" charset="0"/>
-              </a:rPr>
-              <a:t>  </a:t>
-            </a:r>
-            <a:endParaRPr lang="en-IN" sz="1800" dirty="0">
-              <a:latin typeface="Palatino Linotype" panose="02040502050505030304" pitchFamily="18" charset="0"/>
-            </a:endParaRPr>
-          </a:p>
-          <a:p>
-            <a:pPr algn="just"/>
-            <a:r>
-              <a:rPr lang="en-US" sz="1800" dirty="0">
-                <a:latin typeface="Palatino Linotype" panose="02040502050505030304" pitchFamily="18" charset="0"/>
-              </a:rPr>
-              <a:t>Shape:</a:t>
-            </a:r>
-          </a:p>
-        </p:txBody>
-      </p:sp>
-    </p:spTree>
-    <p:extLst>
-      <p:ext uri="{BB962C8B-B14F-4D97-AF65-F5344CB8AC3E}">
-        <p14:creationId xmlns:p14="http://schemas.microsoft.com/office/powerpoint/2010/main" val="3085227519"/>
-      </p:ext>
-    </p:extLst>
-  </p:cSld>
-  <p:clrMapOvr>
-    <a:masterClrMapping/>
-  </p:clrMapOvr>
-</p:sld>
-</file>
-
-<file path=ppt/slides/slide13.xml><?xml version="1.0" encoding="utf-8"?>
-<p:sld xmlns:a="http://schemas.openxmlformats.org/drawingml/2006/main" xmlns:r="http://schemas.openxmlformats.org/officeDocument/2006/relationships" xmlns:p="http://schemas.openxmlformats.org/presentationml/2006/main">
-  <p:cSld>
-    <p:spTree>
-      <p:nvGrpSpPr>
-        <p:cNvPr id="1" name=""/>
-        <p:cNvGrpSpPr/>
-        <p:nvPr/>
-      </p:nvGrpSpPr>
-      <p:grpSpPr>
-        <a:xfrm>
-          <a:off x="0" y="0"/>
-          <a:ext cx="0" cy="0"/>
-          <a:chOff x="0" y="0"/>
-          <a:chExt cx="0" cy="0"/>
-        </a:xfrm>
-      </p:grpSpPr>
-      <p:sp>
-        <p:nvSpPr>
-          <p:cNvPr id="2" name="Title 1">
-            <a:extLst>
-              <a:ext uri="{FF2B5EF4-FFF2-40B4-BE49-F238E27FC236}">
-                <a16:creationId xmlns:a16="http://schemas.microsoft.com/office/drawing/2014/main" id="{09538C5C-548A-724D-008B-FBD6FD7D07ED}"/>
-              </a:ext>
-            </a:extLst>
-          </p:cNvPr>
-          <p:cNvSpPr>
-            <a:spLocks noGrp="1"/>
-          </p:cNvSpPr>
-          <p:nvPr>
-            <p:ph type="title"/>
-          </p:nvPr>
-        </p:nvSpPr>
-        <p:spPr/>
-        <p:txBody>
-          <a:bodyPr>
-            <a:noAutofit/>
-          </a:bodyPr>
-          <a:lstStyle/>
-          <a:p>
-            <a:r>
-              <a:rPr lang="en-US" sz="2800" dirty="0">
-                <a:latin typeface="Palatino Linotype" panose="02040502050505030304" pitchFamily="18" charset="0"/>
-              </a:rPr>
-              <a:t>Dataset 9</a:t>
-            </a:r>
-            <a:endParaRPr lang="en-IN" sz="2800" dirty="0">
-              <a:latin typeface="Palatino Linotype" panose="02040502050505030304" pitchFamily="18" charset="0"/>
-            </a:endParaRPr>
-          </a:p>
-        </p:txBody>
-      </p:sp>
-      <p:sp>
-        <p:nvSpPr>
-          <p:cNvPr id="4" name="Date Placeholder 3">
-            <a:extLst>
-              <a:ext uri="{FF2B5EF4-FFF2-40B4-BE49-F238E27FC236}">
-                <a16:creationId xmlns:a16="http://schemas.microsoft.com/office/drawing/2014/main" id="{629C3C4E-FB6C-9D7C-3E3C-41239CB96B94}"/>
-              </a:ext>
-            </a:extLst>
-          </p:cNvPr>
-          <p:cNvSpPr>
-            <a:spLocks noGrp="1"/>
-          </p:cNvSpPr>
-          <p:nvPr>
-            <p:ph type="dt" sz="half" idx="10"/>
-          </p:nvPr>
-        </p:nvSpPr>
-        <p:spPr/>
-        <p:txBody>
-          <a:bodyPr/>
-          <a:lstStyle/>
-          <a:p>
-            <a:fld id="{55D5B151-898D-433E-A483-768D1A8CE57D}" type="datetime1">
-              <a:rPr lang="en-US" smtClean="0">
-                <a:latin typeface="Palatino Linotype" panose="02040502050505030304" pitchFamily="18" charset="0"/>
-              </a:rPr>
-              <a:t>10/12/2024</a:t>
-            </a:fld>
-            <a:endParaRPr lang="en-US" dirty="0">
-              <a:latin typeface="Palatino Linotype" panose="02040502050505030304" pitchFamily="18" charset="0"/>
-            </a:endParaRPr>
-          </a:p>
-        </p:txBody>
-      </p:sp>
-      <p:sp>
-        <p:nvSpPr>
-          <p:cNvPr id="5" name="Footer Placeholder 4">
-            <a:extLst>
-              <a:ext uri="{FF2B5EF4-FFF2-40B4-BE49-F238E27FC236}">
-                <a16:creationId xmlns:a16="http://schemas.microsoft.com/office/drawing/2014/main" id="{44A7CDC7-443D-9F65-A64E-DD1F704CB8A5}"/>
-              </a:ext>
-            </a:extLst>
-          </p:cNvPr>
-          <p:cNvSpPr>
-            <a:spLocks noGrp="1"/>
-          </p:cNvSpPr>
-          <p:nvPr>
-            <p:ph type="ftr" sz="quarter" idx="11"/>
-          </p:nvPr>
-        </p:nvSpPr>
-        <p:spPr/>
-        <p:txBody>
-          <a:bodyPr/>
-          <a:lstStyle/>
-          <a:p>
-            <a:r>
-              <a:rPr lang="en-US" dirty="0">
-                <a:latin typeface="Palatino Linotype" panose="02040502050505030304" pitchFamily="18" charset="0"/>
-              </a:rPr>
-              <a:t>Data Science Project</a:t>
-            </a:r>
-          </a:p>
-        </p:txBody>
-      </p:sp>
-      <p:sp>
-        <p:nvSpPr>
-          <p:cNvPr id="6" name="Slide Number Placeholder 5">
-            <a:extLst>
-              <a:ext uri="{FF2B5EF4-FFF2-40B4-BE49-F238E27FC236}">
-                <a16:creationId xmlns:a16="http://schemas.microsoft.com/office/drawing/2014/main" id="{952A3A25-9337-C8E5-A5D9-FDB01571478F}"/>
-              </a:ext>
-            </a:extLst>
-          </p:cNvPr>
-          <p:cNvSpPr>
-            <a:spLocks noGrp="1"/>
-          </p:cNvSpPr>
-          <p:nvPr>
-            <p:ph type="sldNum" sz="quarter" idx="12"/>
-          </p:nvPr>
-        </p:nvSpPr>
-        <p:spPr/>
-        <p:txBody>
-          <a:bodyPr/>
-          <a:lstStyle/>
-          <a:p>
-            <a:fld id="{2652C4B5-A1E9-4984-9CD4-22695C1F6283}" type="slidenum">
-              <a:rPr lang="en-US" smtClean="0">
-                <a:latin typeface="Palatino Linotype" panose="02040502050505030304" pitchFamily="18" charset="0"/>
-              </a:rPr>
-              <a:t>13</a:t>
-            </a:fld>
-            <a:endParaRPr lang="en-US">
-              <a:latin typeface="Palatino Linotype" panose="02040502050505030304" pitchFamily="18" charset="0"/>
-            </a:endParaRPr>
-          </a:p>
-        </p:txBody>
-      </p:sp>
-      <p:sp>
-        <p:nvSpPr>
-          <p:cNvPr id="3" name="Content Placeholder 2">
-            <a:extLst>
-              <a:ext uri="{FF2B5EF4-FFF2-40B4-BE49-F238E27FC236}">
-                <a16:creationId xmlns:a16="http://schemas.microsoft.com/office/drawing/2014/main" id="{45762964-EBCA-AE88-8FEE-E1CC10991275}"/>
-              </a:ext>
-            </a:extLst>
-          </p:cNvPr>
-          <p:cNvSpPr>
-            <a:spLocks noGrp="1"/>
-          </p:cNvSpPr>
-          <p:nvPr>
-            <p:ph idx="1"/>
-          </p:nvPr>
-        </p:nvSpPr>
-        <p:spPr>
-          <a:xfrm>
-            <a:off x="838201" y="1252892"/>
-            <a:ext cx="10522526" cy="4503474"/>
-          </a:xfrm>
-        </p:spPr>
-        <p:txBody>
-          <a:bodyPr>
-            <a:normAutofit/>
-          </a:bodyPr>
-          <a:lstStyle/>
-          <a:p>
-            <a:r>
-              <a:rPr lang="en-US" sz="1800" dirty="0" err="1">
-                <a:latin typeface="Palatino Linotype" panose="02040502050505030304" pitchFamily="18" charset="0"/>
-              </a:rPr>
-              <a:t>BharatNet</a:t>
-            </a:r>
-            <a:r>
-              <a:rPr lang="en-US" sz="1800" dirty="0">
-                <a:latin typeface="Palatino Linotype" panose="02040502050505030304" pitchFamily="18" charset="0"/>
-              </a:rPr>
-              <a:t> Service Ready Gram Panchayat as on 31-03-2024</a:t>
-            </a:r>
-          </a:p>
-          <a:p>
-            <a:r>
-              <a:rPr lang="en-US" sz="1800" dirty="0">
-                <a:latin typeface="Palatino Linotype" panose="02040502050505030304" pitchFamily="18" charset="0"/>
-              </a:rPr>
-              <a:t>Link: </a:t>
-            </a:r>
-            <a:r>
-              <a:rPr lang="en-US" sz="1800" dirty="0">
-                <a:latin typeface="Palatino Linotype" panose="02040502050505030304" pitchFamily="18" charset="0"/>
-                <a:hlinkClick r:id="rId2"/>
-              </a:rPr>
-              <a:t>https://www.data.gov.in/resource/district-wise-service-ready-gram-panchayat-31-03-2024</a:t>
-            </a:r>
-            <a:r>
-              <a:rPr lang="en-US" sz="1800" dirty="0">
-                <a:latin typeface="Palatino Linotype" panose="02040502050505030304" pitchFamily="18" charset="0"/>
-              </a:rPr>
-              <a:t> </a:t>
-            </a:r>
-          </a:p>
-          <a:p>
-            <a:r>
-              <a:rPr lang="en-US" sz="1800" dirty="0">
-                <a:latin typeface="Palatino Linotype" panose="02040502050505030304" pitchFamily="18" charset="0"/>
-              </a:rPr>
-              <a:t>Shape:</a:t>
-            </a:r>
-          </a:p>
-        </p:txBody>
-      </p:sp>
-    </p:spTree>
-    <p:extLst>
-      <p:ext uri="{BB962C8B-B14F-4D97-AF65-F5344CB8AC3E}">
-        <p14:creationId xmlns:p14="http://schemas.microsoft.com/office/powerpoint/2010/main" val="645517774"/>
-      </p:ext>
-    </p:extLst>
-  </p:cSld>
-  <p:clrMapOvr>
-    <a:masterClrMapping/>
-  </p:clrMapOvr>
-</p:sld>
-</file>
-
-<file path=ppt/slides/slide14.xml><?xml version="1.0" encoding="utf-8"?>
-<p:sld xmlns:a="http://schemas.openxmlformats.org/drawingml/2006/main" xmlns:r="http://schemas.openxmlformats.org/officeDocument/2006/relationships" xmlns:p="http://schemas.openxmlformats.org/presentationml/2006/main">
-  <p:cSld>
-    <p:spTree>
-      <p:nvGrpSpPr>
-        <p:cNvPr id="1" name=""/>
-        <p:cNvGrpSpPr/>
-        <p:nvPr/>
-      </p:nvGrpSpPr>
-      <p:grpSpPr>
-        <a:xfrm>
-          <a:off x="0" y="0"/>
-          <a:ext cx="0" cy="0"/>
-          <a:chOff x="0" y="0"/>
-          <a:chExt cx="0" cy="0"/>
-        </a:xfrm>
-      </p:grpSpPr>
-      <p:sp>
-        <p:nvSpPr>
-          <p:cNvPr id="2" name="Title 1">
-            <a:extLst>
-              <a:ext uri="{FF2B5EF4-FFF2-40B4-BE49-F238E27FC236}">
-                <a16:creationId xmlns:a16="http://schemas.microsoft.com/office/drawing/2014/main" id="{09538C5C-548A-724D-008B-FBD6FD7D07ED}"/>
-              </a:ext>
-            </a:extLst>
-          </p:cNvPr>
-          <p:cNvSpPr>
-            <a:spLocks noGrp="1"/>
-          </p:cNvSpPr>
-          <p:nvPr>
-            <p:ph type="title"/>
-          </p:nvPr>
-        </p:nvSpPr>
-        <p:spPr/>
-        <p:txBody>
-          <a:bodyPr>
-            <a:noAutofit/>
-          </a:bodyPr>
-          <a:lstStyle/>
-          <a:p>
-            <a:r>
-              <a:rPr lang="en-US" sz="2800" dirty="0">
-                <a:latin typeface="Palatino Linotype" panose="02040502050505030304" pitchFamily="18" charset="0"/>
-              </a:rPr>
-              <a:t>Dataset 10</a:t>
-            </a:r>
-            <a:endParaRPr lang="en-IN" sz="2800" dirty="0">
-              <a:latin typeface="Palatino Linotype" panose="02040502050505030304" pitchFamily="18" charset="0"/>
-            </a:endParaRPr>
-          </a:p>
-        </p:txBody>
-      </p:sp>
-      <p:sp>
-        <p:nvSpPr>
-          <p:cNvPr id="4" name="Date Placeholder 3">
-            <a:extLst>
-              <a:ext uri="{FF2B5EF4-FFF2-40B4-BE49-F238E27FC236}">
-                <a16:creationId xmlns:a16="http://schemas.microsoft.com/office/drawing/2014/main" id="{629C3C4E-FB6C-9D7C-3E3C-41239CB96B94}"/>
-              </a:ext>
-            </a:extLst>
-          </p:cNvPr>
-          <p:cNvSpPr>
-            <a:spLocks noGrp="1"/>
-          </p:cNvSpPr>
-          <p:nvPr>
-            <p:ph type="dt" sz="half" idx="10"/>
-          </p:nvPr>
-        </p:nvSpPr>
-        <p:spPr/>
-        <p:txBody>
-          <a:bodyPr/>
-          <a:lstStyle/>
-          <a:p>
-            <a:fld id="{55D5B151-898D-433E-A483-768D1A8CE57D}" type="datetime1">
-              <a:rPr lang="en-US" smtClean="0">
-                <a:latin typeface="Palatino Linotype" panose="02040502050505030304" pitchFamily="18" charset="0"/>
-              </a:rPr>
-              <a:t>10/12/2024</a:t>
-            </a:fld>
-            <a:endParaRPr lang="en-US" dirty="0">
-              <a:latin typeface="Palatino Linotype" panose="02040502050505030304" pitchFamily="18" charset="0"/>
-            </a:endParaRPr>
-          </a:p>
-        </p:txBody>
-      </p:sp>
-      <p:sp>
-        <p:nvSpPr>
-          <p:cNvPr id="5" name="Footer Placeholder 4">
-            <a:extLst>
-              <a:ext uri="{FF2B5EF4-FFF2-40B4-BE49-F238E27FC236}">
-                <a16:creationId xmlns:a16="http://schemas.microsoft.com/office/drawing/2014/main" id="{44A7CDC7-443D-9F65-A64E-DD1F704CB8A5}"/>
-              </a:ext>
-            </a:extLst>
-          </p:cNvPr>
-          <p:cNvSpPr>
-            <a:spLocks noGrp="1"/>
-          </p:cNvSpPr>
-          <p:nvPr>
-            <p:ph type="ftr" sz="quarter" idx="11"/>
-          </p:nvPr>
-        </p:nvSpPr>
-        <p:spPr/>
-        <p:txBody>
-          <a:bodyPr/>
-          <a:lstStyle/>
-          <a:p>
-            <a:r>
-              <a:rPr lang="en-US" dirty="0">
-                <a:latin typeface="Palatino Linotype" panose="02040502050505030304" pitchFamily="18" charset="0"/>
-              </a:rPr>
-              <a:t>Data Science Project</a:t>
-            </a:r>
-          </a:p>
-        </p:txBody>
-      </p:sp>
-      <p:sp>
-        <p:nvSpPr>
-          <p:cNvPr id="6" name="Slide Number Placeholder 5">
-            <a:extLst>
-              <a:ext uri="{FF2B5EF4-FFF2-40B4-BE49-F238E27FC236}">
-                <a16:creationId xmlns:a16="http://schemas.microsoft.com/office/drawing/2014/main" id="{952A3A25-9337-C8E5-A5D9-FDB01571478F}"/>
-              </a:ext>
-            </a:extLst>
-          </p:cNvPr>
-          <p:cNvSpPr>
-            <a:spLocks noGrp="1"/>
-          </p:cNvSpPr>
-          <p:nvPr>
-            <p:ph type="sldNum" sz="quarter" idx="12"/>
-          </p:nvPr>
-        </p:nvSpPr>
-        <p:spPr/>
-        <p:txBody>
-          <a:bodyPr/>
-          <a:lstStyle/>
-          <a:p>
-            <a:fld id="{2652C4B5-A1E9-4984-9CD4-22695C1F6283}" type="slidenum">
-              <a:rPr lang="en-US" smtClean="0">
-                <a:latin typeface="Palatino Linotype" panose="02040502050505030304" pitchFamily="18" charset="0"/>
-              </a:rPr>
-              <a:t>14</a:t>
-            </a:fld>
-            <a:endParaRPr lang="en-US">
-              <a:latin typeface="Palatino Linotype" panose="02040502050505030304" pitchFamily="18" charset="0"/>
-            </a:endParaRPr>
-          </a:p>
-        </p:txBody>
-      </p:sp>
-      <p:sp>
-        <p:nvSpPr>
-          <p:cNvPr id="3" name="Content Placeholder 2">
-            <a:extLst>
-              <a:ext uri="{FF2B5EF4-FFF2-40B4-BE49-F238E27FC236}">
-                <a16:creationId xmlns:a16="http://schemas.microsoft.com/office/drawing/2014/main" id="{45762964-EBCA-AE88-8FEE-E1CC10991275}"/>
-              </a:ext>
-            </a:extLst>
-          </p:cNvPr>
-          <p:cNvSpPr>
-            <a:spLocks noGrp="1"/>
-          </p:cNvSpPr>
-          <p:nvPr>
-            <p:ph idx="1"/>
-          </p:nvPr>
-        </p:nvSpPr>
-        <p:spPr>
-          <a:xfrm>
-            <a:off x="838201" y="1252892"/>
-            <a:ext cx="10522526" cy="4503474"/>
-          </a:xfrm>
-        </p:spPr>
-        <p:txBody>
-          <a:bodyPr>
-            <a:normAutofit/>
-          </a:bodyPr>
-          <a:lstStyle/>
-          <a:p>
-            <a:r>
-              <a:rPr lang="en-IN" sz="1800" dirty="0">
-                <a:latin typeface="Palatino Linotype" panose="02040502050505030304" pitchFamily="18" charset="0"/>
-              </a:rPr>
-              <a:t>TB Laboratory Infrastructure, 2022</a:t>
-            </a:r>
-            <a:endParaRPr lang="en-US" sz="1800" dirty="0">
-              <a:latin typeface="Palatino Linotype" panose="02040502050505030304" pitchFamily="18" charset="0"/>
-            </a:endParaRPr>
-          </a:p>
-          <a:p>
-            <a:r>
-              <a:rPr lang="en-US" sz="1800" dirty="0">
-                <a:latin typeface="Palatino Linotype" panose="02040502050505030304" pitchFamily="18" charset="0"/>
-              </a:rPr>
-              <a:t>Link</a:t>
-            </a:r>
-            <a:r>
-              <a:rPr lang="en-US" sz="1800">
-                <a:latin typeface="Palatino Linotype" panose="02040502050505030304" pitchFamily="18" charset="0"/>
-              </a:rPr>
-              <a:t>: </a:t>
-            </a:r>
-            <a:r>
-              <a:rPr lang="en-US" sz="1800">
-                <a:latin typeface="Palatino Linotype" panose="02040502050505030304" pitchFamily="18" charset="0"/>
-                <a:hlinkClick r:id="rId2"/>
-              </a:rPr>
-              <a:t>https://www.data.gov.in/resource/tb-laboratory-infrastructure-2022</a:t>
-            </a:r>
-            <a:r>
-              <a:rPr lang="en-US" sz="1800">
-                <a:latin typeface="Palatino Linotype" panose="02040502050505030304" pitchFamily="18" charset="0"/>
-              </a:rPr>
-              <a:t> </a:t>
-            </a:r>
-            <a:endParaRPr lang="en-US" sz="1800" dirty="0">
-              <a:latin typeface="Palatino Linotype" panose="02040502050505030304" pitchFamily="18" charset="0"/>
-            </a:endParaRPr>
-          </a:p>
-          <a:p>
-            <a:r>
-              <a:rPr lang="en-US" sz="1800" dirty="0">
-                <a:latin typeface="Palatino Linotype" panose="02040502050505030304" pitchFamily="18" charset="0"/>
-              </a:rPr>
-              <a:t>Shape:</a:t>
-            </a:r>
-          </a:p>
-        </p:txBody>
-      </p:sp>
-    </p:spTree>
-    <p:extLst>
-      <p:ext uri="{BB962C8B-B14F-4D97-AF65-F5344CB8AC3E}">
-        <p14:creationId xmlns:p14="http://schemas.microsoft.com/office/powerpoint/2010/main" val="3451876340"/>
-      </p:ext>
-    </p:extLst>
-  </p:cSld>
-  <p:clrMapOvr>
-    <a:masterClrMapping/>
-  </p:clrMapOvr>
-</p:sld>
-</file>
-
-<file path=ppt/slides/slide2.xml><?xml version="1.0" encoding="utf-8"?>
-<p:sld xmlns:a="http://schemas.openxmlformats.org/drawingml/2006/main" xmlns:r="http://schemas.openxmlformats.org/officeDocument/2006/relationships" xmlns:p="http://schemas.openxmlformats.org/presentationml/2006/main">
-  <p:cSld>
-    <p:spTree>
-      <p:nvGrpSpPr>
-        <p:cNvPr id="1" name=""/>
-        <p:cNvGrpSpPr/>
-        <p:nvPr/>
-      </p:nvGrpSpPr>
-      <p:grpSpPr>
-        <a:xfrm>
-          <a:off x="0" y="0"/>
-          <a:ext cx="0" cy="0"/>
-          <a:chOff x="0" y="0"/>
-          <a:chExt cx="0" cy="0"/>
-        </a:xfrm>
-      </p:grpSpPr>
-      <p:sp>
-        <p:nvSpPr>
-          <p:cNvPr id="2" name="Title 1">
-            <a:extLst>
-              <a:ext uri="{FF2B5EF4-FFF2-40B4-BE49-F238E27FC236}">
-                <a16:creationId xmlns:a16="http://schemas.microsoft.com/office/drawing/2014/main" id="{09538C5C-548A-724D-008B-FBD6FD7D07ED}"/>
-              </a:ext>
-            </a:extLst>
-          </p:cNvPr>
-          <p:cNvSpPr>
-            <a:spLocks noGrp="1"/>
-          </p:cNvSpPr>
-          <p:nvPr>
-            <p:ph type="title"/>
-          </p:nvPr>
-        </p:nvSpPr>
-        <p:spPr/>
-        <p:txBody>
-          <a:bodyPr>
-            <a:noAutofit/>
-          </a:bodyPr>
-          <a:lstStyle/>
-          <a:p>
-            <a:r>
-              <a:rPr lang="en-US" sz="2800" dirty="0">
-                <a:latin typeface="Palatino Linotype" panose="02040502050505030304" pitchFamily="18" charset="0"/>
-              </a:rPr>
-              <a:t>Hypothesis</a:t>
-            </a:r>
-            <a:endParaRPr lang="en-IN" sz="2800" dirty="0">
-              <a:latin typeface="Palatino Linotype" panose="02040502050505030304" pitchFamily="18" charset="0"/>
-            </a:endParaRPr>
-          </a:p>
-        </p:txBody>
-      </p:sp>
-      <p:sp>
-        <p:nvSpPr>
-          <p:cNvPr id="4" name="Date Placeholder 3">
-            <a:extLst>
-              <a:ext uri="{FF2B5EF4-FFF2-40B4-BE49-F238E27FC236}">
-                <a16:creationId xmlns:a16="http://schemas.microsoft.com/office/drawing/2014/main" id="{629C3C4E-FB6C-9D7C-3E3C-41239CB96B94}"/>
-              </a:ext>
-            </a:extLst>
-          </p:cNvPr>
-          <p:cNvSpPr>
-            <a:spLocks noGrp="1"/>
-          </p:cNvSpPr>
-          <p:nvPr>
-            <p:ph type="dt" sz="half" idx="10"/>
-          </p:nvPr>
-        </p:nvSpPr>
-        <p:spPr/>
-        <p:txBody>
-          <a:bodyPr/>
-          <a:lstStyle/>
-          <a:p>
-            <a:fld id="{55D5B151-898D-433E-A483-768D1A8CE57D}" type="datetime1">
-              <a:rPr lang="en-US" smtClean="0">
-                <a:latin typeface="Palatino Linotype" panose="02040502050505030304" pitchFamily="18" charset="0"/>
-              </a:rPr>
-              <a:t>10/12/2024</a:t>
-            </a:fld>
-            <a:endParaRPr lang="en-US" dirty="0">
-              <a:latin typeface="Palatino Linotype" panose="02040502050505030304" pitchFamily="18" charset="0"/>
-            </a:endParaRPr>
-          </a:p>
-        </p:txBody>
-      </p:sp>
-      <p:sp>
-        <p:nvSpPr>
-          <p:cNvPr id="5" name="Footer Placeholder 4">
-            <a:extLst>
-              <a:ext uri="{FF2B5EF4-FFF2-40B4-BE49-F238E27FC236}">
-                <a16:creationId xmlns:a16="http://schemas.microsoft.com/office/drawing/2014/main" id="{44A7CDC7-443D-9F65-A64E-DD1F704CB8A5}"/>
-              </a:ext>
-            </a:extLst>
-          </p:cNvPr>
-          <p:cNvSpPr>
-            <a:spLocks noGrp="1"/>
-          </p:cNvSpPr>
-          <p:nvPr>
-            <p:ph type="ftr" sz="quarter" idx="11"/>
-          </p:nvPr>
-        </p:nvSpPr>
-        <p:spPr/>
-        <p:txBody>
-          <a:bodyPr/>
-          <a:lstStyle/>
-          <a:p>
-            <a:r>
-              <a:rPr lang="en-US" dirty="0">
-                <a:latin typeface="Palatino Linotype" panose="02040502050505030304" pitchFamily="18" charset="0"/>
-              </a:rPr>
-              <a:t>Data Science Project</a:t>
-            </a:r>
-          </a:p>
-        </p:txBody>
-      </p:sp>
-      <p:sp>
-        <p:nvSpPr>
-          <p:cNvPr id="6" name="Slide Number Placeholder 5">
-            <a:extLst>
-              <a:ext uri="{FF2B5EF4-FFF2-40B4-BE49-F238E27FC236}">
-                <a16:creationId xmlns:a16="http://schemas.microsoft.com/office/drawing/2014/main" id="{952A3A25-9337-C8E5-A5D9-FDB01571478F}"/>
-              </a:ext>
-            </a:extLst>
-          </p:cNvPr>
-          <p:cNvSpPr>
-            <a:spLocks noGrp="1"/>
-          </p:cNvSpPr>
-          <p:nvPr>
-            <p:ph type="sldNum" sz="quarter" idx="12"/>
-          </p:nvPr>
-        </p:nvSpPr>
-        <p:spPr/>
-        <p:txBody>
-          <a:bodyPr/>
-          <a:lstStyle/>
-          <a:p>
-            <a:fld id="{2652C4B5-A1E9-4984-9CD4-22695C1F6283}" type="slidenum">
-              <a:rPr lang="en-US" smtClean="0">
-                <a:latin typeface="Palatino Linotype" panose="02040502050505030304" pitchFamily="18" charset="0"/>
-              </a:rPr>
-              <a:t>2</a:t>
-            </a:fld>
-            <a:endParaRPr lang="en-US">
-              <a:latin typeface="Palatino Linotype" panose="02040502050505030304" pitchFamily="18" charset="0"/>
-            </a:endParaRPr>
-          </a:p>
-        </p:txBody>
-      </p:sp>
-      <p:sp>
-        <p:nvSpPr>
-          <p:cNvPr id="3" name="Content Placeholder 2">
-            <a:extLst>
-              <a:ext uri="{FF2B5EF4-FFF2-40B4-BE49-F238E27FC236}">
-                <a16:creationId xmlns:a16="http://schemas.microsoft.com/office/drawing/2014/main" id="{45762964-EBCA-AE88-8FEE-E1CC10991275}"/>
-              </a:ext>
-            </a:extLst>
-          </p:cNvPr>
-          <p:cNvSpPr>
-            <a:spLocks noGrp="1"/>
-          </p:cNvSpPr>
-          <p:nvPr>
-            <p:ph idx="1"/>
-          </p:nvPr>
-        </p:nvSpPr>
-        <p:spPr>
-          <a:xfrm>
-            <a:off x="838201" y="1252892"/>
-            <a:ext cx="10522526" cy="3371359"/>
-          </a:xfrm>
-        </p:spPr>
-        <p:txBody>
-          <a:bodyPr>
-            <a:normAutofit/>
-          </a:bodyPr>
-          <a:lstStyle/>
-          <a:p>
-            <a:pPr algn="just"/>
-            <a:r>
-              <a:rPr lang="en-IN" sz="1800" b="1" dirty="0">
-                <a:latin typeface="Palatino Linotype" panose="02040502050505030304" pitchFamily="18" charset="0"/>
-              </a:rPr>
-              <a:t>Null Hypothesis</a:t>
-            </a:r>
-            <a:r>
-              <a:rPr lang="en-IN" sz="1800" dirty="0">
-                <a:latin typeface="Palatino Linotype" panose="02040502050505030304" pitchFamily="18" charset="0"/>
-              </a:rPr>
-              <a:t>: Central government schemes are </a:t>
-            </a:r>
-            <a:r>
-              <a:rPr lang="en-IN" sz="1800" b="1" dirty="0">
-                <a:latin typeface="Palatino Linotype" panose="02040502050505030304" pitchFamily="18" charset="0"/>
-              </a:rPr>
-              <a:t>equally</a:t>
-            </a:r>
-            <a:r>
-              <a:rPr lang="en-IN" sz="1800" dirty="0">
-                <a:latin typeface="Palatino Linotype" panose="02040502050505030304" pitchFamily="18" charset="0"/>
-              </a:rPr>
-              <a:t> impactful in all zones of India</a:t>
-            </a:r>
-          </a:p>
-          <a:p>
-            <a:pPr algn="just"/>
-            <a:r>
-              <a:rPr lang="en-IN" sz="1800" b="1" dirty="0">
-                <a:latin typeface="Palatino Linotype" panose="02040502050505030304" pitchFamily="18" charset="0"/>
-              </a:rPr>
-              <a:t>Alternate Hypothesis</a:t>
-            </a:r>
-            <a:r>
-              <a:rPr lang="en-IN" sz="1800" dirty="0">
-                <a:latin typeface="Palatino Linotype" panose="02040502050505030304" pitchFamily="18" charset="0"/>
-              </a:rPr>
-              <a:t>: Central government schemes are </a:t>
-            </a:r>
-            <a:r>
-              <a:rPr lang="en-IN" sz="1800" b="1" dirty="0">
-                <a:latin typeface="Palatino Linotype" panose="02040502050505030304" pitchFamily="18" charset="0"/>
-              </a:rPr>
-              <a:t>NOT equally</a:t>
-            </a:r>
-            <a:r>
-              <a:rPr lang="en-IN" sz="1800" dirty="0">
-                <a:latin typeface="Palatino Linotype" panose="02040502050505030304" pitchFamily="18" charset="0"/>
-              </a:rPr>
-              <a:t> impactful in all zones of India</a:t>
-            </a:r>
-          </a:p>
-          <a:p>
-            <a:pPr algn="just"/>
-            <a:endParaRPr lang="en-US" sz="1800" dirty="0">
-              <a:latin typeface="Palatino Linotype" panose="02040502050505030304" pitchFamily="18" charset="0"/>
-            </a:endParaRPr>
-          </a:p>
-        </p:txBody>
-      </p:sp>
-    </p:spTree>
-    <p:extLst>
-      <p:ext uri="{BB962C8B-B14F-4D97-AF65-F5344CB8AC3E}">
-        <p14:creationId xmlns:p14="http://schemas.microsoft.com/office/powerpoint/2010/main" val="2537763717"/>
-      </p:ext>
-    </p:extLst>
-  </p:cSld>
-  <p:clrMapOvr>
-    <a:masterClrMapping/>
-  </p:clrMapOvr>
-</p:sld>
-</file>
-
-<file path=ppt/slides/slide3.xml><?xml version="1.0" encoding="utf-8"?>
-<p:sld xmlns:a="http://schemas.openxmlformats.org/drawingml/2006/main" xmlns:r="http://schemas.openxmlformats.org/officeDocument/2006/relationships" xmlns:p="http://schemas.openxmlformats.org/presentationml/2006/main">
-  <p:cSld>
-    <p:spTree>
-      <p:nvGrpSpPr>
-        <p:cNvPr id="1" name=""/>
-        <p:cNvGrpSpPr/>
-        <p:nvPr/>
-      </p:nvGrpSpPr>
-      <p:grpSpPr>
-        <a:xfrm>
-          <a:off x="0" y="0"/>
-          <a:ext cx="0" cy="0"/>
-          <a:chOff x="0" y="0"/>
-          <a:chExt cx="0" cy="0"/>
-        </a:xfrm>
-      </p:grpSpPr>
-      <p:sp>
-        <p:nvSpPr>
-          <p:cNvPr id="2" name="Title 1">
-            <a:extLst>
-              <a:ext uri="{FF2B5EF4-FFF2-40B4-BE49-F238E27FC236}">
-                <a16:creationId xmlns:a16="http://schemas.microsoft.com/office/drawing/2014/main" id="{09538C5C-548A-724D-008B-FBD6FD7D07ED}"/>
-              </a:ext>
-            </a:extLst>
-          </p:cNvPr>
-          <p:cNvSpPr>
-            <a:spLocks noGrp="1"/>
-          </p:cNvSpPr>
-          <p:nvPr>
-            <p:ph type="title"/>
-          </p:nvPr>
-        </p:nvSpPr>
-        <p:spPr/>
-        <p:txBody>
-          <a:bodyPr>
-            <a:noAutofit/>
-          </a:bodyPr>
-          <a:lstStyle/>
-          <a:p>
-            <a:r>
-              <a:rPr lang="en-US" sz="2800" dirty="0">
-                <a:latin typeface="Palatino Linotype" panose="02040502050505030304" pitchFamily="18" charset="0"/>
-              </a:rPr>
-              <a:t>Zones of India</a:t>
-            </a:r>
-            <a:endParaRPr lang="en-IN" sz="2800" dirty="0">
-              <a:latin typeface="Palatino Linotype" panose="02040502050505030304" pitchFamily="18" charset="0"/>
-            </a:endParaRPr>
-          </a:p>
-        </p:txBody>
-      </p:sp>
-      <p:sp>
-        <p:nvSpPr>
-          <p:cNvPr id="4" name="Date Placeholder 3">
-            <a:extLst>
-              <a:ext uri="{FF2B5EF4-FFF2-40B4-BE49-F238E27FC236}">
-                <a16:creationId xmlns:a16="http://schemas.microsoft.com/office/drawing/2014/main" id="{629C3C4E-FB6C-9D7C-3E3C-41239CB96B94}"/>
-              </a:ext>
-            </a:extLst>
-          </p:cNvPr>
-          <p:cNvSpPr>
-            <a:spLocks noGrp="1"/>
-          </p:cNvSpPr>
-          <p:nvPr>
-            <p:ph type="dt" sz="half" idx="10"/>
-          </p:nvPr>
-        </p:nvSpPr>
-        <p:spPr/>
-        <p:txBody>
-          <a:bodyPr/>
-          <a:lstStyle/>
-          <a:p>
-            <a:fld id="{55D5B151-898D-433E-A483-768D1A8CE57D}" type="datetime1">
-              <a:rPr lang="en-US" smtClean="0">
-                <a:latin typeface="Palatino Linotype" panose="02040502050505030304" pitchFamily="18" charset="0"/>
-              </a:rPr>
-              <a:t>10/12/2024</a:t>
-            </a:fld>
-            <a:endParaRPr lang="en-US" dirty="0">
-              <a:latin typeface="Palatino Linotype" panose="02040502050505030304" pitchFamily="18" charset="0"/>
-            </a:endParaRPr>
-          </a:p>
-        </p:txBody>
-      </p:sp>
-      <p:sp>
-        <p:nvSpPr>
-          <p:cNvPr id="5" name="Footer Placeholder 4">
-            <a:extLst>
-              <a:ext uri="{FF2B5EF4-FFF2-40B4-BE49-F238E27FC236}">
-                <a16:creationId xmlns:a16="http://schemas.microsoft.com/office/drawing/2014/main" id="{44A7CDC7-443D-9F65-A64E-DD1F704CB8A5}"/>
-              </a:ext>
-            </a:extLst>
-          </p:cNvPr>
-          <p:cNvSpPr>
-            <a:spLocks noGrp="1"/>
-          </p:cNvSpPr>
-          <p:nvPr>
-            <p:ph type="ftr" sz="quarter" idx="11"/>
-          </p:nvPr>
-        </p:nvSpPr>
-        <p:spPr/>
-        <p:txBody>
-          <a:bodyPr/>
-          <a:lstStyle/>
-          <a:p>
-            <a:r>
-              <a:rPr lang="en-US" dirty="0">
-                <a:latin typeface="Palatino Linotype" panose="02040502050505030304" pitchFamily="18" charset="0"/>
-              </a:rPr>
-              <a:t>Data Science Project</a:t>
-            </a:r>
-          </a:p>
-        </p:txBody>
-      </p:sp>
-      <p:sp>
-        <p:nvSpPr>
-          <p:cNvPr id="6" name="Slide Number Placeholder 5">
-            <a:extLst>
-              <a:ext uri="{FF2B5EF4-FFF2-40B4-BE49-F238E27FC236}">
-                <a16:creationId xmlns:a16="http://schemas.microsoft.com/office/drawing/2014/main" id="{952A3A25-9337-C8E5-A5D9-FDB01571478F}"/>
-              </a:ext>
-            </a:extLst>
-          </p:cNvPr>
-          <p:cNvSpPr>
-            <a:spLocks noGrp="1"/>
-          </p:cNvSpPr>
-          <p:nvPr>
-            <p:ph type="sldNum" sz="quarter" idx="12"/>
-          </p:nvPr>
-        </p:nvSpPr>
-        <p:spPr/>
-        <p:txBody>
-          <a:bodyPr/>
-          <a:lstStyle/>
-          <a:p>
-            <a:fld id="{2652C4B5-A1E9-4984-9CD4-22695C1F6283}" type="slidenum">
-              <a:rPr lang="en-US" smtClean="0">
-                <a:latin typeface="Palatino Linotype" panose="02040502050505030304" pitchFamily="18" charset="0"/>
-              </a:rPr>
-              <a:t>3</a:t>
-            </a:fld>
-            <a:endParaRPr lang="en-US">
-              <a:latin typeface="Palatino Linotype" panose="02040502050505030304" pitchFamily="18" charset="0"/>
-            </a:endParaRPr>
-          </a:p>
-        </p:txBody>
-      </p:sp>
-      <p:sp>
-        <p:nvSpPr>
-          <p:cNvPr id="3" name="Content Placeholder 2">
-            <a:extLst>
-              <a:ext uri="{FF2B5EF4-FFF2-40B4-BE49-F238E27FC236}">
-                <a16:creationId xmlns:a16="http://schemas.microsoft.com/office/drawing/2014/main" id="{45762964-EBCA-AE88-8FEE-E1CC10991275}"/>
-              </a:ext>
-            </a:extLst>
-          </p:cNvPr>
-          <p:cNvSpPr>
-            <a:spLocks noGrp="1"/>
-          </p:cNvSpPr>
-          <p:nvPr>
-            <p:ph idx="1"/>
-          </p:nvPr>
-        </p:nvSpPr>
-        <p:spPr>
-          <a:xfrm>
-            <a:off x="838201" y="1252892"/>
-            <a:ext cx="5980610" cy="4503474"/>
-          </a:xfrm>
-        </p:spPr>
-        <p:txBody>
-          <a:bodyPr>
-            <a:normAutofit/>
-          </a:bodyPr>
-          <a:lstStyle/>
-          <a:p>
-            <a:pPr algn="just"/>
-            <a:r>
-              <a:rPr lang="en-US" sz="1800" dirty="0">
-                <a:latin typeface="Palatino Linotype" panose="02040502050505030304" pitchFamily="18" charset="0"/>
-              </a:rPr>
-              <a:t>India is divided into zones for various administrative, geographical, and developmental purposes</a:t>
-            </a:r>
-          </a:p>
-          <a:p>
-            <a:pPr algn="just"/>
-            <a:r>
-              <a:rPr lang="en-US" sz="1800" dirty="0">
-                <a:latin typeface="Palatino Linotype" panose="02040502050505030304" pitchFamily="18" charset="0"/>
-              </a:rPr>
-              <a:t>Facilitate easier governance, efficient resource management, and regional cooperation</a:t>
-            </a:r>
-          </a:p>
-          <a:p>
-            <a:pPr algn="just"/>
-            <a:r>
-              <a:rPr lang="en-US" sz="1800" dirty="0">
-                <a:latin typeface="Palatino Linotype" panose="02040502050505030304" pitchFamily="18" charset="0"/>
-              </a:rPr>
-              <a:t>Also helps in organizing national activities such as elections, infrastructure projects, and development schemes. </a:t>
-            </a:r>
-          </a:p>
-          <a:p>
-            <a:pPr lvl="1" algn="just"/>
-            <a:r>
-              <a:rPr lang="en-IN" sz="1800" dirty="0">
-                <a:latin typeface="Palatino Linotype" panose="02040502050505030304" pitchFamily="18" charset="0"/>
-              </a:rPr>
-              <a:t>Northern Zone</a:t>
-            </a:r>
-          </a:p>
-          <a:p>
-            <a:pPr lvl="1" algn="just"/>
-            <a:r>
-              <a:rPr lang="en-IN" sz="1800" dirty="0">
-                <a:latin typeface="Palatino Linotype" panose="02040502050505030304" pitchFamily="18" charset="0"/>
-              </a:rPr>
-              <a:t>Central Zone</a:t>
-            </a:r>
-          </a:p>
-          <a:p>
-            <a:pPr lvl="1" algn="just"/>
-            <a:r>
-              <a:rPr lang="en-IN" sz="1800" dirty="0">
-                <a:latin typeface="Palatino Linotype" panose="02040502050505030304" pitchFamily="18" charset="0"/>
-              </a:rPr>
-              <a:t>Eastern Zone</a:t>
-            </a:r>
-          </a:p>
-          <a:p>
-            <a:pPr lvl="1" algn="just"/>
-            <a:r>
-              <a:rPr lang="en-IN" sz="1800" dirty="0">
-                <a:latin typeface="Palatino Linotype" panose="02040502050505030304" pitchFamily="18" charset="0"/>
-              </a:rPr>
-              <a:t>Western Zone</a:t>
-            </a:r>
-          </a:p>
-          <a:p>
-            <a:pPr lvl="1" algn="just"/>
-            <a:r>
-              <a:rPr lang="en-IN" sz="1800" dirty="0">
-                <a:latin typeface="Palatino Linotype" panose="02040502050505030304" pitchFamily="18" charset="0"/>
-              </a:rPr>
-              <a:t>Southern Zone</a:t>
-            </a:r>
-          </a:p>
-          <a:p>
-            <a:pPr lvl="1" algn="just"/>
-            <a:r>
-              <a:rPr lang="en-IN" sz="1800" dirty="0">
-                <a:latin typeface="Palatino Linotype" panose="02040502050505030304" pitchFamily="18" charset="0"/>
-              </a:rPr>
-              <a:t>North Eastern Zone</a:t>
-            </a:r>
-          </a:p>
-          <a:p>
-            <a:pPr algn="just"/>
-            <a:endParaRPr lang="en-IN" sz="1800" dirty="0">
-              <a:latin typeface="Palatino Linotype" panose="02040502050505030304" pitchFamily="18" charset="0"/>
-            </a:endParaRPr>
-          </a:p>
-          <a:p>
-            <a:pPr algn="just"/>
-            <a:endParaRPr lang="en-US" sz="1800" dirty="0">
-              <a:latin typeface="Palatino Linotype" panose="02040502050505030304" pitchFamily="18" charset="0"/>
-            </a:endParaRPr>
-          </a:p>
-        </p:txBody>
-      </p:sp>
-      <p:pic>
-        <p:nvPicPr>
-          <p:cNvPr id="7" name="Picture 6">
-            <a:extLst>
-              <a:ext uri="{FF2B5EF4-FFF2-40B4-BE49-F238E27FC236}">
-                <a16:creationId xmlns:a16="http://schemas.microsoft.com/office/drawing/2014/main" id="{0CF9FE6A-4CF5-EBCB-D393-7151A129F4BA}"/>
-              </a:ext>
-            </a:extLst>
-          </p:cNvPr>
-          <p:cNvPicPr>
-            <a:picLocks noChangeAspect="1"/>
-          </p:cNvPicPr>
-          <p:nvPr/>
-        </p:nvPicPr>
-        <p:blipFill>
-          <a:blip r:embed="rId2"/>
-          <a:stretch>
-            <a:fillRect/>
-          </a:stretch>
-        </p:blipFill>
-        <p:spPr>
-          <a:xfrm>
-            <a:off x="7093651" y="452845"/>
-            <a:ext cx="4767423" cy="5694236"/>
-          </a:xfrm>
-          <a:prstGeom prst="rect">
-            <a:avLst/>
-          </a:prstGeom>
-        </p:spPr>
-      </p:pic>
-    </p:spTree>
-    <p:extLst>
-      <p:ext uri="{BB962C8B-B14F-4D97-AF65-F5344CB8AC3E}">
-        <p14:creationId xmlns:p14="http://schemas.microsoft.com/office/powerpoint/2010/main" val="1076339401"/>
-      </p:ext>
-    </p:extLst>
-  </p:cSld>
-  <p:clrMapOvr>
-    <a:masterClrMapping/>
-  </p:clrMapOvr>
-</p:sld>
-</file>
-
-<file path=ppt/slides/slide4.xml><?xml version="1.0" encoding="utf-8"?>
-<p:sld xmlns:a="http://schemas.openxmlformats.org/drawingml/2006/main" xmlns:r="http://schemas.openxmlformats.org/officeDocument/2006/relationships" xmlns:p="http://schemas.openxmlformats.org/presentationml/2006/main">
-  <p:cSld>
-    <p:spTree>
-      <p:nvGrpSpPr>
-        <p:cNvPr id="1" name=""/>
-        <p:cNvGrpSpPr/>
-        <p:nvPr/>
-      </p:nvGrpSpPr>
-      <p:grpSpPr>
-        <a:xfrm>
-          <a:off x="0" y="0"/>
-          <a:ext cx="0" cy="0"/>
-          <a:chOff x="0" y="0"/>
-          <a:chExt cx="0" cy="0"/>
-        </a:xfrm>
-      </p:grpSpPr>
-      <p:sp>
-        <p:nvSpPr>
-          <p:cNvPr id="2" name="Title 1">
-            <a:extLst>
-              <a:ext uri="{FF2B5EF4-FFF2-40B4-BE49-F238E27FC236}">
-                <a16:creationId xmlns:a16="http://schemas.microsoft.com/office/drawing/2014/main" id="{09538C5C-548A-724D-008B-FBD6FD7D07ED}"/>
-              </a:ext>
-            </a:extLst>
-          </p:cNvPr>
-          <p:cNvSpPr>
-            <a:spLocks noGrp="1"/>
-          </p:cNvSpPr>
-          <p:nvPr>
-            <p:ph type="title"/>
-          </p:nvPr>
-        </p:nvSpPr>
-        <p:spPr/>
-        <p:txBody>
-          <a:bodyPr>
-            <a:noAutofit/>
-          </a:bodyPr>
-          <a:lstStyle/>
-          <a:p>
-            <a:r>
-              <a:rPr lang="en-US" sz="2800" dirty="0">
-                <a:latin typeface="Palatino Linotype" panose="02040502050505030304" pitchFamily="18" charset="0"/>
-              </a:rPr>
-              <a:t>Dataset 1</a:t>
-            </a:r>
-            <a:endParaRPr lang="en-IN" sz="2800" dirty="0">
-              <a:latin typeface="Palatino Linotype" panose="02040502050505030304" pitchFamily="18" charset="0"/>
-            </a:endParaRPr>
-          </a:p>
-        </p:txBody>
-      </p:sp>
-      <p:sp>
-        <p:nvSpPr>
-          <p:cNvPr id="4" name="Date Placeholder 3">
-            <a:extLst>
-              <a:ext uri="{FF2B5EF4-FFF2-40B4-BE49-F238E27FC236}">
-                <a16:creationId xmlns:a16="http://schemas.microsoft.com/office/drawing/2014/main" id="{629C3C4E-FB6C-9D7C-3E3C-41239CB96B94}"/>
-              </a:ext>
-            </a:extLst>
-          </p:cNvPr>
-          <p:cNvSpPr>
-            <a:spLocks noGrp="1"/>
-          </p:cNvSpPr>
-          <p:nvPr>
-            <p:ph type="dt" sz="half" idx="10"/>
-          </p:nvPr>
-        </p:nvSpPr>
-        <p:spPr/>
-        <p:txBody>
-          <a:bodyPr/>
-          <a:lstStyle/>
-          <a:p>
-            <a:fld id="{55D5B151-898D-433E-A483-768D1A8CE57D}" type="datetime1">
-              <a:rPr lang="en-US" smtClean="0">
-                <a:latin typeface="Palatino Linotype" panose="02040502050505030304" pitchFamily="18" charset="0"/>
-              </a:rPr>
-              <a:t>10/12/2024</a:t>
-            </a:fld>
-            <a:endParaRPr lang="en-US" dirty="0">
-              <a:latin typeface="Palatino Linotype" panose="02040502050505030304" pitchFamily="18" charset="0"/>
-            </a:endParaRPr>
-          </a:p>
-        </p:txBody>
-      </p:sp>
-      <p:sp>
-        <p:nvSpPr>
-          <p:cNvPr id="5" name="Footer Placeholder 4">
-            <a:extLst>
-              <a:ext uri="{FF2B5EF4-FFF2-40B4-BE49-F238E27FC236}">
-                <a16:creationId xmlns:a16="http://schemas.microsoft.com/office/drawing/2014/main" id="{44A7CDC7-443D-9F65-A64E-DD1F704CB8A5}"/>
-              </a:ext>
-            </a:extLst>
-          </p:cNvPr>
-          <p:cNvSpPr>
-            <a:spLocks noGrp="1"/>
-          </p:cNvSpPr>
-          <p:nvPr>
-            <p:ph type="ftr" sz="quarter" idx="11"/>
-          </p:nvPr>
-        </p:nvSpPr>
-        <p:spPr/>
-        <p:txBody>
-          <a:bodyPr/>
-          <a:lstStyle/>
-          <a:p>
-            <a:r>
-              <a:rPr lang="en-US" dirty="0">
-                <a:latin typeface="Palatino Linotype" panose="02040502050505030304" pitchFamily="18" charset="0"/>
-              </a:rPr>
-              <a:t>Data Science Project</a:t>
-            </a:r>
-          </a:p>
-        </p:txBody>
-      </p:sp>
-      <p:sp>
-        <p:nvSpPr>
-          <p:cNvPr id="6" name="Slide Number Placeholder 5">
-            <a:extLst>
-              <a:ext uri="{FF2B5EF4-FFF2-40B4-BE49-F238E27FC236}">
-                <a16:creationId xmlns:a16="http://schemas.microsoft.com/office/drawing/2014/main" id="{952A3A25-9337-C8E5-A5D9-FDB01571478F}"/>
-              </a:ext>
-            </a:extLst>
-          </p:cNvPr>
-          <p:cNvSpPr>
-            <a:spLocks noGrp="1"/>
-          </p:cNvSpPr>
-          <p:nvPr>
-            <p:ph type="sldNum" sz="quarter" idx="12"/>
-          </p:nvPr>
-        </p:nvSpPr>
-        <p:spPr/>
-        <p:txBody>
-          <a:bodyPr/>
-          <a:lstStyle/>
-          <a:p>
-            <a:fld id="{2652C4B5-A1E9-4984-9CD4-22695C1F6283}" type="slidenum">
-              <a:rPr lang="en-US" smtClean="0">
-                <a:latin typeface="Palatino Linotype" panose="02040502050505030304" pitchFamily="18" charset="0"/>
-              </a:rPr>
-              <a:t>4</a:t>
-            </a:fld>
-            <a:endParaRPr lang="en-US">
-              <a:latin typeface="Palatino Linotype" panose="02040502050505030304" pitchFamily="18" charset="0"/>
-            </a:endParaRPr>
-          </a:p>
-        </p:txBody>
-      </p:sp>
-      <mc:AlternateContent xmlns:mc="http://schemas.openxmlformats.org/markup-compatibility/2006">
-        <mc:Choice xmlns:a14="http://schemas.microsoft.com/office/drawing/2010/main" Requires="a14">
-          <p:sp>
-            <p:nvSpPr>
-              <p:cNvPr id="3" name="Content Placeholder 2">
-                <a:extLst>
-                  <a:ext uri="{FF2B5EF4-FFF2-40B4-BE49-F238E27FC236}">
-                    <a16:creationId xmlns:a16="http://schemas.microsoft.com/office/drawing/2014/main" id="{45762964-EBCA-AE88-8FEE-E1CC10991275}"/>
-                  </a:ext>
-                </a:extLst>
-              </p:cNvPr>
-              <p:cNvSpPr>
-                <a:spLocks noGrp="1"/>
-              </p:cNvSpPr>
-              <p:nvPr>
-                <p:ph idx="1"/>
-              </p:nvPr>
-            </p:nvSpPr>
-            <p:spPr>
-              <a:xfrm>
-                <a:off x="838201" y="1252892"/>
-                <a:ext cx="10522526" cy="4503474"/>
-              </a:xfrm>
-            </p:spPr>
-            <p:txBody>
-              <a:bodyPr>
-                <a:normAutofit/>
-              </a:bodyPr>
-              <a:lstStyle/>
-              <a:p>
-                <a:pPr algn="just"/>
-                <a:r>
-                  <a:rPr lang="en-US" sz="1800" dirty="0">
-                    <a:latin typeface="Palatino Linotype" panose="02040502050505030304" pitchFamily="18" charset="0"/>
-                  </a:rPr>
-                  <a:t>Physical &amp; Financial Progress of Pradhan Mantri Gram </a:t>
-                </a:r>
-                <a:r>
-                  <a:rPr lang="en-US" sz="1800" dirty="0" err="1">
-                    <a:latin typeface="Palatino Linotype" panose="02040502050505030304" pitchFamily="18" charset="0"/>
-                  </a:rPr>
-                  <a:t>Sadak</a:t>
-                </a:r>
-                <a:r>
-                  <a:rPr lang="en-US" sz="1800" dirty="0">
-                    <a:latin typeface="Palatino Linotype" panose="02040502050505030304" pitchFamily="18" charset="0"/>
-                  </a:rPr>
-                  <a:t> </a:t>
-                </a:r>
-                <a:r>
-                  <a:rPr lang="en-US" sz="1800" dirty="0" err="1">
-                    <a:latin typeface="Palatino Linotype" panose="02040502050505030304" pitchFamily="18" charset="0"/>
-                  </a:rPr>
-                  <a:t>Yojna</a:t>
-                </a:r>
-                <a:r>
-                  <a:rPr lang="en-US" sz="1800" dirty="0">
-                    <a:latin typeface="Palatino Linotype" panose="02040502050505030304" pitchFamily="18" charset="0"/>
-                  </a:rPr>
-                  <a:t> (PMGSY)</a:t>
-                </a:r>
-              </a:p>
-              <a:p>
-                <a:pPr algn="just"/>
-                <a:r>
-                  <a:rPr lang="en-US" sz="1800" dirty="0">
-                    <a:latin typeface="Palatino Linotype" panose="02040502050505030304" pitchFamily="18" charset="0"/>
-                  </a:rPr>
-                  <a:t>Link: </a:t>
-                </a:r>
-                <a:r>
-                  <a:rPr lang="en-IN" sz="1200" dirty="0">
-                    <a:hlinkClick r:id="rId2"/>
-                  </a:rPr>
-                  <a:t>https://www.data.gov.in/resource/physical-financial-progress-pradhan-mantri-gram-sadak-yojna-pmgsy-date</a:t>
-                </a:r>
-                <a:endParaRPr lang="en-US" sz="1800" dirty="0">
-                  <a:latin typeface="Palatino Linotype" panose="02040502050505030304" pitchFamily="18" charset="0"/>
-                </a:endParaRPr>
-              </a:p>
-              <a:p>
-                <a:pPr algn="just"/>
-                <a:r>
-                  <a:rPr lang="en-US" sz="1800" dirty="0">
-                    <a:latin typeface="Palatino Linotype" panose="02040502050505030304" pitchFamily="18" charset="0"/>
-                  </a:rPr>
-                  <a:t>Shape: </a:t>
-                </a:r>
-                <a14:m>
-                  <m:oMath xmlns:m="http://schemas.openxmlformats.org/officeDocument/2006/math">
-                    <m:r>
-                      <a:rPr lang="en-IN" sz="1800" b="0" i="1" smtClean="0">
-                        <a:latin typeface="Cambria Math" panose="02040503050406030204" pitchFamily="18" charset="0"/>
-                      </a:rPr>
-                      <m:t>224</m:t>
-                    </m:r>
-                    <m:r>
-                      <a:rPr lang="en-IN" sz="1800" b="0" i="1" smtClean="0">
-                        <a:latin typeface="Cambria Math" panose="02040503050406030204" pitchFamily="18" charset="0"/>
-                      </a:rPr>
-                      <m:t>5</m:t>
-                    </m:r>
-                    <m:r>
-                      <a:rPr lang="en-IN" sz="1800" b="0" i="1" smtClean="0">
-                        <a:latin typeface="Cambria Math" panose="02040503050406030204" pitchFamily="18" charset="0"/>
-                      </a:rPr>
-                      <m:t> </m:t>
-                    </m:r>
-                    <m:r>
-                      <a:rPr lang="en-IN" sz="1800" b="0" i="1" smtClean="0">
-                        <a:latin typeface="Cambria Math" panose="02040503050406030204" pitchFamily="18" charset="0"/>
-                        <a:ea typeface="Cambria Math" panose="02040503050406030204" pitchFamily="18" charset="0"/>
-                      </a:rPr>
-                      <m:t>×14</m:t>
-                    </m:r>
-                  </m:oMath>
-                </a14:m>
-                <a:endParaRPr lang="en-US" sz="1800" dirty="0">
-                  <a:latin typeface="Palatino Linotype" panose="02040502050505030304" pitchFamily="18" charset="0"/>
-                </a:endParaRPr>
-              </a:p>
-            </p:txBody>
-          </p:sp>
-        </mc:Choice>
-        <mc:Fallback>
-          <p:sp>
-            <p:nvSpPr>
-              <p:cNvPr id="3" name="Content Placeholder 2">
-                <a:extLst>
-                  <a:ext uri="{FF2B5EF4-FFF2-40B4-BE49-F238E27FC236}">
-                    <a16:creationId xmlns:a16="http://schemas.microsoft.com/office/drawing/2014/main" id="{45762964-EBCA-AE88-8FEE-E1CC10991275}"/>
-                  </a:ext>
-                </a:extLst>
-              </p:cNvPr>
-              <p:cNvSpPr>
-                <a:spLocks noGrp="1" noRot="1" noChangeAspect="1" noMove="1" noResize="1" noEditPoints="1" noAdjustHandles="1" noChangeArrowheads="1" noChangeShapeType="1" noTextEdit="1"/>
-              </p:cNvSpPr>
-              <p:nvPr>
-                <p:ph idx="1"/>
-              </p:nvPr>
-            </p:nvSpPr>
-            <p:spPr>
-              <a:xfrm>
-                <a:off x="838201" y="1252892"/>
-                <a:ext cx="10522526" cy="4503474"/>
-              </a:xfrm>
-              <a:blipFill>
-                <a:blip r:embed="rId3"/>
-                <a:stretch>
-                  <a:fillRect l="-348" t="-1355"/>
-                </a:stretch>
-              </a:blipFill>
-            </p:spPr>
-            <p:txBody>
-              <a:bodyPr/>
-              <a:lstStyle/>
-              <a:p>
-                <a:r>
-                  <a:rPr lang="en-IN">
-                    <a:noFill/>
-                  </a:rPr>
-                  <a:t> </a:t>
-                </a:r>
-              </a:p>
-            </p:txBody>
-          </p:sp>
-        </mc:Fallback>
-      </mc:AlternateContent>
-    </p:spTree>
-    <p:extLst>
-      <p:ext uri="{BB962C8B-B14F-4D97-AF65-F5344CB8AC3E}">
-        <p14:creationId xmlns:p14="http://schemas.microsoft.com/office/powerpoint/2010/main" val="1979091958"/>
-      </p:ext>
-    </p:extLst>
-  </p:cSld>
-  <p:clrMapOvr>
-    <a:masterClrMapping/>
-  </p:clrMapOvr>
-</p:sld>
-</file>
-
-<file path=ppt/slides/slide5.xml><?xml version="1.0" encoding="utf-8"?>
-<p:sld xmlns:a="http://schemas.openxmlformats.org/drawingml/2006/main" xmlns:r="http://schemas.openxmlformats.org/officeDocument/2006/relationships" xmlns:p="http://schemas.openxmlformats.org/presentationml/2006/main">
-  <p:cSld>
-    <p:spTree>
-      <p:nvGrpSpPr>
-        <p:cNvPr id="1" name="">
-          <a:extLst>
-            <a:ext uri="{FF2B5EF4-FFF2-40B4-BE49-F238E27FC236}">
-              <a16:creationId xmlns:a16="http://schemas.microsoft.com/office/drawing/2014/main" id="{6B104A3E-BE47-94D7-8122-6B881BE4A128}"/>
-            </a:ext>
-          </a:extLst>
-        </p:cNvPr>
-        <p:cNvGrpSpPr/>
-        <p:nvPr/>
-      </p:nvGrpSpPr>
-      <p:grpSpPr>
-        <a:xfrm>
-          <a:off x="0" y="0"/>
-          <a:ext cx="0" cy="0"/>
-          <a:chOff x="0" y="0"/>
-          <a:chExt cx="0" cy="0"/>
-        </a:xfrm>
-      </p:grpSpPr>
-      <p:sp>
-        <p:nvSpPr>
-          <p:cNvPr id="2" name="Title 1">
-            <a:extLst>
-              <a:ext uri="{FF2B5EF4-FFF2-40B4-BE49-F238E27FC236}">
-                <a16:creationId xmlns:a16="http://schemas.microsoft.com/office/drawing/2014/main" id="{1DFCB549-C9E2-2322-9942-524A273B5268}"/>
-              </a:ext>
-            </a:extLst>
-          </p:cNvPr>
-          <p:cNvSpPr>
-            <a:spLocks noGrp="1"/>
-          </p:cNvSpPr>
-          <p:nvPr>
-            <p:ph type="title"/>
-          </p:nvPr>
-        </p:nvSpPr>
-        <p:spPr/>
-        <p:txBody>
-          <a:bodyPr>
-            <a:noAutofit/>
-          </a:bodyPr>
-          <a:lstStyle/>
-          <a:p>
-            <a:r>
-              <a:rPr lang="en-US" sz="2800" dirty="0">
-                <a:latin typeface="Palatino Linotype" panose="02040502050505030304" pitchFamily="18" charset="0"/>
-              </a:rPr>
-              <a:t>Dataset 1</a:t>
-            </a:r>
-            <a:endParaRPr lang="en-IN" sz="2800" dirty="0">
-              <a:latin typeface="Palatino Linotype" panose="02040502050505030304" pitchFamily="18" charset="0"/>
-            </a:endParaRPr>
-          </a:p>
-        </p:txBody>
-      </p:sp>
-      <p:sp>
-        <p:nvSpPr>
-          <p:cNvPr id="4" name="Date Placeholder 3">
-            <a:extLst>
-              <a:ext uri="{FF2B5EF4-FFF2-40B4-BE49-F238E27FC236}">
-                <a16:creationId xmlns:a16="http://schemas.microsoft.com/office/drawing/2014/main" id="{E35C2B66-665B-CC61-8709-5B2C42766357}"/>
-              </a:ext>
-            </a:extLst>
-          </p:cNvPr>
-          <p:cNvSpPr>
-            <a:spLocks noGrp="1"/>
-          </p:cNvSpPr>
-          <p:nvPr>
-            <p:ph type="dt" sz="half" idx="10"/>
-          </p:nvPr>
-        </p:nvSpPr>
-        <p:spPr/>
-        <p:txBody>
-          <a:bodyPr/>
-          <a:lstStyle/>
-          <a:p>
-            <a:fld id="{55D5B151-898D-433E-A483-768D1A8CE57D}" type="datetime1">
-              <a:rPr lang="en-US" smtClean="0">
-                <a:latin typeface="Palatino Linotype" panose="02040502050505030304" pitchFamily="18" charset="0"/>
-              </a:rPr>
-              <a:t>10/12/2024</a:t>
-            </a:fld>
-            <a:endParaRPr lang="en-US" dirty="0">
-              <a:latin typeface="Palatino Linotype" panose="02040502050505030304" pitchFamily="18" charset="0"/>
-            </a:endParaRPr>
-          </a:p>
-        </p:txBody>
-      </p:sp>
-      <p:sp>
-        <p:nvSpPr>
-          <p:cNvPr id="5" name="Footer Placeholder 4">
-            <a:extLst>
-              <a:ext uri="{FF2B5EF4-FFF2-40B4-BE49-F238E27FC236}">
-                <a16:creationId xmlns:a16="http://schemas.microsoft.com/office/drawing/2014/main" id="{815309E0-9122-53BE-B789-57DB9146E082}"/>
-              </a:ext>
-            </a:extLst>
-          </p:cNvPr>
-          <p:cNvSpPr>
-            <a:spLocks noGrp="1"/>
-          </p:cNvSpPr>
-          <p:nvPr>
-            <p:ph type="ftr" sz="quarter" idx="11"/>
-          </p:nvPr>
-        </p:nvSpPr>
-        <p:spPr/>
-        <p:txBody>
-          <a:bodyPr/>
-          <a:lstStyle/>
-          <a:p>
-            <a:r>
-              <a:rPr lang="en-US" dirty="0">
-                <a:latin typeface="Palatino Linotype" panose="02040502050505030304" pitchFamily="18" charset="0"/>
-              </a:rPr>
-              <a:t>Data Science Project</a:t>
-            </a:r>
-          </a:p>
-        </p:txBody>
-      </p:sp>
-      <p:sp>
-        <p:nvSpPr>
-          <p:cNvPr id="6" name="Slide Number Placeholder 5">
-            <a:extLst>
-              <a:ext uri="{FF2B5EF4-FFF2-40B4-BE49-F238E27FC236}">
-                <a16:creationId xmlns:a16="http://schemas.microsoft.com/office/drawing/2014/main" id="{8D8F32B0-5F1D-60C1-F404-3E84D4F6E8DE}"/>
-              </a:ext>
-            </a:extLst>
-          </p:cNvPr>
-          <p:cNvSpPr>
-            <a:spLocks noGrp="1"/>
-          </p:cNvSpPr>
-          <p:nvPr>
-            <p:ph type="sldNum" sz="quarter" idx="12"/>
-          </p:nvPr>
-        </p:nvSpPr>
-        <p:spPr/>
-        <p:txBody>
-          <a:bodyPr/>
-          <a:lstStyle/>
-          <a:p>
-            <a:fld id="{2652C4B5-A1E9-4984-9CD4-22695C1F6283}" type="slidenum">
-              <a:rPr lang="en-US" smtClean="0">
-                <a:latin typeface="Palatino Linotype" panose="02040502050505030304" pitchFamily="18" charset="0"/>
-              </a:rPr>
-              <a:t>5</a:t>
-            </a:fld>
-            <a:endParaRPr lang="en-US">
-              <a:latin typeface="Palatino Linotype" panose="02040502050505030304" pitchFamily="18" charset="0"/>
-            </a:endParaRPr>
-          </a:p>
-        </p:txBody>
-      </p:sp>
-    </p:spTree>
-    <p:extLst>
-      <p:ext uri="{BB962C8B-B14F-4D97-AF65-F5344CB8AC3E}">
-        <p14:creationId xmlns:p14="http://schemas.microsoft.com/office/powerpoint/2010/main" val="704400216"/>
-      </p:ext>
-    </p:extLst>
-  </p:cSld>
-  <p:clrMapOvr>
-    <a:masterClrMapping/>
-  </p:clrMapOvr>
-</p:sld>
-</file>
-
-<file path=ppt/slides/slide6.xml><?xml version="1.0" encoding="utf-8"?>
-<p:sld xmlns:a="http://schemas.openxmlformats.org/drawingml/2006/main" xmlns:r="http://schemas.openxmlformats.org/officeDocument/2006/relationships" xmlns:p="http://schemas.openxmlformats.org/presentationml/2006/main">
-  <p:cSld>
-    <p:spTree>
-      <p:nvGrpSpPr>
-        <p:cNvPr id="1" name=""/>
-        <p:cNvGrpSpPr/>
-        <p:nvPr/>
-      </p:nvGrpSpPr>
-      <p:grpSpPr>
-        <a:xfrm>
-          <a:off x="0" y="0"/>
-          <a:ext cx="0" cy="0"/>
-          <a:chOff x="0" y="0"/>
-          <a:chExt cx="0" cy="0"/>
-        </a:xfrm>
-      </p:grpSpPr>
-      <p:sp>
-        <p:nvSpPr>
-          <p:cNvPr id="2" name="Title 1">
-            <a:extLst>
-              <a:ext uri="{FF2B5EF4-FFF2-40B4-BE49-F238E27FC236}">
-                <a16:creationId xmlns:a16="http://schemas.microsoft.com/office/drawing/2014/main" id="{09538C5C-548A-724D-008B-FBD6FD7D07ED}"/>
-              </a:ext>
-            </a:extLst>
-          </p:cNvPr>
-          <p:cNvSpPr>
-            <a:spLocks noGrp="1"/>
-          </p:cNvSpPr>
-          <p:nvPr>
-            <p:ph type="title"/>
-          </p:nvPr>
-        </p:nvSpPr>
-        <p:spPr/>
-        <p:txBody>
-          <a:bodyPr>
-            <a:noAutofit/>
-          </a:bodyPr>
-          <a:lstStyle/>
-          <a:p>
-            <a:r>
-              <a:rPr lang="en-US" sz="2800" dirty="0">
-                <a:latin typeface="Palatino Linotype" panose="02040502050505030304" pitchFamily="18" charset="0"/>
-              </a:rPr>
-              <a:t>Dataset 2</a:t>
-            </a:r>
-            <a:endParaRPr lang="en-IN" sz="2800" dirty="0">
-              <a:latin typeface="Palatino Linotype" panose="02040502050505030304" pitchFamily="18" charset="0"/>
-            </a:endParaRPr>
-          </a:p>
-        </p:txBody>
-      </p:sp>
-      <p:sp>
-        <p:nvSpPr>
-          <p:cNvPr id="4" name="Date Placeholder 3">
-            <a:extLst>
-              <a:ext uri="{FF2B5EF4-FFF2-40B4-BE49-F238E27FC236}">
-                <a16:creationId xmlns:a16="http://schemas.microsoft.com/office/drawing/2014/main" id="{629C3C4E-FB6C-9D7C-3E3C-41239CB96B94}"/>
-              </a:ext>
-            </a:extLst>
-          </p:cNvPr>
-          <p:cNvSpPr>
-            <a:spLocks noGrp="1"/>
-          </p:cNvSpPr>
-          <p:nvPr>
-            <p:ph type="dt" sz="half" idx="10"/>
-          </p:nvPr>
-        </p:nvSpPr>
-        <p:spPr/>
-        <p:txBody>
-          <a:bodyPr/>
-          <a:lstStyle/>
-          <a:p>
-            <a:fld id="{55D5B151-898D-433E-A483-768D1A8CE57D}" type="datetime1">
-              <a:rPr lang="en-US" smtClean="0">
-                <a:latin typeface="Palatino Linotype" panose="02040502050505030304" pitchFamily="18" charset="0"/>
-              </a:rPr>
-              <a:t>10/12/2024</a:t>
-            </a:fld>
-            <a:endParaRPr lang="en-US" dirty="0">
-              <a:latin typeface="Palatino Linotype" panose="02040502050505030304" pitchFamily="18" charset="0"/>
-            </a:endParaRPr>
-          </a:p>
-        </p:txBody>
-      </p:sp>
-      <p:sp>
-        <p:nvSpPr>
-          <p:cNvPr id="5" name="Footer Placeholder 4">
-            <a:extLst>
-              <a:ext uri="{FF2B5EF4-FFF2-40B4-BE49-F238E27FC236}">
-                <a16:creationId xmlns:a16="http://schemas.microsoft.com/office/drawing/2014/main" id="{44A7CDC7-443D-9F65-A64E-DD1F704CB8A5}"/>
-              </a:ext>
-            </a:extLst>
-          </p:cNvPr>
-          <p:cNvSpPr>
-            <a:spLocks noGrp="1"/>
-          </p:cNvSpPr>
-          <p:nvPr>
-            <p:ph type="ftr" sz="quarter" idx="11"/>
-          </p:nvPr>
-        </p:nvSpPr>
-        <p:spPr/>
-        <p:txBody>
-          <a:bodyPr/>
-          <a:lstStyle/>
-          <a:p>
-            <a:r>
-              <a:rPr lang="en-US" dirty="0">
-                <a:latin typeface="Palatino Linotype" panose="02040502050505030304" pitchFamily="18" charset="0"/>
-              </a:rPr>
-              <a:t>Data Science Project</a:t>
-            </a:r>
-          </a:p>
-        </p:txBody>
-      </p:sp>
-      <p:sp>
-        <p:nvSpPr>
-          <p:cNvPr id="6" name="Slide Number Placeholder 5">
-            <a:extLst>
-              <a:ext uri="{FF2B5EF4-FFF2-40B4-BE49-F238E27FC236}">
-                <a16:creationId xmlns:a16="http://schemas.microsoft.com/office/drawing/2014/main" id="{952A3A25-9337-C8E5-A5D9-FDB01571478F}"/>
-              </a:ext>
-            </a:extLst>
-          </p:cNvPr>
-          <p:cNvSpPr>
-            <a:spLocks noGrp="1"/>
-          </p:cNvSpPr>
-          <p:nvPr>
-            <p:ph type="sldNum" sz="quarter" idx="12"/>
-          </p:nvPr>
-        </p:nvSpPr>
-        <p:spPr/>
-        <p:txBody>
-          <a:bodyPr/>
-          <a:lstStyle/>
-          <a:p>
-            <a:fld id="{2652C4B5-A1E9-4984-9CD4-22695C1F6283}" type="slidenum">
-              <a:rPr lang="en-US" smtClean="0">
-                <a:latin typeface="Palatino Linotype" panose="02040502050505030304" pitchFamily="18" charset="0"/>
-              </a:rPr>
-              <a:t>6</a:t>
-            </a:fld>
-            <a:endParaRPr lang="en-US">
-              <a:latin typeface="Palatino Linotype" panose="02040502050505030304" pitchFamily="18" charset="0"/>
-            </a:endParaRPr>
-          </a:p>
-        </p:txBody>
-      </p:sp>
-      <mc:AlternateContent xmlns:mc="http://schemas.openxmlformats.org/markup-compatibility/2006" xmlns:a14="http://schemas.microsoft.com/office/drawing/2010/main">
-        <mc:Choice Requires="a14">
-          <p:sp>
-            <p:nvSpPr>
-              <p:cNvPr id="3" name="Content Placeholder 2">
-                <a:extLst>
-                  <a:ext uri="{FF2B5EF4-FFF2-40B4-BE49-F238E27FC236}">
-                    <a16:creationId xmlns:a16="http://schemas.microsoft.com/office/drawing/2014/main" id="{45762964-EBCA-AE88-8FEE-E1CC10991275}"/>
-                  </a:ext>
-                </a:extLst>
-              </p:cNvPr>
-              <p:cNvSpPr>
-                <a:spLocks noGrp="1"/>
-              </p:cNvSpPr>
-              <p:nvPr>
-                <p:ph idx="1"/>
-              </p:nvPr>
-            </p:nvSpPr>
-            <p:spPr>
-              <a:xfrm>
-                <a:off x="838201" y="1252892"/>
-                <a:ext cx="10522526" cy="4503474"/>
-              </a:xfrm>
-            </p:spPr>
-            <p:txBody>
-              <a:bodyPr>
-                <a:normAutofit/>
-              </a:bodyPr>
-              <a:lstStyle/>
-              <a:p>
-                <a:pPr algn="just"/>
-                <a:r>
-                  <a:rPr lang="en-US" sz="1800" dirty="0">
-                    <a:latin typeface="Palatino Linotype" panose="02040502050505030304" pitchFamily="18" charset="0"/>
-                  </a:rPr>
-                  <a:t>District-wise MGNREGA Data at a Glance</a:t>
-                </a:r>
-              </a:p>
-              <a:p>
-                <a:pPr algn="just"/>
-                <a:r>
-                  <a:rPr lang="en-US" sz="1800" dirty="0">
-                    <a:latin typeface="Palatino Linotype" panose="02040502050505030304" pitchFamily="18" charset="0"/>
-                  </a:rPr>
-                  <a:t>Mahatma Gandhi National Rural Employment Guarantee Act (MNREGA)</a:t>
-                </a:r>
-              </a:p>
-              <a:p>
-                <a:pPr algn="just"/>
-                <a:r>
-                  <a:rPr lang="en-US" sz="1800" dirty="0">
-                    <a:latin typeface="Palatino Linotype" panose="02040502050505030304" pitchFamily="18" charset="0"/>
-                  </a:rPr>
-                  <a:t>Link: </a:t>
-                </a:r>
-                <a:r>
-                  <a:rPr lang="en-IN" sz="1200" dirty="0">
-                    <a:hlinkClick r:id="rId2"/>
-                  </a:rPr>
-                  <a:t>https://www.data.gov.in/resource/district-wise-mgnrega-data-glance</a:t>
-                </a:r>
-                <a:endParaRPr lang="en-IN" sz="1200" dirty="0"/>
-              </a:p>
-              <a:p>
-                <a:pPr algn="just"/>
-                <a:r>
-                  <a:rPr lang="en-US" sz="1800" dirty="0">
-                    <a:latin typeface="Palatino Linotype" panose="02040502050505030304" pitchFamily="18" charset="0"/>
-                  </a:rPr>
-                  <a:t>Shape: </a:t>
-                </a:r>
-                <a14:m>
-                  <m:oMath xmlns:m="http://schemas.openxmlformats.org/officeDocument/2006/math">
-                    <m:r>
-                      <a:rPr lang="en-IN" sz="1800" i="1">
-                        <a:latin typeface="Cambria Math" panose="02040503050406030204" pitchFamily="18" charset="0"/>
-                      </a:rPr>
-                      <m:t>8</m:t>
-                    </m:r>
-                    <m:r>
-                      <a:rPr lang="en-IN" sz="1800" b="0" i="1" smtClean="0">
-                        <a:latin typeface="Cambria Math" panose="02040503050406030204" pitchFamily="18" charset="0"/>
-                      </a:rPr>
-                      <m:t>880 </m:t>
-                    </m:r>
-                    <m:r>
-                      <a:rPr lang="en-IN" sz="1800" b="0" i="1" smtClean="0">
-                        <a:latin typeface="Cambria Math" panose="02040503050406030204" pitchFamily="18" charset="0"/>
-                        <a:ea typeface="Cambria Math" panose="02040503050406030204" pitchFamily="18" charset="0"/>
-                      </a:rPr>
-                      <m:t>×36</m:t>
-                    </m:r>
-                  </m:oMath>
-                </a14:m>
-                <a:endParaRPr lang="en-US" sz="1800" dirty="0">
-                  <a:latin typeface="Palatino Linotype" panose="02040502050505030304" pitchFamily="18" charset="0"/>
-                </a:endParaRPr>
-              </a:p>
-            </p:txBody>
-          </p:sp>
-        </mc:Choice>
-        <mc:Fallback xmlns="">
-          <p:sp>
-            <p:nvSpPr>
-              <p:cNvPr id="3" name="Content Placeholder 2">
-                <a:extLst>
-                  <a:ext uri="{FF2B5EF4-FFF2-40B4-BE49-F238E27FC236}">
-                    <a16:creationId xmlns:a16="http://schemas.microsoft.com/office/drawing/2014/main" id="{45762964-EBCA-AE88-8FEE-E1CC10991275}"/>
-                  </a:ext>
-                </a:extLst>
-              </p:cNvPr>
-              <p:cNvSpPr>
-                <a:spLocks noGrp="1" noRot="1" noChangeAspect="1" noMove="1" noResize="1" noEditPoints="1" noAdjustHandles="1" noChangeArrowheads="1" noChangeShapeType="1" noTextEdit="1"/>
-              </p:cNvSpPr>
-              <p:nvPr>
-                <p:ph idx="1"/>
-              </p:nvPr>
-            </p:nvSpPr>
-            <p:spPr>
-              <a:xfrm>
-                <a:off x="838201" y="1252892"/>
-                <a:ext cx="10522526" cy="4503474"/>
-              </a:xfrm>
-              <a:blipFill>
-                <a:blip r:embed="rId3"/>
-                <a:stretch>
-                  <a:fillRect l="-348" t="-1355"/>
-                </a:stretch>
-              </a:blipFill>
-            </p:spPr>
-            <p:txBody>
-              <a:bodyPr/>
-              <a:lstStyle/>
-              <a:p>
-                <a:r>
-                  <a:rPr lang="en-IN">
-                    <a:noFill/>
-                  </a:rPr>
-                  <a:t> </a:t>
-                </a:r>
-              </a:p>
-            </p:txBody>
-          </p:sp>
-        </mc:Fallback>
-      </mc:AlternateContent>
-    </p:spTree>
-    <p:extLst>
-      <p:ext uri="{BB962C8B-B14F-4D97-AF65-F5344CB8AC3E}">
-        <p14:creationId xmlns:p14="http://schemas.microsoft.com/office/powerpoint/2010/main" val="1595158400"/>
-      </p:ext>
-    </p:extLst>
-  </p:cSld>
-  <p:clrMapOvr>
-    <a:masterClrMapping/>
-  </p:clrMapOvr>
-</p:sld>
-</file>
-
-<file path=ppt/slides/slide7.xml><?xml version="1.0" encoding="utf-8"?>
-<p:sld xmlns:a="http://schemas.openxmlformats.org/drawingml/2006/main" xmlns:r="http://schemas.openxmlformats.org/officeDocument/2006/relationships" xmlns:p="http://schemas.openxmlformats.org/presentationml/2006/main">
-  <p:cSld>
-    <p:spTree>
-      <p:nvGrpSpPr>
-        <p:cNvPr id="1" name=""/>
-        <p:cNvGrpSpPr/>
-        <p:nvPr/>
-      </p:nvGrpSpPr>
-      <p:grpSpPr>
-        <a:xfrm>
-          <a:off x="0" y="0"/>
-          <a:ext cx="0" cy="0"/>
-          <a:chOff x="0" y="0"/>
-          <a:chExt cx="0" cy="0"/>
-        </a:xfrm>
-      </p:grpSpPr>
-      <p:sp>
-        <p:nvSpPr>
-          <p:cNvPr id="2" name="Title 1">
-            <a:extLst>
-              <a:ext uri="{FF2B5EF4-FFF2-40B4-BE49-F238E27FC236}">
-                <a16:creationId xmlns:a16="http://schemas.microsoft.com/office/drawing/2014/main" id="{09538C5C-548A-724D-008B-FBD6FD7D07ED}"/>
-              </a:ext>
-            </a:extLst>
-          </p:cNvPr>
-          <p:cNvSpPr>
-            <a:spLocks noGrp="1"/>
-          </p:cNvSpPr>
-          <p:nvPr>
-            <p:ph type="title"/>
-          </p:nvPr>
-        </p:nvSpPr>
-        <p:spPr/>
-        <p:txBody>
-          <a:bodyPr>
-            <a:noAutofit/>
-          </a:bodyPr>
-          <a:lstStyle/>
-          <a:p>
-            <a:r>
-              <a:rPr lang="en-US" sz="2800" dirty="0">
-                <a:latin typeface="Palatino Linotype" panose="02040502050505030304" pitchFamily="18" charset="0"/>
-              </a:rPr>
-              <a:t>Dataset 3</a:t>
-            </a:r>
-            <a:endParaRPr lang="en-IN" sz="2800" dirty="0">
-              <a:latin typeface="Palatino Linotype" panose="02040502050505030304" pitchFamily="18" charset="0"/>
-            </a:endParaRPr>
-          </a:p>
-        </p:txBody>
-      </p:sp>
-      <p:sp>
-        <p:nvSpPr>
-          <p:cNvPr id="4" name="Date Placeholder 3">
-            <a:extLst>
-              <a:ext uri="{FF2B5EF4-FFF2-40B4-BE49-F238E27FC236}">
-                <a16:creationId xmlns:a16="http://schemas.microsoft.com/office/drawing/2014/main" id="{629C3C4E-FB6C-9D7C-3E3C-41239CB96B94}"/>
-              </a:ext>
-            </a:extLst>
-          </p:cNvPr>
-          <p:cNvSpPr>
-            <a:spLocks noGrp="1"/>
-          </p:cNvSpPr>
-          <p:nvPr>
-            <p:ph type="dt" sz="half" idx="10"/>
-          </p:nvPr>
-        </p:nvSpPr>
-        <p:spPr/>
-        <p:txBody>
-          <a:bodyPr/>
-          <a:lstStyle/>
-          <a:p>
-            <a:fld id="{55D5B151-898D-433E-A483-768D1A8CE57D}" type="datetime1">
-              <a:rPr lang="en-US" smtClean="0">
-                <a:latin typeface="Palatino Linotype" panose="02040502050505030304" pitchFamily="18" charset="0"/>
-              </a:rPr>
-              <a:t>10/12/2024</a:t>
-            </a:fld>
-            <a:endParaRPr lang="en-US" dirty="0">
-              <a:latin typeface="Palatino Linotype" panose="02040502050505030304" pitchFamily="18" charset="0"/>
-            </a:endParaRPr>
-          </a:p>
-        </p:txBody>
-      </p:sp>
-      <p:sp>
-        <p:nvSpPr>
-          <p:cNvPr id="5" name="Footer Placeholder 4">
-            <a:extLst>
-              <a:ext uri="{FF2B5EF4-FFF2-40B4-BE49-F238E27FC236}">
-                <a16:creationId xmlns:a16="http://schemas.microsoft.com/office/drawing/2014/main" id="{44A7CDC7-443D-9F65-A64E-DD1F704CB8A5}"/>
-              </a:ext>
-            </a:extLst>
-          </p:cNvPr>
-          <p:cNvSpPr>
-            <a:spLocks noGrp="1"/>
-          </p:cNvSpPr>
-          <p:nvPr>
-            <p:ph type="ftr" sz="quarter" idx="11"/>
-          </p:nvPr>
-        </p:nvSpPr>
-        <p:spPr/>
-        <p:txBody>
-          <a:bodyPr/>
-          <a:lstStyle/>
-          <a:p>
-            <a:r>
-              <a:rPr lang="en-US" dirty="0">
-                <a:latin typeface="Palatino Linotype" panose="02040502050505030304" pitchFamily="18" charset="0"/>
-              </a:rPr>
-              <a:t>Data Science Project</a:t>
-            </a:r>
-          </a:p>
-        </p:txBody>
-      </p:sp>
-      <p:sp>
-        <p:nvSpPr>
-          <p:cNvPr id="6" name="Slide Number Placeholder 5">
-            <a:extLst>
-              <a:ext uri="{FF2B5EF4-FFF2-40B4-BE49-F238E27FC236}">
-                <a16:creationId xmlns:a16="http://schemas.microsoft.com/office/drawing/2014/main" id="{952A3A25-9337-C8E5-A5D9-FDB01571478F}"/>
-              </a:ext>
-            </a:extLst>
-          </p:cNvPr>
-          <p:cNvSpPr>
-            <a:spLocks noGrp="1"/>
-          </p:cNvSpPr>
-          <p:nvPr>
-            <p:ph type="sldNum" sz="quarter" idx="12"/>
-          </p:nvPr>
-        </p:nvSpPr>
-        <p:spPr/>
-        <p:txBody>
-          <a:bodyPr/>
-          <a:lstStyle/>
-          <a:p>
-            <a:fld id="{2652C4B5-A1E9-4984-9CD4-22695C1F6283}" type="slidenum">
-              <a:rPr lang="en-US" smtClean="0">
-                <a:latin typeface="Palatino Linotype" panose="02040502050505030304" pitchFamily="18" charset="0"/>
-              </a:rPr>
-              <a:t>7</a:t>
-            </a:fld>
-            <a:endParaRPr lang="en-US">
-              <a:latin typeface="Palatino Linotype" panose="02040502050505030304" pitchFamily="18" charset="0"/>
-            </a:endParaRPr>
-          </a:p>
-        </p:txBody>
-      </p:sp>
-      <mc:AlternateContent xmlns:mc="http://schemas.openxmlformats.org/markup-compatibility/2006" xmlns:a14="http://schemas.microsoft.com/office/drawing/2010/main">
-        <mc:Choice Requires="a14">
-          <p:sp>
-            <p:nvSpPr>
-              <p:cNvPr id="3" name="Content Placeholder 2">
-                <a:extLst>
-                  <a:ext uri="{FF2B5EF4-FFF2-40B4-BE49-F238E27FC236}">
-                    <a16:creationId xmlns:a16="http://schemas.microsoft.com/office/drawing/2014/main" id="{45762964-EBCA-AE88-8FEE-E1CC10991275}"/>
-                  </a:ext>
-                </a:extLst>
-              </p:cNvPr>
-              <p:cNvSpPr>
-                <a:spLocks noGrp="1"/>
-              </p:cNvSpPr>
-              <p:nvPr>
-                <p:ph idx="1"/>
-              </p:nvPr>
-            </p:nvSpPr>
-            <p:spPr>
-              <a:xfrm>
-                <a:off x="838201" y="1252892"/>
-                <a:ext cx="10522526" cy="4503474"/>
-              </a:xfrm>
-            </p:spPr>
-            <p:txBody>
-              <a:bodyPr>
-                <a:normAutofit/>
-              </a:bodyPr>
-              <a:lstStyle/>
-              <a:p>
-                <a:pPr algn="just"/>
-                <a:r>
-                  <a:rPr lang="en-US" sz="1800" dirty="0">
-                    <a:latin typeface="Palatino Linotype" panose="02040502050505030304" pitchFamily="18" charset="0"/>
-                  </a:rPr>
-                  <a:t>Physical &amp; Financial Progress of Pradhan Mantri Gram </a:t>
-                </a:r>
-                <a:r>
-                  <a:rPr lang="en-US" sz="1800" dirty="0" err="1">
-                    <a:latin typeface="Palatino Linotype" panose="02040502050505030304" pitchFamily="18" charset="0"/>
-                  </a:rPr>
-                  <a:t>Sadak</a:t>
-                </a:r>
-                <a:r>
-                  <a:rPr lang="en-US" sz="1800" dirty="0">
-                    <a:latin typeface="Palatino Linotype" panose="02040502050505030304" pitchFamily="18" charset="0"/>
-                  </a:rPr>
-                  <a:t> </a:t>
-                </a:r>
-                <a:r>
-                  <a:rPr lang="en-US" sz="1800" dirty="0" err="1">
-                    <a:latin typeface="Palatino Linotype" panose="02040502050505030304" pitchFamily="18" charset="0"/>
-                  </a:rPr>
-                  <a:t>Yojna</a:t>
-                </a:r>
-                <a:r>
-                  <a:rPr lang="en-US" sz="1800" dirty="0">
-                    <a:latin typeface="Palatino Linotype" panose="02040502050505030304" pitchFamily="18" charset="0"/>
-                  </a:rPr>
-                  <a:t> (PMGSY) as on date 28/08/2024</a:t>
-                </a:r>
-              </a:p>
-              <a:p>
-                <a:pPr algn="just"/>
-                <a:r>
-                  <a:rPr lang="en-US" sz="1800" dirty="0">
-                    <a:latin typeface="Palatino Linotype" panose="02040502050505030304" pitchFamily="18" charset="0"/>
-                  </a:rPr>
-                  <a:t>Link: </a:t>
-                </a:r>
-                <a:r>
-                  <a:rPr lang="en-IN" sz="1200" dirty="0">
-                    <a:hlinkClick r:id="rId2"/>
-                  </a:rPr>
-                  <a:t>https://www.data.gov.in/resource/physical-financial-progress-pradhan-mantri-gram-sadak-yojna-pmgsy-date</a:t>
-                </a:r>
-                <a:r>
-                  <a:rPr lang="en-IN" sz="1200" dirty="0"/>
-                  <a:t> </a:t>
-                </a:r>
-              </a:p>
-              <a:p>
-                <a:pPr algn="just"/>
-                <a:r>
-                  <a:rPr lang="en-US" sz="1800" dirty="0">
-                    <a:latin typeface="Palatino Linotype" panose="02040502050505030304" pitchFamily="18" charset="0"/>
-                  </a:rPr>
-                  <a:t>Shape: </a:t>
-                </a:r>
-                <a14:m>
-                  <m:oMath xmlns:m="http://schemas.openxmlformats.org/officeDocument/2006/math">
-                    <m:r>
-                      <a:rPr lang="en-IN" sz="1800" i="1" smtClean="0">
-                        <a:latin typeface="Cambria Math" panose="02040503050406030204" pitchFamily="18" charset="0"/>
-                      </a:rPr>
-                      <m:t>2</m:t>
-                    </m:r>
-                    <m:r>
-                      <a:rPr lang="en-IN" sz="1800" b="0" i="1" smtClean="0">
-                        <a:latin typeface="Cambria Math" panose="02040503050406030204" pitchFamily="18" charset="0"/>
-                      </a:rPr>
-                      <m:t>245 </m:t>
-                    </m:r>
-                    <m:r>
-                      <a:rPr lang="en-IN" sz="1800" b="0" i="1" smtClean="0">
-                        <a:latin typeface="Cambria Math" panose="02040503050406030204" pitchFamily="18" charset="0"/>
-                        <a:ea typeface="Cambria Math" panose="02040503050406030204" pitchFamily="18" charset="0"/>
-                      </a:rPr>
-                      <m:t>×14</m:t>
-                    </m:r>
-                  </m:oMath>
-                </a14:m>
-                <a:endParaRPr lang="en-US" sz="1800" dirty="0">
-                  <a:latin typeface="Palatino Linotype" panose="02040502050505030304" pitchFamily="18" charset="0"/>
-                </a:endParaRPr>
-              </a:p>
-            </p:txBody>
-          </p:sp>
-        </mc:Choice>
-        <mc:Fallback xmlns="">
-          <p:sp>
-            <p:nvSpPr>
-              <p:cNvPr id="3" name="Content Placeholder 2">
-                <a:extLst>
-                  <a:ext uri="{FF2B5EF4-FFF2-40B4-BE49-F238E27FC236}">
-                    <a16:creationId xmlns:a16="http://schemas.microsoft.com/office/drawing/2014/main" id="{45762964-EBCA-AE88-8FEE-E1CC10991275}"/>
-                  </a:ext>
-                </a:extLst>
-              </p:cNvPr>
-              <p:cNvSpPr>
-                <a:spLocks noGrp="1" noRot="1" noChangeAspect="1" noMove="1" noResize="1" noEditPoints="1" noAdjustHandles="1" noChangeArrowheads="1" noChangeShapeType="1" noTextEdit="1"/>
-              </p:cNvSpPr>
-              <p:nvPr>
-                <p:ph idx="1"/>
-              </p:nvPr>
-            </p:nvSpPr>
-            <p:spPr>
-              <a:xfrm>
-                <a:off x="838201" y="1252892"/>
-                <a:ext cx="10522526" cy="4503474"/>
-              </a:xfrm>
-              <a:blipFill>
-                <a:blip r:embed="rId3"/>
-                <a:stretch>
-                  <a:fillRect l="-348" t="-1355" r="-174"/>
-                </a:stretch>
-              </a:blipFill>
-            </p:spPr>
-            <p:txBody>
-              <a:bodyPr/>
-              <a:lstStyle/>
-              <a:p>
-                <a:r>
-                  <a:rPr lang="en-IN">
-                    <a:noFill/>
-                  </a:rPr>
-                  <a:t> </a:t>
-                </a:r>
-              </a:p>
-            </p:txBody>
-          </p:sp>
-        </mc:Fallback>
-      </mc:AlternateContent>
-    </p:spTree>
-    <p:extLst>
-      <p:ext uri="{BB962C8B-B14F-4D97-AF65-F5344CB8AC3E}">
-        <p14:creationId xmlns:p14="http://schemas.microsoft.com/office/powerpoint/2010/main" val="2274906482"/>
-      </p:ext>
-    </p:extLst>
-  </p:cSld>
-  <p:clrMapOvr>
-    <a:masterClrMapping/>
-  </p:clrMapOvr>
-</p:sld>
-</file>
-
-<file path=ppt/slides/slide8.xml><?xml version="1.0" encoding="utf-8"?>
-<p:sld xmlns:a="http://schemas.openxmlformats.org/drawingml/2006/main" xmlns:r="http://schemas.openxmlformats.org/officeDocument/2006/relationships" xmlns:p="http://schemas.openxmlformats.org/presentationml/2006/main">
-  <p:cSld>
-    <p:spTree>
-      <p:nvGrpSpPr>
-        <p:cNvPr id="1" name=""/>
-        <p:cNvGrpSpPr/>
-        <p:nvPr/>
-      </p:nvGrpSpPr>
-      <p:grpSpPr>
-        <a:xfrm>
-          <a:off x="0" y="0"/>
-          <a:ext cx="0" cy="0"/>
-          <a:chOff x="0" y="0"/>
-          <a:chExt cx="0" cy="0"/>
-        </a:xfrm>
-      </p:grpSpPr>
-      <p:sp>
-        <p:nvSpPr>
-          <p:cNvPr id="2" name="Title 1">
-            <a:extLst>
-              <a:ext uri="{FF2B5EF4-FFF2-40B4-BE49-F238E27FC236}">
-                <a16:creationId xmlns:a16="http://schemas.microsoft.com/office/drawing/2014/main" id="{09538C5C-548A-724D-008B-FBD6FD7D07ED}"/>
-              </a:ext>
-            </a:extLst>
-          </p:cNvPr>
-          <p:cNvSpPr>
-            <a:spLocks noGrp="1"/>
-          </p:cNvSpPr>
-          <p:nvPr>
-            <p:ph type="title"/>
-          </p:nvPr>
-        </p:nvSpPr>
-        <p:spPr/>
-        <p:txBody>
-          <a:bodyPr>
-            <a:noAutofit/>
-          </a:bodyPr>
-          <a:lstStyle/>
-          <a:p>
-            <a:r>
-              <a:rPr lang="en-US" sz="2800" dirty="0">
-                <a:latin typeface="Palatino Linotype" panose="02040502050505030304" pitchFamily="18" charset="0"/>
-              </a:rPr>
-              <a:t>Dataset 4</a:t>
-            </a:r>
-            <a:endParaRPr lang="en-IN" sz="2800" dirty="0">
-              <a:latin typeface="Palatino Linotype" panose="02040502050505030304" pitchFamily="18" charset="0"/>
-            </a:endParaRPr>
-          </a:p>
-        </p:txBody>
-      </p:sp>
-      <p:sp>
-        <p:nvSpPr>
-          <p:cNvPr id="4" name="Date Placeholder 3">
-            <a:extLst>
-              <a:ext uri="{FF2B5EF4-FFF2-40B4-BE49-F238E27FC236}">
-                <a16:creationId xmlns:a16="http://schemas.microsoft.com/office/drawing/2014/main" id="{629C3C4E-FB6C-9D7C-3E3C-41239CB96B94}"/>
-              </a:ext>
-            </a:extLst>
-          </p:cNvPr>
-          <p:cNvSpPr>
-            <a:spLocks noGrp="1"/>
-          </p:cNvSpPr>
-          <p:nvPr>
-            <p:ph type="dt" sz="half" idx="10"/>
-          </p:nvPr>
-        </p:nvSpPr>
-        <p:spPr/>
-        <p:txBody>
-          <a:bodyPr/>
-          <a:lstStyle/>
-          <a:p>
-            <a:fld id="{55D5B151-898D-433E-A483-768D1A8CE57D}" type="datetime1">
-              <a:rPr lang="en-US" smtClean="0">
-                <a:latin typeface="Palatino Linotype" panose="02040502050505030304" pitchFamily="18" charset="0"/>
-              </a:rPr>
-              <a:t>10/12/2024</a:t>
-            </a:fld>
-            <a:endParaRPr lang="en-US" dirty="0">
-              <a:latin typeface="Palatino Linotype" panose="02040502050505030304" pitchFamily="18" charset="0"/>
-            </a:endParaRPr>
-          </a:p>
-        </p:txBody>
-      </p:sp>
-      <p:sp>
-        <p:nvSpPr>
-          <p:cNvPr id="5" name="Footer Placeholder 4">
-            <a:extLst>
-              <a:ext uri="{FF2B5EF4-FFF2-40B4-BE49-F238E27FC236}">
-                <a16:creationId xmlns:a16="http://schemas.microsoft.com/office/drawing/2014/main" id="{44A7CDC7-443D-9F65-A64E-DD1F704CB8A5}"/>
-              </a:ext>
-            </a:extLst>
-          </p:cNvPr>
-          <p:cNvSpPr>
-            <a:spLocks noGrp="1"/>
-          </p:cNvSpPr>
-          <p:nvPr>
-            <p:ph type="ftr" sz="quarter" idx="11"/>
-          </p:nvPr>
-        </p:nvSpPr>
-        <p:spPr/>
-        <p:txBody>
-          <a:bodyPr/>
-          <a:lstStyle/>
-          <a:p>
-            <a:r>
-              <a:rPr lang="en-US" dirty="0">
-                <a:latin typeface="Palatino Linotype" panose="02040502050505030304" pitchFamily="18" charset="0"/>
-              </a:rPr>
-              <a:t>Data Science Project</a:t>
-            </a:r>
-          </a:p>
-        </p:txBody>
-      </p:sp>
-      <p:sp>
-        <p:nvSpPr>
-          <p:cNvPr id="6" name="Slide Number Placeholder 5">
-            <a:extLst>
-              <a:ext uri="{FF2B5EF4-FFF2-40B4-BE49-F238E27FC236}">
-                <a16:creationId xmlns:a16="http://schemas.microsoft.com/office/drawing/2014/main" id="{952A3A25-9337-C8E5-A5D9-FDB01571478F}"/>
-              </a:ext>
-            </a:extLst>
-          </p:cNvPr>
-          <p:cNvSpPr>
-            <a:spLocks noGrp="1"/>
-          </p:cNvSpPr>
-          <p:nvPr>
-            <p:ph type="sldNum" sz="quarter" idx="12"/>
-          </p:nvPr>
-        </p:nvSpPr>
-        <p:spPr/>
-        <p:txBody>
-          <a:bodyPr/>
-          <a:lstStyle/>
-          <a:p>
-            <a:fld id="{2652C4B5-A1E9-4984-9CD4-22695C1F6283}" type="slidenum">
-              <a:rPr lang="en-US" smtClean="0">
-                <a:latin typeface="Palatino Linotype" panose="02040502050505030304" pitchFamily="18" charset="0"/>
-              </a:rPr>
-              <a:t>8</a:t>
             </a:fld>
             <a:endParaRPr lang="en-US">
               <a:latin typeface="Palatino Linotype" panose="02040502050505030304" pitchFamily="18" charset="0"/>
@@ -10061,7 +7404,7 @@
 </p:sld>
 </file>
 
-<file path=ppt/slides/slide9.xml><?xml version="1.0" encoding="utf-8"?>
+<file path=ppt/slides/slide12.xml><?xml version="1.0" encoding="utf-8"?>
 <p:sld xmlns:a="http://schemas.openxmlformats.org/drawingml/2006/main" xmlns:r="http://schemas.openxmlformats.org/officeDocument/2006/relationships" xmlns:p="http://schemas.openxmlformats.org/presentationml/2006/main">
   <p:cSld>
     <p:spTree>
@@ -10138,7 +7481,7 @@
               <a:rPr lang="en-US" smtClean="0">
                 <a:latin typeface="Palatino Linotype" panose="02040502050505030304" pitchFamily="18" charset="0"/>
               </a:rPr>
-              <a:t>10/12/2024</a:t>
+              <a:t>11/3/2024</a:t>
             </a:fld>
             <a:endParaRPr lang="en-US" dirty="0">
               <a:latin typeface="Palatino Linotype" panose="02040502050505030304" pitchFamily="18" charset="0"/>
@@ -10201,7 +7544,7 @@
               <a:rPr lang="en-US" smtClean="0">
                 <a:latin typeface="Palatino Linotype" panose="02040502050505030304" pitchFamily="18" charset="0"/>
               </a:rPr>
-              <a:t>9</a:t>
+              <a:t>12</a:t>
             </a:fld>
             <a:endParaRPr lang="en-US">
               <a:latin typeface="Palatino Linotype" panose="02040502050505030304" pitchFamily="18" charset="0"/>
@@ -10353,6 +7696,2239 @@
     <p:extLst>
       <p:ext uri="{BB962C8B-B14F-4D97-AF65-F5344CB8AC3E}">
         <p14:creationId xmlns:p14="http://schemas.microsoft.com/office/powerpoint/2010/main" val="833987452"/>
+      </p:ext>
+    </p:extLst>
+  </p:cSld>
+  <p:clrMapOvr>
+    <a:masterClrMapping/>
+  </p:clrMapOvr>
+</p:sld>
+</file>
+
+<file path=ppt/slides/slide2.xml><?xml version="1.0" encoding="utf-8"?>
+<p:sld xmlns:a="http://schemas.openxmlformats.org/drawingml/2006/main" xmlns:r="http://schemas.openxmlformats.org/officeDocument/2006/relationships" xmlns:p="http://schemas.openxmlformats.org/presentationml/2006/main">
+  <p:cSld>
+    <p:spTree>
+      <p:nvGrpSpPr>
+        <p:cNvPr id="1" name=""/>
+        <p:cNvGrpSpPr/>
+        <p:nvPr/>
+      </p:nvGrpSpPr>
+      <p:grpSpPr>
+        <a:xfrm>
+          <a:off x="0" y="0"/>
+          <a:ext cx="0" cy="0"/>
+          <a:chOff x="0" y="0"/>
+          <a:chExt cx="0" cy="0"/>
+        </a:xfrm>
+      </p:grpSpPr>
+      <p:sp>
+        <p:nvSpPr>
+          <p:cNvPr id="2" name="Title 1">
+            <a:extLst>
+              <a:ext uri="{FF2B5EF4-FFF2-40B4-BE49-F238E27FC236}">
+                <a16:creationId xmlns:a16="http://schemas.microsoft.com/office/drawing/2014/main" id="{09538C5C-548A-724D-008B-FBD6FD7D07ED}"/>
+              </a:ext>
+            </a:extLst>
+          </p:cNvPr>
+          <p:cNvSpPr>
+            <a:spLocks noGrp="1"/>
+          </p:cNvSpPr>
+          <p:nvPr>
+            <p:ph type="title"/>
+          </p:nvPr>
+        </p:nvSpPr>
+        <p:spPr/>
+        <p:txBody>
+          <a:bodyPr>
+            <a:noAutofit/>
+          </a:bodyPr>
+          <a:lstStyle/>
+          <a:p>
+            <a:r>
+              <a:rPr lang="en-US" sz="2800" dirty="0">
+                <a:latin typeface="Palatino Linotype" panose="02040502050505030304" pitchFamily="18" charset="0"/>
+              </a:rPr>
+              <a:t>Hypothesis</a:t>
+            </a:r>
+            <a:endParaRPr lang="en-IN" sz="2800" dirty="0">
+              <a:latin typeface="Palatino Linotype" panose="02040502050505030304" pitchFamily="18" charset="0"/>
+            </a:endParaRPr>
+          </a:p>
+        </p:txBody>
+      </p:sp>
+      <p:sp>
+        <p:nvSpPr>
+          <p:cNvPr id="4" name="Date Placeholder 3">
+            <a:extLst>
+              <a:ext uri="{FF2B5EF4-FFF2-40B4-BE49-F238E27FC236}">
+                <a16:creationId xmlns:a16="http://schemas.microsoft.com/office/drawing/2014/main" id="{629C3C4E-FB6C-9D7C-3E3C-41239CB96B94}"/>
+              </a:ext>
+            </a:extLst>
+          </p:cNvPr>
+          <p:cNvSpPr>
+            <a:spLocks noGrp="1"/>
+          </p:cNvSpPr>
+          <p:nvPr>
+            <p:ph type="dt" sz="half" idx="10"/>
+          </p:nvPr>
+        </p:nvSpPr>
+        <p:spPr/>
+        <p:txBody>
+          <a:bodyPr/>
+          <a:lstStyle/>
+          <a:p>
+            <a:fld id="{55D5B151-898D-433E-A483-768D1A8CE57D}" type="datetime1">
+              <a:rPr lang="en-US" smtClean="0">
+                <a:latin typeface="Palatino Linotype" panose="02040502050505030304" pitchFamily="18" charset="0"/>
+              </a:rPr>
+              <a:t>11/3/2024</a:t>
+            </a:fld>
+            <a:endParaRPr lang="en-US" dirty="0">
+              <a:latin typeface="Palatino Linotype" panose="02040502050505030304" pitchFamily="18" charset="0"/>
+            </a:endParaRPr>
+          </a:p>
+        </p:txBody>
+      </p:sp>
+      <p:sp>
+        <p:nvSpPr>
+          <p:cNvPr id="5" name="Footer Placeholder 4">
+            <a:extLst>
+              <a:ext uri="{FF2B5EF4-FFF2-40B4-BE49-F238E27FC236}">
+                <a16:creationId xmlns:a16="http://schemas.microsoft.com/office/drawing/2014/main" id="{44A7CDC7-443D-9F65-A64E-DD1F704CB8A5}"/>
+              </a:ext>
+            </a:extLst>
+          </p:cNvPr>
+          <p:cNvSpPr>
+            <a:spLocks noGrp="1"/>
+          </p:cNvSpPr>
+          <p:nvPr>
+            <p:ph type="ftr" sz="quarter" idx="11"/>
+          </p:nvPr>
+        </p:nvSpPr>
+        <p:spPr/>
+        <p:txBody>
+          <a:bodyPr/>
+          <a:lstStyle/>
+          <a:p>
+            <a:r>
+              <a:rPr lang="en-US" dirty="0">
+                <a:latin typeface="Palatino Linotype" panose="02040502050505030304" pitchFamily="18" charset="0"/>
+              </a:rPr>
+              <a:t>Data Science Project</a:t>
+            </a:r>
+          </a:p>
+        </p:txBody>
+      </p:sp>
+      <p:sp>
+        <p:nvSpPr>
+          <p:cNvPr id="6" name="Slide Number Placeholder 5">
+            <a:extLst>
+              <a:ext uri="{FF2B5EF4-FFF2-40B4-BE49-F238E27FC236}">
+                <a16:creationId xmlns:a16="http://schemas.microsoft.com/office/drawing/2014/main" id="{952A3A25-9337-C8E5-A5D9-FDB01571478F}"/>
+              </a:ext>
+            </a:extLst>
+          </p:cNvPr>
+          <p:cNvSpPr>
+            <a:spLocks noGrp="1"/>
+          </p:cNvSpPr>
+          <p:nvPr>
+            <p:ph type="sldNum" sz="quarter" idx="12"/>
+          </p:nvPr>
+        </p:nvSpPr>
+        <p:spPr/>
+        <p:txBody>
+          <a:bodyPr/>
+          <a:lstStyle/>
+          <a:p>
+            <a:fld id="{2652C4B5-A1E9-4984-9CD4-22695C1F6283}" type="slidenum">
+              <a:rPr lang="en-US" smtClean="0">
+                <a:latin typeface="Palatino Linotype" panose="02040502050505030304" pitchFamily="18" charset="0"/>
+              </a:rPr>
+              <a:t>2</a:t>
+            </a:fld>
+            <a:endParaRPr lang="en-US">
+              <a:latin typeface="Palatino Linotype" panose="02040502050505030304" pitchFamily="18" charset="0"/>
+            </a:endParaRPr>
+          </a:p>
+        </p:txBody>
+      </p:sp>
+      <p:sp>
+        <p:nvSpPr>
+          <p:cNvPr id="3" name="Content Placeholder 2">
+            <a:extLst>
+              <a:ext uri="{FF2B5EF4-FFF2-40B4-BE49-F238E27FC236}">
+                <a16:creationId xmlns:a16="http://schemas.microsoft.com/office/drawing/2014/main" id="{45762964-EBCA-AE88-8FEE-E1CC10991275}"/>
+              </a:ext>
+            </a:extLst>
+          </p:cNvPr>
+          <p:cNvSpPr>
+            <a:spLocks noGrp="1"/>
+          </p:cNvSpPr>
+          <p:nvPr>
+            <p:ph idx="1"/>
+          </p:nvPr>
+        </p:nvSpPr>
+        <p:spPr>
+          <a:xfrm>
+            <a:off x="838201" y="1252892"/>
+            <a:ext cx="10522526" cy="3371359"/>
+          </a:xfrm>
+        </p:spPr>
+        <p:txBody>
+          <a:bodyPr>
+            <a:normAutofit/>
+          </a:bodyPr>
+          <a:lstStyle/>
+          <a:p>
+            <a:pPr algn="just"/>
+            <a:r>
+              <a:rPr lang="en-IN" sz="1800" b="1" dirty="0">
+                <a:latin typeface="Palatino Linotype" panose="02040502050505030304" pitchFamily="18" charset="0"/>
+              </a:rPr>
+              <a:t>Null Hypothesis</a:t>
+            </a:r>
+            <a:r>
+              <a:rPr lang="en-IN" sz="1800" dirty="0">
+                <a:latin typeface="Palatino Linotype" panose="02040502050505030304" pitchFamily="18" charset="0"/>
+              </a:rPr>
+              <a:t>: Central government schemes are </a:t>
+            </a:r>
+            <a:r>
+              <a:rPr lang="en-IN" sz="1800" b="1" dirty="0">
+                <a:latin typeface="Palatino Linotype" panose="02040502050505030304" pitchFamily="18" charset="0"/>
+              </a:rPr>
+              <a:t>equally</a:t>
+            </a:r>
+            <a:r>
+              <a:rPr lang="en-IN" sz="1800" dirty="0">
+                <a:latin typeface="Palatino Linotype" panose="02040502050505030304" pitchFamily="18" charset="0"/>
+              </a:rPr>
+              <a:t> impactful in all zones of India</a:t>
+            </a:r>
+          </a:p>
+          <a:p>
+            <a:pPr algn="just"/>
+            <a:r>
+              <a:rPr lang="en-IN" sz="1800" b="1" dirty="0">
+                <a:latin typeface="Palatino Linotype" panose="02040502050505030304" pitchFamily="18" charset="0"/>
+              </a:rPr>
+              <a:t>Alternate Hypothesis</a:t>
+            </a:r>
+            <a:r>
+              <a:rPr lang="en-IN" sz="1800" dirty="0">
+                <a:latin typeface="Palatino Linotype" panose="02040502050505030304" pitchFamily="18" charset="0"/>
+              </a:rPr>
+              <a:t>: Central government schemes are </a:t>
+            </a:r>
+            <a:r>
+              <a:rPr lang="en-IN" sz="1800" b="1" dirty="0">
+                <a:latin typeface="Palatino Linotype" panose="02040502050505030304" pitchFamily="18" charset="0"/>
+              </a:rPr>
+              <a:t>NOT equally</a:t>
+            </a:r>
+            <a:r>
+              <a:rPr lang="en-IN" sz="1800" dirty="0">
+                <a:latin typeface="Palatino Linotype" panose="02040502050505030304" pitchFamily="18" charset="0"/>
+              </a:rPr>
+              <a:t> impactful in all zones of India</a:t>
+            </a:r>
+          </a:p>
+          <a:p>
+            <a:pPr algn="just"/>
+            <a:endParaRPr lang="en-US" sz="1800" dirty="0">
+              <a:latin typeface="Palatino Linotype" panose="02040502050505030304" pitchFamily="18" charset="0"/>
+            </a:endParaRPr>
+          </a:p>
+        </p:txBody>
+      </p:sp>
+    </p:spTree>
+    <p:extLst>
+      <p:ext uri="{BB962C8B-B14F-4D97-AF65-F5344CB8AC3E}">
+        <p14:creationId xmlns:p14="http://schemas.microsoft.com/office/powerpoint/2010/main" val="2537763717"/>
+      </p:ext>
+    </p:extLst>
+  </p:cSld>
+  <p:clrMapOvr>
+    <a:masterClrMapping/>
+  </p:clrMapOvr>
+</p:sld>
+</file>
+
+<file path=ppt/slides/slide3.xml><?xml version="1.0" encoding="utf-8"?>
+<p:sld xmlns:a="http://schemas.openxmlformats.org/drawingml/2006/main" xmlns:r="http://schemas.openxmlformats.org/officeDocument/2006/relationships" xmlns:p="http://schemas.openxmlformats.org/presentationml/2006/main">
+  <p:cSld>
+    <p:spTree>
+      <p:nvGrpSpPr>
+        <p:cNvPr id="1" name=""/>
+        <p:cNvGrpSpPr/>
+        <p:nvPr/>
+      </p:nvGrpSpPr>
+      <p:grpSpPr>
+        <a:xfrm>
+          <a:off x="0" y="0"/>
+          <a:ext cx="0" cy="0"/>
+          <a:chOff x="0" y="0"/>
+          <a:chExt cx="0" cy="0"/>
+        </a:xfrm>
+      </p:grpSpPr>
+      <p:sp>
+        <p:nvSpPr>
+          <p:cNvPr id="2" name="Title 1">
+            <a:extLst>
+              <a:ext uri="{FF2B5EF4-FFF2-40B4-BE49-F238E27FC236}">
+                <a16:creationId xmlns:a16="http://schemas.microsoft.com/office/drawing/2014/main" id="{09538C5C-548A-724D-008B-FBD6FD7D07ED}"/>
+              </a:ext>
+            </a:extLst>
+          </p:cNvPr>
+          <p:cNvSpPr>
+            <a:spLocks noGrp="1"/>
+          </p:cNvSpPr>
+          <p:nvPr>
+            <p:ph type="title"/>
+          </p:nvPr>
+        </p:nvSpPr>
+        <p:spPr/>
+        <p:txBody>
+          <a:bodyPr>
+            <a:noAutofit/>
+          </a:bodyPr>
+          <a:lstStyle/>
+          <a:p>
+            <a:r>
+              <a:rPr lang="en-US" sz="2800" dirty="0">
+                <a:latin typeface="Palatino Linotype" panose="02040502050505030304" pitchFamily="18" charset="0"/>
+              </a:rPr>
+              <a:t>Zones of India</a:t>
+            </a:r>
+            <a:endParaRPr lang="en-IN" sz="2800" dirty="0">
+              <a:latin typeface="Palatino Linotype" panose="02040502050505030304" pitchFamily="18" charset="0"/>
+            </a:endParaRPr>
+          </a:p>
+        </p:txBody>
+      </p:sp>
+      <p:sp>
+        <p:nvSpPr>
+          <p:cNvPr id="4" name="Date Placeholder 3">
+            <a:extLst>
+              <a:ext uri="{FF2B5EF4-FFF2-40B4-BE49-F238E27FC236}">
+                <a16:creationId xmlns:a16="http://schemas.microsoft.com/office/drawing/2014/main" id="{629C3C4E-FB6C-9D7C-3E3C-41239CB96B94}"/>
+              </a:ext>
+            </a:extLst>
+          </p:cNvPr>
+          <p:cNvSpPr>
+            <a:spLocks noGrp="1"/>
+          </p:cNvSpPr>
+          <p:nvPr>
+            <p:ph type="dt" sz="half" idx="10"/>
+          </p:nvPr>
+        </p:nvSpPr>
+        <p:spPr/>
+        <p:txBody>
+          <a:bodyPr/>
+          <a:lstStyle/>
+          <a:p>
+            <a:fld id="{55D5B151-898D-433E-A483-768D1A8CE57D}" type="datetime1">
+              <a:rPr lang="en-US" smtClean="0">
+                <a:latin typeface="Palatino Linotype" panose="02040502050505030304" pitchFamily="18" charset="0"/>
+              </a:rPr>
+              <a:t>11/3/2024</a:t>
+            </a:fld>
+            <a:endParaRPr lang="en-US" dirty="0">
+              <a:latin typeface="Palatino Linotype" panose="02040502050505030304" pitchFamily="18" charset="0"/>
+            </a:endParaRPr>
+          </a:p>
+        </p:txBody>
+      </p:sp>
+      <p:sp>
+        <p:nvSpPr>
+          <p:cNvPr id="5" name="Footer Placeholder 4">
+            <a:extLst>
+              <a:ext uri="{FF2B5EF4-FFF2-40B4-BE49-F238E27FC236}">
+                <a16:creationId xmlns:a16="http://schemas.microsoft.com/office/drawing/2014/main" id="{44A7CDC7-443D-9F65-A64E-DD1F704CB8A5}"/>
+              </a:ext>
+            </a:extLst>
+          </p:cNvPr>
+          <p:cNvSpPr>
+            <a:spLocks noGrp="1"/>
+          </p:cNvSpPr>
+          <p:nvPr>
+            <p:ph type="ftr" sz="quarter" idx="11"/>
+          </p:nvPr>
+        </p:nvSpPr>
+        <p:spPr/>
+        <p:txBody>
+          <a:bodyPr/>
+          <a:lstStyle/>
+          <a:p>
+            <a:r>
+              <a:rPr lang="en-US" dirty="0">
+                <a:latin typeface="Palatino Linotype" panose="02040502050505030304" pitchFamily="18" charset="0"/>
+              </a:rPr>
+              <a:t>Data Science Project</a:t>
+            </a:r>
+          </a:p>
+        </p:txBody>
+      </p:sp>
+      <p:sp>
+        <p:nvSpPr>
+          <p:cNvPr id="6" name="Slide Number Placeholder 5">
+            <a:extLst>
+              <a:ext uri="{FF2B5EF4-FFF2-40B4-BE49-F238E27FC236}">
+                <a16:creationId xmlns:a16="http://schemas.microsoft.com/office/drawing/2014/main" id="{952A3A25-9337-C8E5-A5D9-FDB01571478F}"/>
+              </a:ext>
+            </a:extLst>
+          </p:cNvPr>
+          <p:cNvSpPr>
+            <a:spLocks noGrp="1"/>
+          </p:cNvSpPr>
+          <p:nvPr>
+            <p:ph type="sldNum" sz="quarter" idx="12"/>
+          </p:nvPr>
+        </p:nvSpPr>
+        <p:spPr/>
+        <p:txBody>
+          <a:bodyPr/>
+          <a:lstStyle/>
+          <a:p>
+            <a:fld id="{2652C4B5-A1E9-4984-9CD4-22695C1F6283}" type="slidenum">
+              <a:rPr lang="en-US" smtClean="0">
+                <a:latin typeface="Palatino Linotype" panose="02040502050505030304" pitchFamily="18" charset="0"/>
+              </a:rPr>
+              <a:t>3</a:t>
+            </a:fld>
+            <a:endParaRPr lang="en-US">
+              <a:latin typeface="Palatino Linotype" panose="02040502050505030304" pitchFamily="18" charset="0"/>
+            </a:endParaRPr>
+          </a:p>
+        </p:txBody>
+      </p:sp>
+      <p:sp>
+        <p:nvSpPr>
+          <p:cNvPr id="3" name="Content Placeholder 2">
+            <a:extLst>
+              <a:ext uri="{FF2B5EF4-FFF2-40B4-BE49-F238E27FC236}">
+                <a16:creationId xmlns:a16="http://schemas.microsoft.com/office/drawing/2014/main" id="{45762964-EBCA-AE88-8FEE-E1CC10991275}"/>
+              </a:ext>
+            </a:extLst>
+          </p:cNvPr>
+          <p:cNvSpPr>
+            <a:spLocks noGrp="1"/>
+          </p:cNvSpPr>
+          <p:nvPr>
+            <p:ph idx="1"/>
+          </p:nvPr>
+        </p:nvSpPr>
+        <p:spPr>
+          <a:xfrm>
+            <a:off x="838201" y="1252892"/>
+            <a:ext cx="5980610" cy="4503474"/>
+          </a:xfrm>
+        </p:spPr>
+        <p:txBody>
+          <a:bodyPr>
+            <a:normAutofit/>
+          </a:bodyPr>
+          <a:lstStyle/>
+          <a:p>
+            <a:pPr algn="just"/>
+            <a:r>
+              <a:rPr lang="en-US" sz="1800" dirty="0">
+                <a:latin typeface="Palatino Linotype" panose="02040502050505030304" pitchFamily="18" charset="0"/>
+              </a:rPr>
+              <a:t>India is divided into zones for various administrative, geographical, and developmental purposes</a:t>
+            </a:r>
+          </a:p>
+          <a:p>
+            <a:pPr algn="just"/>
+            <a:r>
+              <a:rPr lang="en-US" sz="1800" dirty="0">
+                <a:latin typeface="Palatino Linotype" panose="02040502050505030304" pitchFamily="18" charset="0"/>
+              </a:rPr>
+              <a:t>Facilitate easier governance, efficient resource management, and regional cooperation</a:t>
+            </a:r>
+          </a:p>
+          <a:p>
+            <a:pPr algn="just"/>
+            <a:r>
+              <a:rPr lang="en-US" sz="1800" dirty="0">
+                <a:latin typeface="Palatino Linotype" panose="02040502050505030304" pitchFamily="18" charset="0"/>
+              </a:rPr>
+              <a:t>Also helps in organizing national activities such as elections, infrastructure projects, and development schemes. </a:t>
+            </a:r>
+          </a:p>
+          <a:p>
+            <a:pPr lvl="1" algn="just"/>
+            <a:r>
+              <a:rPr lang="en-IN" sz="1800" dirty="0">
+                <a:latin typeface="Palatino Linotype" panose="02040502050505030304" pitchFamily="18" charset="0"/>
+              </a:rPr>
+              <a:t>Northern Zone</a:t>
+            </a:r>
+          </a:p>
+          <a:p>
+            <a:pPr lvl="1" algn="just"/>
+            <a:r>
+              <a:rPr lang="en-IN" sz="1800" dirty="0">
+                <a:latin typeface="Palatino Linotype" panose="02040502050505030304" pitchFamily="18" charset="0"/>
+              </a:rPr>
+              <a:t>Central Zone</a:t>
+            </a:r>
+          </a:p>
+          <a:p>
+            <a:pPr lvl="1" algn="just"/>
+            <a:r>
+              <a:rPr lang="en-IN" sz="1800" dirty="0">
+                <a:latin typeface="Palatino Linotype" panose="02040502050505030304" pitchFamily="18" charset="0"/>
+              </a:rPr>
+              <a:t>Eastern Zone</a:t>
+            </a:r>
+          </a:p>
+          <a:p>
+            <a:pPr lvl="1" algn="just"/>
+            <a:r>
+              <a:rPr lang="en-IN" sz="1800" dirty="0">
+                <a:latin typeface="Palatino Linotype" panose="02040502050505030304" pitchFamily="18" charset="0"/>
+              </a:rPr>
+              <a:t>Western Zone</a:t>
+            </a:r>
+          </a:p>
+          <a:p>
+            <a:pPr lvl="1" algn="just"/>
+            <a:r>
+              <a:rPr lang="en-IN" sz="1800" dirty="0">
+                <a:latin typeface="Palatino Linotype" panose="02040502050505030304" pitchFamily="18" charset="0"/>
+              </a:rPr>
+              <a:t>Southern Zone</a:t>
+            </a:r>
+          </a:p>
+          <a:p>
+            <a:pPr lvl="1" algn="just"/>
+            <a:r>
+              <a:rPr lang="en-IN" sz="1800" dirty="0">
+                <a:latin typeface="Palatino Linotype" panose="02040502050505030304" pitchFamily="18" charset="0"/>
+              </a:rPr>
+              <a:t>North Eastern Zone</a:t>
+            </a:r>
+          </a:p>
+          <a:p>
+            <a:pPr algn="just"/>
+            <a:endParaRPr lang="en-IN" sz="1800" dirty="0">
+              <a:latin typeface="Palatino Linotype" panose="02040502050505030304" pitchFamily="18" charset="0"/>
+            </a:endParaRPr>
+          </a:p>
+          <a:p>
+            <a:pPr algn="just"/>
+            <a:endParaRPr lang="en-US" sz="1800" dirty="0">
+              <a:latin typeface="Palatino Linotype" panose="02040502050505030304" pitchFamily="18" charset="0"/>
+            </a:endParaRPr>
+          </a:p>
+        </p:txBody>
+      </p:sp>
+      <p:pic>
+        <p:nvPicPr>
+          <p:cNvPr id="7" name="Picture 6">
+            <a:extLst>
+              <a:ext uri="{FF2B5EF4-FFF2-40B4-BE49-F238E27FC236}">
+                <a16:creationId xmlns:a16="http://schemas.microsoft.com/office/drawing/2014/main" id="{0CF9FE6A-4CF5-EBCB-D393-7151A129F4BA}"/>
+              </a:ext>
+            </a:extLst>
+          </p:cNvPr>
+          <p:cNvPicPr>
+            <a:picLocks noChangeAspect="1"/>
+          </p:cNvPicPr>
+          <p:nvPr/>
+        </p:nvPicPr>
+        <p:blipFill>
+          <a:blip r:embed="rId2"/>
+          <a:stretch>
+            <a:fillRect/>
+          </a:stretch>
+        </p:blipFill>
+        <p:spPr>
+          <a:xfrm>
+            <a:off x="7093651" y="452845"/>
+            <a:ext cx="4767423" cy="5694236"/>
+          </a:xfrm>
+          <a:prstGeom prst="rect">
+            <a:avLst/>
+          </a:prstGeom>
+        </p:spPr>
+      </p:pic>
+    </p:spTree>
+    <p:extLst>
+      <p:ext uri="{BB962C8B-B14F-4D97-AF65-F5344CB8AC3E}">
+        <p14:creationId xmlns:p14="http://schemas.microsoft.com/office/powerpoint/2010/main" val="1076339401"/>
+      </p:ext>
+    </p:extLst>
+  </p:cSld>
+  <p:clrMapOvr>
+    <a:masterClrMapping/>
+  </p:clrMapOvr>
+</p:sld>
+</file>
+
+<file path=ppt/slides/slide4.xml><?xml version="1.0" encoding="utf-8"?>
+<p:sld xmlns:a="http://schemas.openxmlformats.org/drawingml/2006/main" xmlns:r="http://schemas.openxmlformats.org/officeDocument/2006/relationships" xmlns:p="http://schemas.openxmlformats.org/presentationml/2006/main">
+  <p:cSld>
+    <p:spTree>
+      <p:nvGrpSpPr>
+        <p:cNvPr id="1" name=""/>
+        <p:cNvGrpSpPr/>
+        <p:nvPr/>
+      </p:nvGrpSpPr>
+      <p:grpSpPr>
+        <a:xfrm>
+          <a:off x="0" y="0"/>
+          <a:ext cx="0" cy="0"/>
+          <a:chOff x="0" y="0"/>
+          <a:chExt cx="0" cy="0"/>
+        </a:xfrm>
+      </p:grpSpPr>
+      <p:sp>
+        <p:nvSpPr>
+          <p:cNvPr id="2" name="Title 1">
+            <a:extLst>
+              <a:ext uri="{FF2B5EF4-FFF2-40B4-BE49-F238E27FC236}">
+                <a16:creationId xmlns:a16="http://schemas.microsoft.com/office/drawing/2014/main" id="{09538C5C-548A-724D-008B-FBD6FD7D07ED}"/>
+              </a:ext>
+            </a:extLst>
+          </p:cNvPr>
+          <p:cNvSpPr>
+            <a:spLocks noGrp="1"/>
+          </p:cNvSpPr>
+          <p:nvPr>
+            <p:ph type="title"/>
+          </p:nvPr>
+        </p:nvSpPr>
+        <p:spPr/>
+        <p:txBody>
+          <a:bodyPr>
+            <a:noAutofit/>
+          </a:bodyPr>
+          <a:lstStyle/>
+          <a:p>
+            <a:r>
+              <a:rPr lang="en-US" sz="2800" dirty="0">
+                <a:latin typeface="Palatino Linotype" panose="02040502050505030304" pitchFamily="18" charset="0"/>
+              </a:rPr>
+              <a:t>Dataset 1</a:t>
+            </a:r>
+            <a:endParaRPr lang="en-IN" sz="2800" dirty="0">
+              <a:latin typeface="Palatino Linotype" panose="02040502050505030304" pitchFamily="18" charset="0"/>
+            </a:endParaRPr>
+          </a:p>
+        </p:txBody>
+      </p:sp>
+      <p:sp>
+        <p:nvSpPr>
+          <p:cNvPr id="4" name="Date Placeholder 3">
+            <a:extLst>
+              <a:ext uri="{FF2B5EF4-FFF2-40B4-BE49-F238E27FC236}">
+                <a16:creationId xmlns:a16="http://schemas.microsoft.com/office/drawing/2014/main" id="{629C3C4E-FB6C-9D7C-3E3C-41239CB96B94}"/>
+              </a:ext>
+            </a:extLst>
+          </p:cNvPr>
+          <p:cNvSpPr>
+            <a:spLocks noGrp="1"/>
+          </p:cNvSpPr>
+          <p:nvPr>
+            <p:ph type="dt" sz="half" idx="10"/>
+          </p:nvPr>
+        </p:nvSpPr>
+        <p:spPr/>
+        <p:txBody>
+          <a:bodyPr/>
+          <a:lstStyle/>
+          <a:p>
+            <a:fld id="{55D5B151-898D-433E-A483-768D1A8CE57D}" type="datetime1">
+              <a:rPr lang="en-US" smtClean="0">
+                <a:latin typeface="Palatino Linotype" panose="02040502050505030304" pitchFamily="18" charset="0"/>
+              </a:rPr>
+              <a:t>11/3/2024</a:t>
+            </a:fld>
+            <a:endParaRPr lang="en-US" dirty="0">
+              <a:latin typeface="Palatino Linotype" panose="02040502050505030304" pitchFamily="18" charset="0"/>
+            </a:endParaRPr>
+          </a:p>
+        </p:txBody>
+      </p:sp>
+      <p:sp>
+        <p:nvSpPr>
+          <p:cNvPr id="5" name="Footer Placeholder 4">
+            <a:extLst>
+              <a:ext uri="{FF2B5EF4-FFF2-40B4-BE49-F238E27FC236}">
+                <a16:creationId xmlns:a16="http://schemas.microsoft.com/office/drawing/2014/main" id="{44A7CDC7-443D-9F65-A64E-DD1F704CB8A5}"/>
+              </a:ext>
+            </a:extLst>
+          </p:cNvPr>
+          <p:cNvSpPr>
+            <a:spLocks noGrp="1"/>
+          </p:cNvSpPr>
+          <p:nvPr>
+            <p:ph type="ftr" sz="quarter" idx="11"/>
+          </p:nvPr>
+        </p:nvSpPr>
+        <p:spPr/>
+        <p:txBody>
+          <a:bodyPr/>
+          <a:lstStyle/>
+          <a:p>
+            <a:r>
+              <a:rPr lang="en-US" dirty="0">
+                <a:latin typeface="Palatino Linotype" panose="02040502050505030304" pitchFamily="18" charset="0"/>
+              </a:rPr>
+              <a:t>Data Science Project</a:t>
+            </a:r>
+          </a:p>
+        </p:txBody>
+      </p:sp>
+      <p:sp>
+        <p:nvSpPr>
+          <p:cNvPr id="6" name="Slide Number Placeholder 5">
+            <a:extLst>
+              <a:ext uri="{FF2B5EF4-FFF2-40B4-BE49-F238E27FC236}">
+                <a16:creationId xmlns:a16="http://schemas.microsoft.com/office/drawing/2014/main" id="{952A3A25-9337-C8E5-A5D9-FDB01571478F}"/>
+              </a:ext>
+            </a:extLst>
+          </p:cNvPr>
+          <p:cNvSpPr>
+            <a:spLocks noGrp="1"/>
+          </p:cNvSpPr>
+          <p:nvPr>
+            <p:ph type="sldNum" sz="quarter" idx="12"/>
+          </p:nvPr>
+        </p:nvSpPr>
+        <p:spPr/>
+        <p:txBody>
+          <a:bodyPr/>
+          <a:lstStyle/>
+          <a:p>
+            <a:fld id="{2652C4B5-A1E9-4984-9CD4-22695C1F6283}" type="slidenum">
+              <a:rPr lang="en-US" smtClean="0">
+                <a:latin typeface="Palatino Linotype" panose="02040502050505030304" pitchFamily="18" charset="0"/>
+              </a:rPr>
+              <a:t>4</a:t>
+            </a:fld>
+            <a:endParaRPr lang="en-US">
+              <a:latin typeface="Palatino Linotype" panose="02040502050505030304" pitchFamily="18" charset="0"/>
+            </a:endParaRPr>
+          </a:p>
+        </p:txBody>
+      </p:sp>
+      <mc:AlternateContent xmlns:mc="http://schemas.openxmlformats.org/markup-compatibility/2006" xmlns:a14="http://schemas.microsoft.com/office/drawing/2010/main">
+        <mc:Choice Requires="a14">
+          <p:sp>
+            <p:nvSpPr>
+              <p:cNvPr id="3" name="Content Placeholder 2">
+                <a:extLst>
+                  <a:ext uri="{FF2B5EF4-FFF2-40B4-BE49-F238E27FC236}">
+                    <a16:creationId xmlns:a16="http://schemas.microsoft.com/office/drawing/2014/main" id="{45762964-EBCA-AE88-8FEE-E1CC10991275}"/>
+                  </a:ext>
+                </a:extLst>
+              </p:cNvPr>
+              <p:cNvSpPr>
+                <a:spLocks noGrp="1"/>
+              </p:cNvSpPr>
+              <p:nvPr>
+                <p:ph idx="1"/>
+              </p:nvPr>
+            </p:nvSpPr>
+            <p:spPr>
+              <a:xfrm>
+                <a:off x="838201" y="1252892"/>
+                <a:ext cx="10522526" cy="4503474"/>
+              </a:xfrm>
+            </p:spPr>
+            <p:txBody>
+              <a:bodyPr>
+                <a:normAutofit/>
+              </a:bodyPr>
+              <a:lstStyle/>
+              <a:p>
+                <a:pPr algn="just"/>
+                <a:r>
+                  <a:rPr lang="en-US" sz="1800" dirty="0">
+                    <a:latin typeface="Palatino Linotype" panose="02040502050505030304" pitchFamily="18" charset="0"/>
+                  </a:rPr>
+                  <a:t>Physical &amp; Financial Progress of Pradhan Mantri Gram </a:t>
+                </a:r>
+                <a:r>
+                  <a:rPr lang="en-US" sz="1800" dirty="0" err="1">
+                    <a:latin typeface="Palatino Linotype" panose="02040502050505030304" pitchFamily="18" charset="0"/>
+                  </a:rPr>
+                  <a:t>Sadak</a:t>
+                </a:r>
+                <a:r>
+                  <a:rPr lang="en-US" sz="1800" dirty="0">
+                    <a:latin typeface="Palatino Linotype" panose="02040502050505030304" pitchFamily="18" charset="0"/>
+                  </a:rPr>
+                  <a:t> </a:t>
+                </a:r>
+                <a:r>
+                  <a:rPr lang="en-US" sz="1800" dirty="0" err="1">
+                    <a:latin typeface="Palatino Linotype" panose="02040502050505030304" pitchFamily="18" charset="0"/>
+                  </a:rPr>
+                  <a:t>Yojna</a:t>
+                </a:r>
+                <a:r>
+                  <a:rPr lang="en-US" sz="1800" dirty="0">
+                    <a:latin typeface="Palatino Linotype" panose="02040502050505030304" pitchFamily="18" charset="0"/>
+                  </a:rPr>
+                  <a:t> (PMGSY)</a:t>
+                </a:r>
+              </a:p>
+              <a:p>
+                <a:pPr algn="just"/>
+                <a:r>
+                  <a:rPr lang="en-US" sz="1800" dirty="0">
+                    <a:latin typeface="Palatino Linotype" panose="02040502050505030304" pitchFamily="18" charset="0"/>
+                  </a:rPr>
+                  <a:t>Link: </a:t>
+                </a:r>
+                <a:r>
+                  <a:rPr lang="en-IN" sz="1200" dirty="0">
+                    <a:hlinkClick r:id="rId2"/>
+                  </a:rPr>
+                  <a:t>https://www.data.gov.in/resource/physical-financial-progress-pradhan-mantri-gram-sadak-yojna-pmgsy-date</a:t>
+                </a:r>
+                <a:endParaRPr lang="en-US" sz="1800" dirty="0">
+                  <a:latin typeface="Palatino Linotype" panose="02040502050505030304" pitchFamily="18" charset="0"/>
+                </a:endParaRPr>
+              </a:p>
+              <a:p>
+                <a:pPr algn="just"/>
+                <a:r>
+                  <a:rPr lang="en-US" sz="1800" dirty="0">
+                    <a:latin typeface="Palatino Linotype" panose="02040502050505030304" pitchFamily="18" charset="0"/>
+                  </a:rPr>
+                  <a:t>Shape: </a:t>
+                </a:r>
+                <a14:m>
+                  <m:oMath xmlns:m="http://schemas.openxmlformats.org/officeDocument/2006/math">
+                    <m:r>
+                      <a:rPr lang="en-IN" sz="1800" b="0" i="1" smtClean="0">
+                        <a:latin typeface="Cambria Math" panose="02040503050406030204" pitchFamily="18" charset="0"/>
+                      </a:rPr>
+                      <m:t>2245 </m:t>
+                    </m:r>
+                    <m:r>
+                      <a:rPr lang="en-IN" sz="1800" b="0" i="1" smtClean="0">
+                        <a:latin typeface="Cambria Math" panose="02040503050406030204" pitchFamily="18" charset="0"/>
+                        <a:ea typeface="Cambria Math" panose="02040503050406030204" pitchFamily="18" charset="0"/>
+                      </a:rPr>
+                      <m:t>×14</m:t>
+                    </m:r>
+                  </m:oMath>
+                </a14:m>
+                <a:endParaRPr lang="en-US" sz="1800" dirty="0">
+                  <a:latin typeface="Palatino Linotype" panose="02040502050505030304" pitchFamily="18" charset="0"/>
+                </a:endParaRPr>
+              </a:p>
+            </p:txBody>
+          </p:sp>
+        </mc:Choice>
+        <mc:Fallback xmlns="">
+          <p:sp>
+            <p:nvSpPr>
+              <p:cNvPr id="3" name="Content Placeholder 2">
+                <a:extLst>
+                  <a:ext uri="{FF2B5EF4-FFF2-40B4-BE49-F238E27FC236}">
+                    <a16:creationId xmlns:a16="http://schemas.microsoft.com/office/drawing/2014/main" id="{45762964-EBCA-AE88-8FEE-E1CC10991275}"/>
+                  </a:ext>
+                </a:extLst>
+              </p:cNvPr>
+              <p:cNvSpPr>
+                <a:spLocks noGrp="1" noRot="1" noChangeAspect="1" noMove="1" noResize="1" noEditPoints="1" noAdjustHandles="1" noChangeArrowheads="1" noChangeShapeType="1" noTextEdit="1"/>
+              </p:cNvSpPr>
+              <p:nvPr>
+                <p:ph idx="1"/>
+              </p:nvPr>
+            </p:nvSpPr>
+            <p:spPr>
+              <a:xfrm>
+                <a:off x="838201" y="1252892"/>
+                <a:ext cx="10522526" cy="4503474"/>
+              </a:xfrm>
+              <a:blipFill>
+                <a:blip r:embed="rId3"/>
+                <a:stretch>
+                  <a:fillRect l="-348" t="-1355"/>
+                </a:stretch>
+              </a:blipFill>
+            </p:spPr>
+            <p:txBody>
+              <a:bodyPr/>
+              <a:lstStyle/>
+              <a:p>
+                <a:r>
+                  <a:rPr lang="en-IN">
+                    <a:noFill/>
+                  </a:rPr>
+                  <a:t> </a:t>
+                </a:r>
+              </a:p>
+            </p:txBody>
+          </p:sp>
+        </mc:Fallback>
+      </mc:AlternateContent>
+      <p:pic>
+        <p:nvPicPr>
+          <p:cNvPr id="7" name="Picture 6">
+            <a:extLst>
+              <a:ext uri="{FF2B5EF4-FFF2-40B4-BE49-F238E27FC236}">
+                <a16:creationId xmlns:a16="http://schemas.microsoft.com/office/drawing/2014/main" id="{605A176F-C2E3-F2CB-6E4B-80BCC37AE58C}"/>
+              </a:ext>
+            </a:extLst>
+          </p:cNvPr>
+          <p:cNvPicPr>
+            <a:picLocks noChangeAspect="1"/>
+          </p:cNvPicPr>
+          <p:nvPr/>
+        </p:nvPicPr>
+        <p:blipFill>
+          <a:blip r:embed="rId4"/>
+          <a:stretch>
+            <a:fillRect/>
+          </a:stretch>
+        </p:blipFill>
+        <p:spPr>
+          <a:xfrm>
+            <a:off x="8682643" y="4705004"/>
+            <a:ext cx="1787236" cy="1787236"/>
+          </a:xfrm>
+          <a:prstGeom prst="rect">
+            <a:avLst/>
+          </a:prstGeom>
+        </p:spPr>
+      </p:pic>
+    </p:spTree>
+    <p:extLst>
+      <p:ext uri="{BB962C8B-B14F-4D97-AF65-F5344CB8AC3E}">
+        <p14:creationId xmlns:p14="http://schemas.microsoft.com/office/powerpoint/2010/main" val="1979091958"/>
+      </p:ext>
+    </p:extLst>
+  </p:cSld>
+  <p:clrMapOvr>
+    <a:masterClrMapping/>
+  </p:clrMapOvr>
+</p:sld>
+</file>
+
+<file path=ppt/slides/slide5.xml><?xml version="1.0" encoding="utf-8"?>
+<p:sld xmlns:a="http://schemas.openxmlformats.org/drawingml/2006/main" xmlns:r="http://schemas.openxmlformats.org/officeDocument/2006/relationships" xmlns:p="http://schemas.openxmlformats.org/presentationml/2006/main">
+  <p:cSld>
+    <p:spTree>
+      <p:nvGrpSpPr>
+        <p:cNvPr id="1" name=""/>
+        <p:cNvGrpSpPr/>
+        <p:nvPr/>
+      </p:nvGrpSpPr>
+      <p:grpSpPr>
+        <a:xfrm>
+          <a:off x="0" y="0"/>
+          <a:ext cx="0" cy="0"/>
+          <a:chOff x="0" y="0"/>
+          <a:chExt cx="0" cy="0"/>
+        </a:xfrm>
+      </p:grpSpPr>
+      <p:sp>
+        <p:nvSpPr>
+          <p:cNvPr id="2" name="Title 1">
+            <a:extLst>
+              <a:ext uri="{FF2B5EF4-FFF2-40B4-BE49-F238E27FC236}">
+                <a16:creationId xmlns:a16="http://schemas.microsoft.com/office/drawing/2014/main" id="{09538C5C-548A-724D-008B-FBD6FD7D07ED}"/>
+              </a:ext>
+            </a:extLst>
+          </p:cNvPr>
+          <p:cNvSpPr>
+            <a:spLocks noGrp="1"/>
+          </p:cNvSpPr>
+          <p:nvPr>
+            <p:ph type="title"/>
+          </p:nvPr>
+        </p:nvSpPr>
+        <p:spPr/>
+        <p:txBody>
+          <a:bodyPr>
+            <a:noAutofit/>
+          </a:bodyPr>
+          <a:lstStyle/>
+          <a:p>
+            <a:r>
+              <a:rPr lang="en-US" sz="2800" dirty="0">
+                <a:latin typeface="Palatino Linotype" panose="02040502050505030304" pitchFamily="18" charset="0"/>
+              </a:rPr>
+              <a:t>Dataset 2</a:t>
+            </a:r>
+            <a:endParaRPr lang="en-IN" sz="2800" dirty="0">
+              <a:latin typeface="Palatino Linotype" panose="02040502050505030304" pitchFamily="18" charset="0"/>
+            </a:endParaRPr>
+          </a:p>
+        </p:txBody>
+      </p:sp>
+      <p:sp>
+        <p:nvSpPr>
+          <p:cNvPr id="4" name="Date Placeholder 3">
+            <a:extLst>
+              <a:ext uri="{FF2B5EF4-FFF2-40B4-BE49-F238E27FC236}">
+                <a16:creationId xmlns:a16="http://schemas.microsoft.com/office/drawing/2014/main" id="{629C3C4E-FB6C-9D7C-3E3C-41239CB96B94}"/>
+              </a:ext>
+            </a:extLst>
+          </p:cNvPr>
+          <p:cNvSpPr>
+            <a:spLocks noGrp="1"/>
+          </p:cNvSpPr>
+          <p:nvPr>
+            <p:ph type="dt" sz="half" idx="10"/>
+          </p:nvPr>
+        </p:nvSpPr>
+        <p:spPr/>
+        <p:txBody>
+          <a:bodyPr/>
+          <a:lstStyle/>
+          <a:p>
+            <a:fld id="{55D5B151-898D-433E-A483-768D1A8CE57D}" type="datetime1">
+              <a:rPr lang="en-US" smtClean="0">
+                <a:latin typeface="Palatino Linotype" panose="02040502050505030304" pitchFamily="18" charset="0"/>
+              </a:rPr>
+              <a:t>11/3/2024</a:t>
+            </a:fld>
+            <a:endParaRPr lang="en-US" dirty="0">
+              <a:latin typeface="Palatino Linotype" panose="02040502050505030304" pitchFamily="18" charset="0"/>
+            </a:endParaRPr>
+          </a:p>
+        </p:txBody>
+      </p:sp>
+      <p:sp>
+        <p:nvSpPr>
+          <p:cNvPr id="5" name="Footer Placeholder 4">
+            <a:extLst>
+              <a:ext uri="{FF2B5EF4-FFF2-40B4-BE49-F238E27FC236}">
+                <a16:creationId xmlns:a16="http://schemas.microsoft.com/office/drawing/2014/main" id="{44A7CDC7-443D-9F65-A64E-DD1F704CB8A5}"/>
+              </a:ext>
+            </a:extLst>
+          </p:cNvPr>
+          <p:cNvSpPr>
+            <a:spLocks noGrp="1"/>
+          </p:cNvSpPr>
+          <p:nvPr>
+            <p:ph type="ftr" sz="quarter" idx="11"/>
+          </p:nvPr>
+        </p:nvSpPr>
+        <p:spPr/>
+        <p:txBody>
+          <a:bodyPr/>
+          <a:lstStyle/>
+          <a:p>
+            <a:r>
+              <a:rPr lang="en-US" dirty="0">
+                <a:latin typeface="Palatino Linotype" panose="02040502050505030304" pitchFamily="18" charset="0"/>
+              </a:rPr>
+              <a:t>Data Science Project</a:t>
+            </a:r>
+          </a:p>
+        </p:txBody>
+      </p:sp>
+      <p:sp>
+        <p:nvSpPr>
+          <p:cNvPr id="6" name="Slide Number Placeholder 5">
+            <a:extLst>
+              <a:ext uri="{FF2B5EF4-FFF2-40B4-BE49-F238E27FC236}">
+                <a16:creationId xmlns:a16="http://schemas.microsoft.com/office/drawing/2014/main" id="{952A3A25-9337-C8E5-A5D9-FDB01571478F}"/>
+              </a:ext>
+            </a:extLst>
+          </p:cNvPr>
+          <p:cNvSpPr>
+            <a:spLocks noGrp="1"/>
+          </p:cNvSpPr>
+          <p:nvPr>
+            <p:ph type="sldNum" sz="quarter" idx="12"/>
+          </p:nvPr>
+        </p:nvSpPr>
+        <p:spPr/>
+        <p:txBody>
+          <a:bodyPr/>
+          <a:lstStyle/>
+          <a:p>
+            <a:fld id="{2652C4B5-A1E9-4984-9CD4-22695C1F6283}" type="slidenum">
+              <a:rPr lang="en-US" smtClean="0">
+                <a:latin typeface="Palatino Linotype" panose="02040502050505030304" pitchFamily="18" charset="0"/>
+              </a:rPr>
+              <a:t>5</a:t>
+            </a:fld>
+            <a:endParaRPr lang="en-US">
+              <a:latin typeface="Palatino Linotype" panose="02040502050505030304" pitchFamily="18" charset="0"/>
+            </a:endParaRPr>
+          </a:p>
+        </p:txBody>
+      </p:sp>
+      <mc:AlternateContent xmlns:mc="http://schemas.openxmlformats.org/markup-compatibility/2006" xmlns:a14="http://schemas.microsoft.com/office/drawing/2010/main">
+        <mc:Choice Requires="a14">
+          <p:sp>
+            <p:nvSpPr>
+              <p:cNvPr id="3" name="Content Placeholder 2">
+                <a:extLst>
+                  <a:ext uri="{FF2B5EF4-FFF2-40B4-BE49-F238E27FC236}">
+                    <a16:creationId xmlns:a16="http://schemas.microsoft.com/office/drawing/2014/main" id="{45762964-EBCA-AE88-8FEE-E1CC10991275}"/>
+                  </a:ext>
+                </a:extLst>
+              </p:cNvPr>
+              <p:cNvSpPr>
+                <a:spLocks noGrp="1"/>
+              </p:cNvSpPr>
+              <p:nvPr>
+                <p:ph idx="1"/>
+              </p:nvPr>
+            </p:nvSpPr>
+            <p:spPr>
+              <a:xfrm>
+                <a:off x="838201" y="1252892"/>
+                <a:ext cx="10522526" cy="4503474"/>
+              </a:xfrm>
+            </p:spPr>
+            <p:txBody>
+              <a:bodyPr>
+                <a:normAutofit/>
+              </a:bodyPr>
+              <a:lstStyle/>
+              <a:p>
+                <a:pPr algn="just"/>
+                <a:r>
+                  <a:rPr lang="en-US" sz="1800" dirty="0">
+                    <a:latin typeface="Palatino Linotype" panose="02040502050505030304" pitchFamily="18" charset="0"/>
+                  </a:rPr>
+                  <a:t>District-wise MGNREGA Data at a Glance</a:t>
+                </a:r>
+              </a:p>
+              <a:p>
+                <a:pPr algn="just"/>
+                <a:r>
+                  <a:rPr lang="en-US" sz="1800" dirty="0">
+                    <a:latin typeface="Palatino Linotype" panose="02040502050505030304" pitchFamily="18" charset="0"/>
+                  </a:rPr>
+                  <a:t>Mahatma Gandhi National Rural Employment Guarantee Act (MNREGA)</a:t>
+                </a:r>
+              </a:p>
+              <a:p>
+                <a:pPr algn="just"/>
+                <a:r>
+                  <a:rPr lang="en-US" sz="1800" dirty="0">
+                    <a:latin typeface="Palatino Linotype" panose="02040502050505030304" pitchFamily="18" charset="0"/>
+                  </a:rPr>
+                  <a:t>Link: </a:t>
+                </a:r>
+                <a:r>
+                  <a:rPr lang="en-IN" sz="1200" dirty="0">
+                    <a:hlinkClick r:id="rId2"/>
+                  </a:rPr>
+                  <a:t>https://www.data.gov.in/resource/district-wise-mgnrega-data-glance</a:t>
+                </a:r>
+                <a:endParaRPr lang="en-IN" sz="1200" dirty="0"/>
+              </a:p>
+              <a:p>
+                <a:pPr algn="just"/>
+                <a:r>
+                  <a:rPr lang="en-US" sz="1800" dirty="0">
+                    <a:latin typeface="Palatino Linotype" panose="02040502050505030304" pitchFamily="18" charset="0"/>
+                  </a:rPr>
+                  <a:t>Shape: </a:t>
+                </a:r>
+                <a14:m>
+                  <m:oMath xmlns:m="http://schemas.openxmlformats.org/officeDocument/2006/math">
+                    <m:r>
+                      <a:rPr lang="en-IN" sz="1800" i="1">
+                        <a:latin typeface="Cambria Math" panose="02040503050406030204" pitchFamily="18" charset="0"/>
+                      </a:rPr>
+                      <m:t>8</m:t>
+                    </m:r>
+                    <m:r>
+                      <a:rPr lang="en-IN" sz="1800" b="0" i="1" smtClean="0">
+                        <a:latin typeface="Cambria Math" panose="02040503050406030204" pitchFamily="18" charset="0"/>
+                      </a:rPr>
+                      <m:t>880 </m:t>
+                    </m:r>
+                    <m:r>
+                      <a:rPr lang="en-IN" sz="1800" b="0" i="1" smtClean="0">
+                        <a:latin typeface="Cambria Math" panose="02040503050406030204" pitchFamily="18" charset="0"/>
+                        <a:ea typeface="Cambria Math" panose="02040503050406030204" pitchFamily="18" charset="0"/>
+                      </a:rPr>
+                      <m:t>×36</m:t>
+                    </m:r>
+                  </m:oMath>
+                </a14:m>
+                <a:endParaRPr lang="en-US" sz="1800" dirty="0">
+                  <a:latin typeface="Palatino Linotype" panose="02040502050505030304" pitchFamily="18" charset="0"/>
+                </a:endParaRPr>
+              </a:p>
+            </p:txBody>
+          </p:sp>
+        </mc:Choice>
+        <mc:Fallback xmlns="">
+          <p:sp>
+            <p:nvSpPr>
+              <p:cNvPr id="3" name="Content Placeholder 2">
+                <a:extLst>
+                  <a:ext uri="{FF2B5EF4-FFF2-40B4-BE49-F238E27FC236}">
+                    <a16:creationId xmlns:a16="http://schemas.microsoft.com/office/drawing/2014/main" id="{45762964-EBCA-AE88-8FEE-E1CC10991275}"/>
+                  </a:ext>
+                </a:extLst>
+              </p:cNvPr>
+              <p:cNvSpPr>
+                <a:spLocks noGrp="1" noRot="1" noChangeAspect="1" noMove="1" noResize="1" noEditPoints="1" noAdjustHandles="1" noChangeArrowheads="1" noChangeShapeType="1" noTextEdit="1"/>
+              </p:cNvSpPr>
+              <p:nvPr>
+                <p:ph idx="1"/>
+              </p:nvPr>
+            </p:nvSpPr>
+            <p:spPr>
+              <a:xfrm>
+                <a:off x="838201" y="1252892"/>
+                <a:ext cx="10522526" cy="4503474"/>
+              </a:xfrm>
+              <a:blipFill>
+                <a:blip r:embed="rId3"/>
+                <a:stretch>
+                  <a:fillRect l="-348" t="-1355"/>
+                </a:stretch>
+              </a:blipFill>
+            </p:spPr>
+            <p:txBody>
+              <a:bodyPr/>
+              <a:lstStyle/>
+              <a:p>
+                <a:r>
+                  <a:rPr lang="en-IN">
+                    <a:noFill/>
+                  </a:rPr>
+                  <a:t> </a:t>
+                </a:r>
+              </a:p>
+            </p:txBody>
+          </p:sp>
+        </mc:Fallback>
+      </mc:AlternateContent>
+    </p:spTree>
+    <p:extLst>
+      <p:ext uri="{BB962C8B-B14F-4D97-AF65-F5344CB8AC3E}">
+        <p14:creationId xmlns:p14="http://schemas.microsoft.com/office/powerpoint/2010/main" val="1595158400"/>
+      </p:ext>
+    </p:extLst>
+  </p:cSld>
+  <p:clrMapOvr>
+    <a:masterClrMapping/>
+  </p:clrMapOvr>
+</p:sld>
+</file>
+
+<file path=ppt/slides/slide6.xml><?xml version="1.0" encoding="utf-8"?>
+<p:sld xmlns:a="http://schemas.openxmlformats.org/drawingml/2006/main" xmlns:r="http://schemas.openxmlformats.org/officeDocument/2006/relationships" xmlns:p="http://schemas.openxmlformats.org/presentationml/2006/main">
+  <p:cSld>
+    <p:spTree>
+      <p:nvGrpSpPr>
+        <p:cNvPr id="1" name=""/>
+        <p:cNvGrpSpPr/>
+        <p:nvPr/>
+      </p:nvGrpSpPr>
+      <p:grpSpPr>
+        <a:xfrm>
+          <a:off x="0" y="0"/>
+          <a:ext cx="0" cy="0"/>
+          <a:chOff x="0" y="0"/>
+          <a:chExt cx="0" cy="0"/>
+        </a:xfrm>
+      </p:grpSpPr>
+      <p:sp>
+        <p:nvSpPr>
+          <p:cNvPr id="2" name="Title 1">
+            <a:extLst>
+              <a:ext uri="{FF2B5EF4-FFF2-40B4-BE49-F238E27FC236}">
+                <a16:creationId xmlns:a16="http://schemas.microsoft.com/office/drawing/2014/main" id="{09538C5C-548A-724D-008B-FBD6FD7D07ED}"/>
+              </a:ext>
+            </a:extLst>
+          </p:cNvPr>
+          <p:cNvSpPr>
+            <a:spLocks noGrp="1"/>
+          </p:cNvSpPr>
+          <p:nvPr>
+            <p:ph type="title"/>
+          </p:nvPr>
+        </p:nvSpPr>
+        <p:spPr/>
+        <p:txBody>
+          <a:bodyPr>
+            <a:noAutofit/>
+          </a:bodyPr>
+          <a:lstStyle/>
+          <a:p>
+            <a:r>
+              <a:rPr lang="en-US" sz="2800" dirty="0">
+                <a:latin typeface="Palatino Linotype" panose="02040502050505030304" pitchFamily="18" charset="0"/>
+              </a:rPr>
+              <a:t>Dataset 6</a:t>
+            </a:r>
+            <a:endParaRPr lang="en-IN" sz="2800" dirty="0">
+              <a:latin typeface="Palatino Linotype" panose="02040502050505030304" pitchFamily="18" charset="0"/>
+            </a:endParaRPr>
+          </a:p>
+        </p:txBody>
+      </p:sp>
+      <p:sp>
+        <p:nvSpPr>
+          <p:cNvPr id="4" name="Date Placeholder 3">
+            <a:extLst>
+              <a:ext uri="{FF2B5EF4-FFF2-40B4-BE49-F238E27FC236}">
+                <a16:creationId xmlns:a16="http://schemas.microsoft.com/office/drawing/2014/main" id="{629C3C4E-FB6C-9D7C-3E3C-41239CB96B94}"/>
+              </a:ext>
+            </a:extLst>
+          </p:cNvPr>
+          <p:cNvSpPr>
+            <a:spLocks noGrp="1"/>
+          </p:cNvSpPr>
+          <p:nvPr>
+            <p:ph type="dt" sz="half" idx="10"/>
+          </p:nvPr>
+        </p:nvSpPr>
+        <p:spPr/>
+        <p:txBody>
+          <a:bodyPr/>
+          <a:lstStyle/>
+          <a:p>
+            <a:fld id="{55D5B151-898D-433E-A483-768D1A8CE57D}" type="datetime1">
+              <a:rPr lang="en-US" smtClean="0">
+                <a:latin typeface="Palatino Linotype" panose="02040502050505030304" pitchFamily="18" charset="0"/>
+              </a:rPr>
+              <a:t>11/3/2024</a:t>
+            </a:fld>
+            <a:endParaRPr lang="en-US" dirty="0">
+              <a:latin typeface="Palatino Linotype" panose="02040502050505030304" pitchFamily="18" charset="0"/>
+            </a:endParaRPr>
+          </a:p>
+        </p:txBody>
+      </p:sp>
+      <p:sp>
+        <p:nvSpPr>
+          <p:cNvPr id="5" name="Footer Placeholder 4">
+            <a:extLst>
+              <a:ext uri="{FF2B5EF4-FFF2-40B4-BE49-F238E27FC236}">
+                <a16:creationId xmlns:a16="http://schemas.microsoft.com/office/drawing/2014/main" id="{44A7CDC7-443D-9F65-A64E-DD1F704CB8A5}"/>
+              </a:ext>
+            </a:extLst>
+          </p:cNvPr>
+          <p:cNvSpPr>
+            <a:spLocks noGrp="1"/>
+          </p:cNvSpPr>
+          <p:nvPr>
+            <p:ph type="ftr" sz="quarter" idx="11"/>
+          </p:nvPr>
+        </p:nvSpPr>
+        <p:spPr/>
+        <p:txBody>
+          <a:bodyPr/>
+          <a:lstStyle/>
+          <a:p>
+            <a:r>
+              <a:rPr lang="en-US" dirty="0">
+                <a:latin typeface="Palatino Linotype" panose="02040502050505030304" pitchFamily="18" charset="0"/>
+              </a:rPr>
+              <a:t>Data Science Project</a:t>
+            </a:r>
+          </a:p>
+        </p:txBody>
+      </p:sp>
+      <p:sp>
+        <p:nvSpPr>
+          <p:cNvPr id="6" name="Slide Number Placeholder 5">
+            <a:extLst>
+              <a:ext uri="{FF2B5EF4-FFF2-40B4-BE49-F238E27FC236}">
+                <a16:creationId xmlns:a16="http://schemas.microsoft.com/office/drawing/2014/main" id="{952A3A25-9337-C8E5-A5D9-FDB01571478F}"/>
+              </a:ext>
+            </a:extLst>
+          </p:cNvPr>
+          <p:cNvSpPr>
+            <a:spLocks noGrp="1"/>
+          </p:cNvSpPr>
+          <p:nvPr>
+            <p:ph type="sldNum" sz="quarter" idx="12"/>
+          </p:nvPr>
+        </p:nvSpPr>
+        <p:spPr/>
+        <p:txBody>
+          <a:bodyPr/>
+          <a:lstStyle/>
+          <a:p>
+            <a:fld id="{2652C4B5-A1E9-4984-9CD4-22695C1F6283}" type="slidenum">
+              <a:rPr lang="en-US" smtClean="0">
+                <a:latin typeface="Palatino Linotype" panose="02040502050505030304" pitchFamily="18" charset="0"/>
+              </a:rPr>
+              <a:t>6</a:t>
+            </a:fld>
+            <a:endParaRPr lang="en-US">
+              <a:latin typeface="Palatino Linotype" panose="02040502050505030304" pitchFamily="18" charset="0"/>
+            </a:endParaRPr>
+          </a:p>
+        </p:txBody>
+      </p:sp>
+      <mc:AlternateContent xmlns:mc="http://schemas.openxmlformats.org/markup-compatibility/2006" xmlns:a14="http://schemas.microsoft.com/office/drawing/2010/main">
+        <mc:Choice Requires="a14">
+          <p:sp>
+            <p:nvSpPr>
+              <p:cNvPr id="3" name="Content Placeholder 2">
+                <a:extLst>
+                  <a:ext uri="{FF2B5EF4-FFF2-40B4-BE49-F238E27FC236}">
+                    <a16:creationId xmlns:a16="http://schemas.microsoft.com/office/drawing/2014/main" id="{45762964-EBCA-AE88-8FEE-E1CC10991275}"/>
+                  </a:ext>
+                </a:extLst>
+              </p:cNvPr>
+              <p:cNvSpPr>
+                <a:spLocks noGrp="1"/>
+              </p:cNvSpPr>
+              <p:nvPr>
+                <p:ph idx="1"/>
+              </p:nvPr>
+            </p:nvSpPr>
+            <p:spPr>
+              <a:xfrm>
+                <a:off x="838201" y="1252892"/>
+                <a:ext cx="10522526" cy="4503474"/>
+              </a:xfrm>
+            </p:spPr>
+            <p:txBody>
+              <a:bodyPr>
+                <a:normAutofit/>
+              </a:bodyPr>
+              <a:lstStyle/>
+              <a:p>
+                <a:r>
+                  <a:rPr lang="en-US" sz="1600" dirty="0">
+                    <a:latin typeface="Palatino Linotype" panose="02040502050505030304" pitchFamily="18" charset="0"/>
+                  </a:rPr>
+                  <a:t>Indira Gandhi Widow Pension Scheme (IGNWPS) Beneficiaries Abstract during FY 2023-24</a:t>
+                </a:r>
+              </a:p>
+              <a:p>
+                <a:pPr algn="just"/>
+                <a:r>
+                  <a:rPr lang="en-US" sz="1800" dirty="0">
+                    <a:latin typeface="Palatino Linotype" panose="02040502050505030304" pitchFamily="18" charset="0"/>
+                  </a:rPr>
+                  <a:t>Link: </a:t>
+                </a:r>
+                <a:r>
+                  <a:rPr lang="en-US" sz="1800" dirty="0">
+                    <a:latin typeface="Palatino Linotype" panose="02040502050505030304" pitchFamily="18" charset="0"/>
+                    <a:hlinkClick r:id="rId2"/>
+                  </a:rPr>
+                  <a:t>https://www.data.gov.in/resource/indira-gandhi-widow-pension-scheme-ignwps-beneficiaries-abstract-during-fy-2023-24</a:t>
+                </a:r>
+                <a:r>
+                  <a:rPr lang="en-US" sz="1800" dirty="0">
+                    <a:latin typeface="Palatino Linotype" panose="02040502050505030304" pitchFamily="18" charset="0"/>
+                  </a:rPr>
+                  <a:t> </a:t>
+                </a:r>
+              </a:p>
+              <a:p>
+                <a:pPr algn="just"/>
+                <a:r>
+                  <a:rPr lang="en-US" sz="1800" dirty="0">
+                    <a:latin typeface="Palatino Linotype" panose="02040502050505030304" pitchFamily="18" charset="0"/>
+                  </a:rPr>
+                  <a:t>Shape: </a:t>
+                </a:r>
+                <a14:m>
+                  <m:oMath xmlns:m="http://schemas.openxmlformats.org/officeDocument/2006/math">
+                    <m:r>
+                      <a:rPr lang="en-IN" sz="1800" b="0" i="1" smtClean="0">
+                        <a:latin typeface="Cambria Math" panose="02040503050406030204" pitchFamily="18" charset="0"/>
+                      </a:rPr>
+                      <m:t> 11490</m:t>
+                    </m:r>
+                    <m:r>
+                      <a:rPr lang="en-IN" sz="1800" b="0" i="1" smtClean="0">
+                        <a:latin typeface="Cambria Math" panose="02040503050406030204" pitchFamily="18" charset="0"/>
+                        <a:ea typeface="Cambria Math" panose="02040503050406030204" pitchFamily="18" charset="0"/>
+                      </a:rPr>
+                      <m:t>×15</m:t>
+                    </m:r>
+                  </m:oMath>
+                </a14:m>
+                <a:endParaRPr lang="en-US" sz="1800" dirty="0">
+                  <a:latin typeface="Palatino Linotype" panose="02040502050505030304" pitchFamily="18" charset="0"/>
+                </a:endParaRPr>
+              </a:p>
+            </p:txBody>
+          </p:sp>
+        </mc:Choice>
+        <mc:Fallback xmlns="">
+          <p:sp>
+            <p:nvSpPr>
+              <p:cNvPr id="3" name="Content Placeholder 2">
+                <a:extLst>
+                  <a:ext uri="{FF2B5EF4-FFF2-40B4-BE49-F238E27FC236}">
+                    <a16:creationId xmlns:a16="http://schemas.microsoft.com/office/drawing/2014/main" id="{45762964-EBCA-AE88-8FEE-E1CC10991275}"/>
+                  </a:ext>
+                </a:extLst>
+              </p:cNvPr>
+              <p:cNvSpPr>
+                <a:spLocks noGrp="1" noRot="1" noChangeAspect="1" noMove="1" noResize="1" noEditPoints="1" noAdjustHandles="1" noChangeArrowheads="1" noChangeShapeType="1" noTextEdit="1"/>
+              </p:cNvSpPr>
+              <p:nvPr>
+                <p:ph idx="1"/>
+              </p:nvPr>
+            </p:nvSpPr>
+            <p:spPr>
+              <a:xfrm>
+                <a:off x="838201" y="1252892"/>
+                <a:ext cx="10522526" cy="4503474"/>
+              </a:xfrm>
+              <a:blipFill>
+                <a:blip r:embed="rId3"/>
+                <a:stretch>
+                  <a:fillRect l="-348" t="-949" r="-463"/>
+                </a:stretch>
+              </a:blipFill>
+            </p:spPr>
+            <p:txBody>
+              <a:bodyPr/>
+              <a:lstStyle/>
+              <a:p>
+                <a:r>
+                  <a:rPr lang="en-IN">
+                    <a:noFill/>
+                  </a:rPr>
+                  <a:t> </a:t>
+                </a:r>
+              </a:p>
+            </p:txBody>
+          </p:sp>
+        </mc:Fallback>
+      </mc:AlternateContent>
+    </p:spTree>
+    <p:extLst>
+      <p:ext uri="{BB962C8B-B14F-4D97-AF65-F5344CB8AC3E}">
+        <p14:creationId xmlns:p14="http://schemas.microsoft.com/office/powerpoint/2010/main" val="1859243418"/>
+      </p:ext>
+    </p:extLst>
+  </p:cSld>
+  <p:clrMapOvr>
+    <a:masterClrMapping/>
+  </p:clrMapOvr>
+</p:sld>
+</file>
+
+<file path=ppt/slides/slide7.xml><?xml version="1.0" encoding="utf-8"?>
+<p:sld xmlns:a="http://schemas.openxmlformats.org/drawingml/2006/main" xmlns:r="http://schemas.openxmlformats.org/officeDocument/2006/relationships" xmlns:p="http://schemas.openxmlformats.org/presentationml/2006/main">
+  <p:cSld>
+    <p:spTree>
+      <p:nvGrpSpPr>
+        <p:cNvPr id="1" name=""/>
+        <p:cNvGrpSpPr/>
+        <p:nvPr/>
+      </p:nvGrpSpPr>
+      <p:grpSpPr>
+        <a:xfrm>
+          <a:off x="0" y="0"/>
+          <a:ext cx="0" cy="0"/>
+          <a:chOff x="0" y="0"/>
+          <a:chExt cx="0" cy="0"/>
+        </a:xfrm>
+      </p:grpSpPr>
+      <p:sp>
+        <p:nvSpPr>
+          <p:cNvPr id="2" name="Title 1">
+            <a:extLst>
+              <a:ext uri="{FF2B5EF4-FFF2-40B4-BE49-F238E27FC236}">
+                <a16:creationId xmlns:a16="http://schemas.microsoft.com/office/drawing/2014/main" id="{09538C5C-548A-724D-008B-FBD6FD7D07ED}"/>
+              </a:ext>
+            </a:extLst>
+          </p:cNvPr>
+          <p:cNvSpPr>
+            <a:spLocks noGrp="1"/>
+          </p:cNvSpPr>
+          <p:nvPr>
+            <p:ph type="title"/>
+          </p:nvPr>
+        </p:nvSpPr>
+        <p:spPr/>
+        <p:txBody>
+          <a:bodyPr>
+            <a:noAutofit/>
+          </a:bodyPr>
+          <a:lstStyle/>
+          <a:p>
+            <a:r>
+              <a:rPr lang="en-US" sz="2800" dirty="0">
+                <a:latin typeface="Palatino Linotype" panose="02040502050505030304" pitchFamily="18" charset="0"/>
+              </a:rPr>
+              <a:t>Dataset 7</a:t>
+            </a:r>
+            <a:endParaRPr lang="en-IN" sz="2800" dirty="0">
+              <a:latin typeface="Palatino Linotype" panose="02040502050505030304" pitchFamily="18" charset="0"/>
+            </a:endParaRPr>
+          </a:p>
+        </p:txBody>
+      </p:sp>
+      <p:sp>
+        <p:nvSpPr>
+          <p:cNvPr id="4" name="Date Placeholder 3">
+            <a:extLst>
+              <a:ext uri="{FF2B5EF4-FFF2-40B4-BE49-F238E27FC236}">
+                <a16:creationId xmlns:a16="http://schemas.microsoft.com/office/drawing/2014/main" id="{629C3C4E-FB6C-9D7C-3E3C-41239CB96B94}"/>
+              </a:ext>
+            </a:extLst>
+          </p:cNvPr>
+          <p:cNvSpPr>
+            <a:spLocks noGrp="1"/>
+          </p:cNvSpPr>
+          <p:nvPr>
+            <p:ph type="dt" sz="half" idx="10"/>
+          </p:nvPr>
+        </p:nvSpPr>
+        <p:spPr/>
+        <p:txBody>
+          <a:bodyPr/>
+          <a:lstStyle/>
+          <a:p>
+            <a:fld id="{55D5B151-898D-433E-A483-768D1A8CE57D}" type="datetime1">
+              <a:rPr lang="en-US" smtClean="0">
+                <a:latin typeface="Palatino Linotype" panose="02040502050505030304" pitchFamily="18" charset="0"/>
+              </a:rPr>
+              <a:t>11/3/2024</a:t>
+            </a:fld>
+            <a:endParaRPr lang="en-US" dirty="0">
+              <a:latin typeface="Palatino Linotype" panose="02040502050505030304" pitchFamily="18" charset="0"/>
+            </a:endParaRPr>
+          </a:p>
+        </p:txBody>
+      </p:sp>
+      <p:sp>
+        <p:nvSpPr>
+          <p:cNvPr id="5" name="Footer Placeholder 4">
+            <a:extLst>
+              <a:ext uri="{FF2B5EF4-FFF2-40B4-BE49-F238E27FC236}">
+                <a16:creationId xmlns:a16="http://schemas.microsoft.com/office/drawing/2014/main" id="{44A7CDC7-443D-9F65-A64E-DD1F704CB8A5}"/>
+              </a:ext>
+            </a:extLst>
+          </p:cNvPr>
+          <p:cNvSpPr>
+            <a:spLocks noGrp="1"/>
+          </p:cNvSpPr>
+          <p:nvPr>
+            <p:ph type="ftr" sz="quarter" idx="11"/>
+          </p:nvPr>
+        </p:nvSpPr>
+        <p:spPr/>
+        <p:txBody>
+          <a:bodyPr/>
+          <a:lstStyle/>
+          <a:p>
+            <a:r>
+              <a:rPr lang="en-US" dirty="0">
+                <a:latin typeface="Palatino Linotype" panose="02040502050505030304" pitchFamily="18" charset="0"/>
+              </a:rPr>
+              <a:t>Data Science Project</a:t>
+            </a:r>
+          </a:p>
+        </p:txBody>
+      </p:sp>
+      <p:sp>
+        <p:nvSpPr>
+          <p:cNvPr id="6" name="Slide Number Placeholder 5">
+            <a:extLst>
+              <a:ext uri="{FF2B5EF4-FFF2-40B4-BE49-F238E27FC236}">
+                <a16:creationId xmlns:a16="http://schemas.microsoft.com/office/drawing/2014/main" id="{952A3A25-9337-C8E5-A5D9-FDB01571478F}"/>
+              </a:ext>
+            </a:extLst>
+          </p:cNvPr>
+          <p:cNvSpPr>
+            <a:spLocks noGrp="1"/>
+          </p:cNvSpPr>
+          <p:nvPr>
+            <p:ph type="sldNum" sz="quarter" idx="12"/>
+          </p:nvPr>
+        </p:nvSpPr>
+        <p:spPr/>
+        <p:txBody>
+          <a:bodyPr/>
+          <a:lstStyle/>
+          <a:p>
+            <a:fld id="{2652C4B5-A1E9-4984-9CD4-22695C1F6283}" type="slidenum">
+              <a:rPr lang="en-US" smtClean="0">
+                <a:latin typeface="Palatino Linotype" panose="02040502050505030304" pitchFamily="18" charset="0"/>
+              </a:rPr>
+              <a:t>7</a:t>
+            </a:fld>
+            <a:endParaRPr lang="en-US">
+              <a:latin typeface="Palatino Linotype" panose="02040502050505030304" pitchFamily="18" charset="0"/>
+            </a:endParaRPr>
+          </a:p>
+        </p:txBody>
+      </p:sp>
+      <p:sp>
+        <p:nvSpPr>
+          <p:cNvPr id="3" name="Content Placeholder 2">
+            <a:extLst>
+              <a:ext uri="{FF2B5EF4-FFF2-40B4-BE49-F238E27FC236}">
+                <a16:creationId xmlns:a16="http://schemas.microsoft.com/office/drawing/2014/main" id="{45762964-EBCA-AE88-8FEE-E1CC10991275}"/>
+              </a:ext>
+            </a:extLst>
+          </p:cNvPr>
+          <p:cNvSpPr>
+            <a:spLocks noGrp="1"/>
+          </p:cNvSpPr>
+          <p:nvPr>
+            <p:ph idx="1"/>
+          </p:nvPr>
+        </p:nvSpPr>
+        <p:spPr>
+          <a:xfrm>
+            <a:off x="838201" y="1252892"/>
+            <a:ext cx="10522526" cy="4503474"/>
+          </a:xfrm>
+        </p:spPr>
+        <p:txBody>
+          <a:bodyPr>
+            <a:normAutofit/>
+          </a:bodyPr>
+          <a:lstStyle/>
+          <a:p>
+            <a:pPr algn="just"/>
+            <a:r>
+              <a:rPr lang="en-US" sz="1800" dirty="0">
+                <a:latin typeface="Palatino Linotype" panose="02040502050505030304" pitchFamily="18" charset="0"/>
+              </a:rPr>
+              <a:t>Indira Gandhi National Disability Pension Scheme (IGNDPS) Beneficiaries Abstract during FY 2023-24</a:t>
+            </a:r>
+          </a:p>
+          <a:p>
+            <a:pPr algn="just"/>
+            <a:r>
+              <a:rPr lang="en-US" sz="1800" dirty="0">
+                <a:latin typeface="Palatino Linotype" panose="02040502050505030304" pitchFamily="18" charset="0"/>
+              </a:rPr>
+              <a:t>Link: </a:t>
+            </a:r>
+            <a:r>
+              <a:rPr lang="en-IN" sz="1200" dirty="0">
+                <a:hlinkClick r:id="rId2"/>
+              </a:rPr>
+              <a:t>https://www.data.gov.in/resource/indira-gandhi-national-disability-pension-scheme-igndps-beneficiaries-abstract-during-fy</a:t>
+            </a:r>
+            <a:r>
+              <a:rPr lang="en-IN" sz="1200" dirty="0"/>
+              <a:t> </a:t>
+            </a:r>
+          </a:p>
+          <a:p>
+            <a:pPr algn="just"/>
+            <a:r>
+              <a:rPr lang="en-US" sz="1800" dirty="0">
+                <a:latin typeface="Palatino Linotype" panose="02040502050505030304" pitchFamily="18" charset="0"/>
+              </a:rPr>
+              <a:t>Shape: 11438 x 15</a:t>
+            </a:r>
+          </a:p>
+        </p:txBody>
+      </p:sp>
+    </p:spTree>
+    <p:extLst>
+      <p:ext uri="{BB962C8B-B14F-4D97-AF65-F5344CB8AC3E}">
+        <p14:creationId xmlns:p14="http://schemas.microsoft.com/office/powerpoint/2010/main" val="331322474"/>
+      </p:ext>
+    </p:extLst>
+  </p:cSld>
+  <p:clrMapOvr>
+    <a:masterClrMapping/>
+  </p:clrMapOvr>
+</p:sld>
+</file>
+
+<file path=ppt/slides/slide8.xml><?xml version="1.0" encoding="utf-8"?>
+<p:sld xmlns:a="http://schemas.openxmlformats.org/drawingml/2006/main" xmlns:r="http://schemas.openxmlformats.org/officeDocument/2006/relationships" xmlns:p="http://schemas.openxmlformats.org/presentationml/2006/main">
+  <p:cSld>
+    <p:spTree>
+      <p:nvGrpSpPr>
+        <p:cNvPr id="1" name=""/>
+        <p:cNvGrpSpPr/>
+        <p:nvPr/>
+      </p:nvGrpSpPr>
+      <p:grpSpPr>
+        <a:xfrm>
+          <a:off x="0" y="0"/>
+          <a:ext cx="0" cy="0"/>
+          <a:chOff x="0" y="0"/>
+          <a:chExt cx="0" cy="0"/>
+        </a:xfrm>
+      </p:grpSpPr>
+      <p:sp>
+        <p:nvSpPr>
+          <p:cNvPr id="2" name="Title 1">
+            <a:extLst>
+              <a:ext uri="{FF2B5EF4-FFF2-40B4-BE49-F238E27FC236}">
+                <a16:creationId xmlns:a16="http://schemas.microsoft.com/office/drawing/2014/main" id="{09538C5C-548A-724D-008B-FBD6FD7D07ED}"/>
+              </a:ext>
+            </a:extLst>
+          </p:cNvPr>
+          <p:cNvSpPr>
+            <a:spLocks noGrp="1"/>
+          </p:cNvSpPr>
+          <p:nvPr>
+            <p:ph type="title"/>
+          </p:nvPr>
+        </p:nvSpPr>
+        <p:spPr/>
+        <p:txBody>
+          <a:bodyPr>
+            <a:noAutofit/>
+          </a:bodyPr>
+          <a:lstStyle/>
+          <a:p>
+            <a:r>
+              <a:rPr lang="en-US" sz="2800" dirty="0">
+                <a:latin typeface="Palatino Linotype" panose="02040502050505030304" pitchFamily="18" charset="0"/>
+              </a:rPr>
+              <a:t>Dataset 8</a:t>
+            </a:r>
+            <a:endParaRPr lang="en-IN" sz="2800" dirty="0">
+              <a:latin typeface="Palatino Linotype" panose="02040502050505030304" pitchFamily="18" charset="0"/>
+            </a:endParaRPr>
+          </a:p>
+        </p:txBody>
+      </p:sp>
+      <p:sp>
+        <p:nvSpPr>
+          <p:cNvPr id="4" name="Date Placeholder 3">
+            <a:extLst>
+              <a:ext uri="{FF2B5EF4-FFF2-40B4-BE49-F238E27FC236}">
+                <a16:creationId xmlns:a16="http://schemas.microsoft.com/office/drawing/2014/main" id="{629C3C4E-FB6C-9D7C-3E3C-41239CB96B94}"/>
+              </a:ext>
+            </a:extLst>
+          </p:cNvPr>
+          <p:cNvSpPr>
+            <a:spLocks noGrp="1"/>
+          </p:cNvSpPr>
+          <p:nvPr>
+            <p:ph type="dt" sz="half" idx="10"/>
+          </p:nvPr>
+        </p:nvSpPr>
+        <p:spPr/>
+        <p:txBody>
+          <a:bodyPr/>
+          <a:lstStyle/>
+          <a:p>
+            <a:fld id="{55D5B151-898D-433E-A483-768D1A8CE57D}" type="datetime1">
+              <a:rPr lang="en-US" smtClean="0">
+                <a:latin typeface="Palatino Linotype" panose="02040502050505030304" pitchFamily="18" charset="0"/>
+              </a:rPr>
+              <a:t>11/3/2024</a:t>
+            </a:fld>
+            <a:endParaRPr lang="en-US" dirty="0">
+              <a:latin typeface="Palatino Linotype" panose="02040502050505030304" pitchFamily="18" charset="0"/>
+            </a:endParaRPr>
+          </a:p>
+        </p:txBody>
+      </p:sp>
+      <p:sp>
+        <p:nvSpPr>
+          <p:cNvPr id="5" name="Footer Placeholder 4">
+            <a:extLst>
+              <a:ext uri="{FF2B5EF4-FFF2-40B4-BE49-F238E27FC236}">
+                <a16:creationId xmlns:a16="http://schemas.microsoft.com/office/drawing/2014/main" id="{44A7CDC7-443D-9F65-A64E-DD1F704CB8A5}"/>
+              </a:ext>
+            </a:extLst>
+          </p:cNvPr>
+          <p:cNvSpPr>
+            <a:spLocks noGrp="1"/>
+          </p:cNvSpPr>
+          <p:nvPr>
+            <p:ph type="ftr" sz="quarter" idx="11"/>
+          </p:nvPr>
+        </p:nvSpPr>
+        <p:spPr/>
+        <p:txBody>
+          <a:bodyPr/>
+          <a:lstStyle/>
+          <a:p>
+            <a:r>
+              <a:rPr lang="en-US" dirty="0">
+                <a:latin typeface="Palatino Linotype" panose="02040502050505030304" pitchFamily="18" charset="0"/>
+              </a:rPr>
+              <a:t>Data Science Project</a:t>
+            </a:r>
+          </a:p>
+        </p:txBody>
+      </p:sp>
+      <p:sp>
+        <p:nvSpPr>
+          <p:cNvPr id="6" name="Slide Number Placeholder 5">
+            <a:extLst>
+              <a:ext uri="{FF2B5EF4-FFF2-40B4-BE49-F238E27FC236}">
+                <a16:creationId xmlns:a16="http://schemas.microsoft.com/office/drawing/2014/main" id="{952A3A25-9337-C8E5-A5D9-FDB01571478F}"/>
+              </a:ext>
+            </a:extLst>
+          </p:cNvPr>
+          <p:cNvSpPr>
+            <a:spLocks noGrp="1"/>
+          </p:cNvSpPr>
+          <p:nvPr>
+            <p:ph type="sldNum" sz="quarter" idx="12"/>
+          </p:nvPr>
+        </p:nvSpPr>
+        <p:spPr/>
+        <p:txBody>
+          <a:bodyPr/>
+          <a:lstStyle/>
+          <a:p>
+            <a:fld id="{2652C4B5-A1E9-4984-9CD4-22695C1F6283}" type="slidenum">
+              <a:rPr lang="en-US" smtClean="0">
+                <a:latin typeface="Palatino Linotype" panose="02040502050505030304" pitchFamily="18" charset="0"/>
+              </a:rPr>
+              <a:t>8</a:t>
+            </a:fld>
+            <a:endParaRPr lang="en-US">
+              <a:latin typeface="Palatino Linotype" panose="02040502050505030304" pitchFamily="18" charset="0"/>
+            </a:endParaRPr>
+          </a:p>
+        </p:txBody>
+      </p:sp>
+      <p:sp>
+        <p:nvSpPr>
+          <p:cNvPr id="3" name="Content Placeholder 2">
+            <a:extLst>
+              <a:ext uri="{FF2B5EF4-FFF2-40B4-BE49-F238E27FC236}">
+                <a16:creationId xmlns:a16="http://schemas.microsoft.com/office/drawing/2014/main" id="{45762964-EBCA-AE88-8FEE-E1CC10991275}"/>
+              </a:ext>
+            </a:extLst>
+          </p:cNvPr>
+          <p:cNvSpPr>
+            <a:spLocks noGrp="1"/>
+          </p:cNvSpPr>
+          <p:nvPr>
+            <p:ph idx="1"/>
+          </p:nvPr>
+        </p:nvSpPr>
+        <p:spPr>
+          <a:xfrm>
+            <a:off x="838201" y="1252892"/>
+            <a:ext cx="10522526" cy="4503474"/>
+          </a:xfrm>
+        </p:spPr>
+        <p:txBody>
+          <a:bodyPr>
+            <a:normAutofit/>
+          </a:bodyPr>
+          <a:lstStyle/>
+          <a:p>
+            <a:r>
+              <a:rPr lang="en-US" sz="1800" dirty="0">
+                <a:latin typeface="Palatino Linotype" panose="02040502050505030304" pitchFamily="18" charset="0"/>
+              </a:rPr>
+              <a:t>Indira Gandhi National Old Aged Pension Scheme (IGNOAPS) Beneficiaries Abstract during FY 2023-24</a:t>
+            </a:r>
+          </a:p>
+          <a:p>
+            <a:r>
+              <a:rPr lang="en-US" sz="1800" dirty="0">
+                <a:latin typeface="Palatino Linotype" panose="02040502050505030304" pitchFamily="18" charset="0"/>
+              </a:rPr>
+              <a:t>Link: </a:t>
+            </a:r>
+            <a:r>
+              <a:rPr lang="en-US" sz="1800" dirty="0">
+                <a:latin typeface="Palatino Linotype" panose="02040502050505030304" pitchFamily="18" charset="0"/>
+                <a:hlinkClick r:id="rId2"/>
+              </a:rPr>
+              <a:t>https://www.data.gov.in/resource/indira-gandhi-national-old-aged-pension-scheme-ignoaps-beneficiaries-abstract-during-fy</a:t>
+            </a:r>
+            <a:r>
+              <a:rPr lang="en-US" sz="1800" dirty="0">
+                <a:latin typeface="Palatino Linotype" panose="02040502050505030304" pitchFamily="18" charset="0"/>
+              </a:rPr>
+              <a:t>  </a:t>
+            </a:r>
+            <a:endParaRPr lang="en-IN" sz="1800" dirty="0">
+              <a:latin typeface="Palatino Linotype" panose="02040502050505030304" pitchFamily="18" charset="0"/>
+            </a:endParaRPr>
+          </a:p>
+          <a:p>
+            <a:pPr algn="just"/>
+            <a:r>
+              <a:rPr lang="en-US" sz="1800" dirty="0">
+                <a:latin typeface="Palatino Linotype" panose="02040502050505030304" pitchFamily="18" charset="0"/>
+              </a:rPr>
+              <a:t>Shape: 11622 x 15</a:t>
+            </a:r>
+          </a:p>
+        </p:txBody>
+      </p:sp>
+    </p:spTree>
+    <p:extLst>
+      <p:ext uri="{BB962C8B-B14F-4D97-AF65-F5344CB8AC3E}">
+        <p14:creationId xmlns:p14="http://schemas.microsoft.com/office/powerpoint/2010/main" val="3085227519"/>
+      </p:ext>
+    </p:extLst>
+  </p:cSld>
+  <p:clrMapOvr>
+    <a:masterClrMapping/>
+  </p:clrMapOvr>
+</p:sld>
+</file>
+
+<file path=ppt/slides/slide9.xml><?xml version="1.0" encoding="utf-8"?>
+<p:sld xmlns:a="http://schemas.openxmlformats.org/drawingml/2006/main" xmlns:r="http://schemas.openxmlformats.org/officeDocument/2006/relationships" xmlns:p="http://schemas.openxmlformats.org/presentationml/2006/main">
+  <p:cSld>
+    <p:spTree>
+      <p:nvGrpSpPr>
+        <p:cNvPr id="1" name=""/>
+        <p:cNvGrpSpPr/>
+        <p:nvPr/>
+      </p:nvGrpSpPr>
+      <p:grpSpPr>
+        <a:xfrm>
+          <a:off x="0" y="0"/>
+          <a:ext cx="0" cy="0"/>
+          <a:chOff x="0" y="0"/>
+          <a:chExt cx="0" cy="0"/>
+        </a:xfrm>
+      </p:grpSpPr>
+      <p:sp>
+        <p:nvSpPr>
+          <p:cNvPr id="2" name="Title 1">
+            <a:extLst>
+              <a:ext uri="{FF2B5EF4-FFF2-40B4-BE49-F238E27FC236}">
+                <a16:creationId xmlns:a16="http://schemas.microsoft.com/office/drawing/2014/main" id="{09538C5C-548A-724D-008B-FBD6FD7D07ED}"/>
+              </a:ext>
+            </a:extLst>
+          </p:cNvPr>
+          <p:cNvSpPr>
+            <a:spLocks noGrp="1"/>
+          </p:cNvSpPr>
+          <p:nvPr>
+            <p:ph type="title"/>
+          </p:nvPr>
+        </p:nvSpPr>
+        <p:spPr/>
+        <p:txBody>
+          <a:bodyPr>
+            <a:noAutofit/>
+          </a:bodyPr>
+          <a:lstStyle/>
+          <a:p>
+            <a:r>
+              <a:rPr lang="en-US" sz="2800" dirty="0">
+                <a:latin typeface="Palatino Linotype" panose="02040502050505030304" pitchFamily="18" charset="0"/>
+              </a:rPr>
+              <a:t>Dataset 9</a:t>
+            </a:r>
+            <a:endParaRPr lang="en-IN" sz="2800" dirty="0">
+              <a:latin typeface="Palatino Linotype" panose="02040502050505030304" pitchFamily="18" charset="0"/>
+            </a:endParaRPr>
+          </a:p>
+        </p:txBody>
+      </p:sp>
+      <p:sp>
+        <p:nvSpPr>
+          <p:cNvPr id="4" name="Date Placeholder 3">
+            <a:extLst>
+              <a:ext uri="{FF2B5EF4-FFF2-40B4-BE49-F238E27FC236}">
+                <a16:creationId xmlns:a16="http://schemas.microsoft.com/office/drawing/2014/main" id="{629C3C4E-FB6C-9D7C-3E3C-41239CB96B94}"/>
+              </a:ext>
+            </a:extLst>
+          </p:cNvPr>
+          <p:cNvSpPr>
+            <a:spLocks noGrp="1"/>
+          </p:cNvSpPr>
+          <p:nvPr>
+            <p:ph type="dt" sz="half" idx="10"/>
+          </p:nvPr>
+        </p:nvSpPr>
+        <p:spPr/>
+        <p:txBody>
+          <a:bodyPr/>
+          <a:lstStyle/>
+          <a:p>
+            <a:fld id="{55D5B151-898D-433E-A483-768D1A8CE57D}" type="datetime1">
+              <a:rPr lang="en-US" smtClean="0">
+                <a:latin typeface="Palatino Linotype" panose="02040502050505030304" pitchFamily="18" charset="0"/>
+              </a:rPr>
+              <a:t>11/3/2024</a:t>
+            </a:fld>
+            <a:endParaRPr lang="en-US" dirty="0">
+              <a:latin typeface="Palatino Linotype" panose="02040502050505030304" pitchFamily="18" charset="0"/>
+            </a:endParaRPr>
+          </a:p>
+        </p:txBody>
+      </p:sp>
+      <p:sp>
+        <p:nvSpPr>
+          <p:cNvPr id="5" name="Footer Placeholder 4">
+            <a:extLst>
+              <a:ext uri="{FF2B5EF4-FFF2-40B4-BE49-F238E27FC236}">
+                <a16:creationId xmlns:a16="http://schemas.microsoft.com/office/drawing/2014/main" id="{44A7CDC7-443D-9F65-A64E-DD1F704CB8A5}"/>
+              </a:ext>
+            </a:extLst>
+          </p:cNvPr>
+          <p:cNvSpPr>
+            <a:spLocks noGrp="1"/>
+          </p:cNvSpPr>
+          <p:nvPr>
+            <p:ph type="ftr" sz="quarter" idx="11"/>
+          </p:nvPr>
+        </p:nvSpPr>
+        <p:spPr/>
+        <p:txBody>
+          <a:bodyPr/>
+          <a:lstStyle/>
+          <a:p>
+            <a:r>
+              <a:rPr lang="en-US" dirty="0">
+                <a:latin typeface="Palatino Linotype" panose="02040502050505030304" pitchFamily="18" charset="0"/>
+              </a:rPr>
+              <a:t>Data Science Project</a:t>
+            </a:r>
+          </a:p>
+        </p:txBody>
+      </p:sp>
+      <p:sp>
+        <p:nvSpPr>
+          <p:cNvPr id="6" name="Slide Number Placeholder 5">
+            <a:extLst>
+              <a:ext uri="{FF2B5EF4-FFF2-40B4-BE49-F238E27FC236}">
+                <a16:creationId xmlns:a16="http://schemas.microsoft.com/office/drawing/2014/main" id="{952A3A25-9337-C8E5-A5D9-FDB01571478F}"/>
+              </a:ext>
+            </a:extLst>
+          </p:cNvPr>
+          <p:cNvSpPr>
+            <a:spLocks noGrp="1"/>
+          </p:cNvSpPr>
+          <p:nvPr>
+            <p:ph type="sldNum" sz="quarter" idx="12"/>
+          </p:nvPr>
+        </p:nvSpPr>
+        <p:spPr/>
+        <p:txBody>
+          <a:bodyPr/>
+          <a:lstStyle/>
+          <a:p>
+            <a:fld id="{2652C4B5-A1E9-4984-9CD4-22695C1F6283}" type="slidenum">
+              <a:rPr lang="en-US" smtClean="0">
+                <a:latin typeface="Palatino Linotype" panose="02040502050505030304" pitchFamily="18" charset="0"/>
+              </a:rPr>
+              <a:t>9</a:t>
+            </a:fld>
+            <a:endParaRPr lang="en-US">
+              <a:latin typeface="Palatino Linotype" panose="02040502050505030304" pitchFamily="18" charset="0"/>
+            </a:endParaRPr>
+          </a:p>
+        </p:txBody>
+      </p:sp>
+      <p:sp>
+        <p:nvSpPr>
+          <p:cNvPr id="3" name="Content Placeholder 2">
+            <a:extLst>
+              <a:ext uri="{FF2B5EF4-FFF2-40B4-BE49-F238E27FC236}">
+                <a16:creationId xmlns:a16="http://schemas.microsoft.com/office/drawing/2014/main" id="{45762964-EBCA-AE88-8FEE-E1CC10991275}"/>
+              </a:ext>
+            </a:extLst>
+          </p:cNvPr>
+          <p:cNvSpPr>
+            <a:spLocks noGrp="1"/>
+          </p:cNvSpPr>
+          <p:nvPr>
+            <p:ph idx="1"/>
+          </p:nvPr>
+        </p:nvSpPr>
+        <p:spPr>
+          <a:xfrm>
+            <a:off x="838201" y="1252892"/>
+            <a:ext cx="10522526" cy="4503474"/>
+          </a:xfrm>
+        </p:spPr>
+        <p:txBody>
+          <a:bodyPr>
+            <a:normAutofit/>
+          </a:bodyPr>
+          <a:lstStyle/>
+          <a:p>
+            <a:r>
+              <a:rPr lang="en-US" sz="1800" dirty="0" err="1">
+                <a:latin typeface="Palatino Linotype" panose="02040502050505030304" pitchFamily="18" charset="0"/>
+              </a:rPr>
+              <a:t>BharatNet</a:t>
+            </a:r>
+            <a:r>
+              <a:rPr lang="en-US" sz="1800" dirty="0">
+                <a:latin typeface="Palatino Linotype" panose="02040502050505030304" pitchFamily="18" charset="0"/>
+              </a:rPr>
+              <a:t> Service Ready Gram Panchayat as on 31-03-2024</a:t>
+            </a:r>
+          </a:p>
+          <a:p>
+            <a:r>
+              <a:rPr lang="en-US" sz="1800" dirty="0">
+                <a:latin typeface="Palatino Linotype" panose="02040502050505030304" pitchFamily="18" charset="0"/>
+              </a:rPr>
+              <a:t>Link: </a:t>
+            </a:r>
+            <a:r>
+              <a:rPr lang="en-US" sz="1800" dirty="0">
+                <a:latin typeface="Palatino Linotype" panose="02040502050505030304" pitchFamily="18" charset="0"/>
+                <a:hlinkClick r:id="rId2"/>
+              </a:rPr>
+              <a:t>https://www.data.gov.in/resource/district-wise-service-ready-gram-panchayat-31-03-2024</a:t>
+            </a:r>
+            <a:r>
+              <a:rPr lang="en-US" sz="1800" dirty="0">
+                <a:latin typeface="Palatino Linotype" panose="02040502050505030304" pitchFamily="18" charset="0"/>
+              </a:rPr>
+              <a:t> </a:t>
+            </a:r>
+          </a:p>
+          <a:p>
+            <a:r>
+              <a:rPr lang="en-US" sz="1800" dirty="0">
+                <a:latin typeface="Palatino Linotype" panose="02040502050505030304" pitchFamily="18" charset="0"/>
+              </a:rPr>
+              <a:t>Shape: 716 x 4</a:t>
+            </a:r>
+          </a:p>
+        </p:txBody>
+      </p:sp>
+      <p:pic>
+        <p:nvPicPr>
+          <p:cNvPr id="7" name="Picture 6">
+            <a:extLst>
+              <a:ext uri="{FF2B5EF4-FFF2-40B4-BE49-F238E27FC236}">
+                <a16:creationId xmlns:a16="http://schemas.microsoft.com/office/drawing/2014/main" id="{B03D1533-B723-3C9F-F764-5522CAA3CB39}"/>
+              </a:ext>
+            </a:extLst>
+          </p:cNvPr>
+          <p:cNvPicPr>
+            <a:picLocks noChangeAspect="1"/>
+          </p:cNvPicPr>
+          <p:nvPr/>
+        </p:nvPicPr>
+        <p:blipFill>
+          <a:blip r:embed="rId3"/>
+          <a:stretch>
+            <a:fillRect/>
+          </a:stretch>
+        </p:blipFill>
+        <p:spPr>
+          <a:xfrm>
+            <a:off x="8682643" y="4705004"/>
+            <a:ext cx="1787236" cy="1787236"/>
+          </a:xfrm>
+          <a:prstGeom prst="rect">
+            <a:avLst/>
+          </a:prstGeom>
+        </p:spPr>
+      </p:pic>
+    </p:spTree>
+    <p:extLst>
+      <p:ext uri="{BB962C8B-B14F-4D97-AF65-F5344CB8AC3E}">
+        <p14:creationId xmlns:p14="http://schemas.microsoft.com/office/powerpoint/2010/main" val="645517774"/>
       </p:ext>
     </p:extLst>
   </p:cSld>
